--- a/docu/GridStudio-Architecture.pptx
+++ b/docu/GridStudio-Architecture.pptx
@@ -8,9 +8,10 @@
     <p:sldId id="256" r:id="rId2"/>
     <p:sldId id="257" r:id="rId3"/>
     <p:sldId id="258" r:id="rId4"/>
-    <p:sldId id="259" r:id="rId5"/>
-    <p:sldId id="260" r:id="rId6"/>
-    <p:sldId id="261" r:id="rId7"/>
+    <p:sldId id="262" r:id="rId5"/>
+    <p:sldId id="259" r:id="rId6"/>
+    <p:sldId id="260" r:id="rId7"/>
+    <p:sldId id="261" r:id="rId8"/>
   </p:sldIdLst>
   <p:sldSz cx="9144000" cy="6858000" type="screen4x3"/>
   <p:notesSz cx="6858000" cy="9144000"/>
@@ -294,7 +295,7 @@
             <a:fld id="{530820CF-B880-4189-942D-D702A7CBA730}" type="datetimeFigureOut">
               <a:rPr lang="zh-CN" altLang="en-US" smtClean="0"/>
               <a:pPr/>
-              <a:t>2019/8/22</a:t>
+              <a:t>2019/9/5</a:t>
             </a:fld>
             <a:endParaRPr lang="zh-CN" altLang="en-US"/>
           </a:p>
@@ -461,7 +462,7 @@
             <a:fld id="{530820CF-B880-4189-942D-D702A7CBA730}" type="datetimeFigureOut">
               <a:rPr lang="zh-CN" altLang="en-US" smtClean="0"/>
               <a:pPr/>
-              <a:t>2019/8/22</a:t>
+              <a:t>2019/9/5</a:t>
             </a:fld>
             <a:endParaRPr lang="zh-CN" altLang="en-US"/>
           </a:p>
@@ -638,7 +639,7 @@
             <a:fld id="{530820CF-B880-4189-942D-D702A7CBA730}" type="datetimeFigureOut">
               <a:rPr lang="zh-CN" altLang="en-US" smtClean="0"/>
               <a:pPr/>
-              <a:t>2019/8/22</a:t>
+              <a:t>2019/9/5</a:t>
             </a:fld>
             <a:endParaRPr lang="zh-CN" altLang="en-US"/>
           </a:p>
@@ -805,7 +806,7 @@
             <a:fld id="{530820CF-B880-4189-942D-D702A7CBA730}" type="datetimeFigureOut">
               <a:rPr lang="zh-CN" altLang="en-US" smtClean="0"/>
               <a:pPr/>
-              <a:t>2019/8/22</a:t>
+              <a:t>2019/9/5</a:t>
             </a:fld>
             <a:endParaRPr lang="zh-CN" altLang="en-US"/>
           </a:p>
@@ -1048,7 +1049,7 @@
             <a:fld id="{530820CF-B880-4189-942D-D702A7CBA730}" type="datetimeFigureOut">
               <a:rPr lang="zh-CN" altLang="en-US" smtClean="0"/>
               <a:pPr/>
-              <a:t>2019/8/22</a:t>
+              <a:t>2019/9/5</a:t>
             </a:fld>
             <a:endParaRPr lang="zh-CN" altLang="en-US"/>
           </a:p>
@@ -1333,7 +1334,7 @@
             <a:fld id="{530820CF-B880-4189-942D-D702A7CBA730}" type="datetimeFigureOut">
               <a:rPr lang="zh-CN" altLang="en-US" smtClean="0"/>
               <a:pPr/>
-              <a:t>2019/8/22</a:t>
+              <a:t>2019/9/5</a:t>
             </a:fld>
             <a:endParaRPr lang="zh-CN" altLang="en-US"/>
           </a:p>
@@ -1752,7 +1753,7 @@
             <a:fld id="{530820CF-B880-4189-942D-D702A7CBA730}" type="datetimeFigureOut">
               <a:rPr lang="zh-CN" altLang="en-US" smtClean="0"/>
               <a:pPr/>
-              <a:t>2019/8/22</a:t>
+              <a:t>2019/9/5</a:t>
             </a:fld>
             <a:endParaRPr lang="zh-CN" altLang="en-US"/>
           </a:p>
@@ -1867,7 +1868,7 @@
             <a:fld id="{530820CF-B880-4189-942D-D702A7CBA730}" type="datetimeFigureOut">
               <a:rPr lang="zh-CN" altLang="en-US" smtClean="0"/>
               <a:pPr/>
-              <a:t>2019/8/22</a:t>
+              <a:t>2019/9/5</a:t>
             </a:fld>
             <a:endParaRPr lang="zh-CN" altLang="en-US"/>
           </a:p>
@@ -1959,7 +1960,7 @@
             <a:fld id="{530820CF-B880-4189-942D-D702A7CBA730}" type="datetimeFigureOut">
               <a:rPr lang="zh-CN" altLang="en-US" smtClean="0"/>
               <a:pPr/>
-              <a:t>2019/8/22</a:t>
+              <a:t>2019/9/5</a:t>
             </a:fld>
             <a:endParaRPr lang="zh-CN" altLang="en-US"/>
           </a:p>
@@ -2233,7 +2234,7 @@
             <a:fld id="{530820CF-B880-4189-942D-D702A7CBA730}" type="datetimeFigureOut">
               <a:rPr lang="zh-CN" altLang="en-US" smtClean="0"/>
               <a:pPr/>
-              <a:t>2019/8/22</a:t>
+              <a:t>2019/9/5</a:t>
             </a:fld>
             <a:endParaRPr lang="zh-CN" altLang="en-US"/>
           </a:p>
@@ -2483,7 +2484,7 @@
             <a:fld id="{530820CF-B880-4189-942D-D702A7CBA730}" type="datetimeFigureOut">
               <a:rPr lang="zh-CN" altLang="en-US" smtClean="0"/>
               <a:pPr/>
-              <a:t>2019/8/22</a:t>
+              <a:t>2019/9/5</a:t>
             </a:fld>
             <a:endParaRPr lang="zh-CN" altLang="en-US"/>
           </a:p>
@@ -2693,7 +2694,7 @@
             <a:fld id="{530820CF-B880-4189-942D-D702A7CBA730}" type="datetimeFigureOut">
               <a:rPr lang="zh-CN" altLang="en-US" smtClean="0"/>
               <a:pPr/>
-              <a:t>2019/8/22</a:t>
+              <a:t>2019/9/5</a:t>
             </a:fld>
             <a:endParaRPr lang="zh-CN" altLang="en-US"/>
           </a:p>
@@ -3148,21 +3149,17 @@
         </p:nvSpPr>
         <p:spPr>
           <a:xfrm>
-            <a:off x="457200" y="-24"/>
-            <a:ext cx="8229600" cy="1143000"/>
-          </a:xfrm>
-        </p:spPr>
-        <p:txBody>
-          <a:bodyPr/>
-          <a:lstStyle/>
-          <a:p>
-            <a:r>
-              <a:rPr lang="zh-CN" altLang="en-US" smtClean="0"/>
-              <a:t>技术</a:t>
-            </a:r>
-            <a:r>
-              <a:rPr lang="zh-CN" altLang="en-US" smtClean="0"/>
-              <a:t>架构</a:t>
+            <a:off x="3428992" y="-24"/>
+            <a:ext cx="5257808" cy="928694"/>
+          </a:xfrm>
+        </p:spPr>
+        <p:txBody>
+          <a:bodyPr/>
+          <a:lstStyle/>
+          <a:p>
+            <a:r>
+              <a:rPr lang="zh-CN" altLang="en-US" smtClean="0"/>
+              <a:t>技术架构</a:t>
             </a:r>
             <a:endParaRPr lang="zh-CN" altLang="en-US"/>
           </a:p>
@@ -3176,7 +3173,7 @@
         </p:nvSpPr>
         <p:spPr>
           <a:xfrm>
-            <a:off x="3000364" y="4286256"/>
+            <a:off x="3000364" y="4857760"/>
             <a:ext cx="2428892" cy="1071570"/>
           </a:xfrm>
           <a:prstGeom prst="rect">
@@ -3206,7 +3203,18 @@
             <a:pPr algn="ctr"/>
             <a:r>
               <a:rPr lang="en-US" altLang="zh-CN" smtClean="0"/>
-              <a:t>Web Server</a:t>
+              <a:t>Web </a:t>
+            </a:r>
+            <a:r>
+              <a:rPr lang="en-US" altLang="zh-CN" smtClean="0"/>
+              <a:t>Server</a:t>
+            </a:r>
+          </a:p>
+          <a:p>
+            <a:pPr algn="ctr"/>
+            <a:r>
+              <a:rPr lang="en-US" altLang="zh-CN" smtClean="0"/>
+              <a:t>manager.go</a:t>
             </a:r>
             <a:endParaRPr lang="zh-CN" altLang="en-US"/>
           </a:p>
@@ -3220,8 +3228,8 @@
         </p:nvSpPr>
         <p:spPr>
           <a:xfrm>
-            <a:off x="7000892" y="1785926"/>
-            <a:ext cx="1714512" cy="428628"/>
+            <a:off x="6858016" y="1142984"/>
+            <a:ext cx="1857388" cy="714380"/>
           </a:xfrm>
           <a:prstGeom prst="rect">
             <a:avLst/>
@@ -3250,7 +3258,15 @@
             <a:pPr algn="ctr"/>
             <a:r>
               <a:rPr lang="en-US" altLang="zh-CN" smtClean="0"/>
-              <a:t>xTerm.js client</a:t>
+              <a:t>xTerm.js </a:t>
+            </a:r>
+            <a:endParaRPr lang="en-US" altLang="zh-CN" smtClean="0"/>
+          </a:p>
+          <a:p>
+            <a:pPr algn="ctr"/>
+            <a:r>
+              <a:rPr lang="en-US" altLang="zh-CN" smtClean="0"/>
+              <a:t>client</a:t>
             </a:r>
             <a:endParaRPr lang="zh-CN" altLang="en-US"/>
           </a:p>
@@ -3264,8 +3280,8 @@
         </p:nvSpPr>
         <p:spPr>
           <a:xfrm>
-            <a:off x="6715140" y="6215082"/>
-            <a:ext cx="2286016" cy="500066"/>
+            <a:off x="6715140" y="6357958"/>
+            <a:ext cx="2286016" cy="428628"/>
           </a:xfrm>
           <a:prstGeom prst="rect">
             <a:avLst/>
@@ -3308,8 +3324,8 @@
         </p:nvSpPr>
         <p:spPr>
           <a:xfrm>
-            <a:off x="428596" y="1214422"/>
-            <a:ext cx="5214974" cy="4929222"/>
+            <a:off x="142844" y="1071546"/>
+            <a:ext cx="2857520" cy="1571636"/>
           </a:xfrm>
           <a:prstGeom prst="roundRect">
             <a:avLst>
@@ -3317,6 +3333,7 @@
             </a:avLst>
           </a:prstGeom>
           <a:noFill/>
+          <a:ln w="3175"/>
         </p:spPr>
         <p:style>
           <a:lnRef idx="2">
@@ -3351,8 +3368,8 @@
         </p:nvSpPr>
         <p:spPr>
           <a:xfrm>
-            <a:off x="428596" y="6286520"/>
-            <a:ext cx="5286412" cy="428628"/>
+            <a:off x="142844" y="6357958"/>
+            <a:ext cx="6429420" cy="428628"/>
           </a:xfrm>
           <a:prstGeom prst="roundRect">
             <a:avLst/>
@@ -3395,8 +3412,8 @@
         </p:nvSpPr>
         <p:spPr>
           <a:xfrm>
-            <a:off x="714348" y="2786058"/>
-            <a:ext cx="1714512" cy="428628"/>
+            <a:off x="214282" y="4857760"/>
+            <a:ext cx="2786082" cy="357190"/>
           </a:xfrm>
           <a:prstGeom prst="rect">
             <a:avLst/>
@@ -3424,10 +3441,10 @@
           <a:p>
             <a:pPr algn="ctr"/>
             <a:r>
-              <a:rPr lang="en-US" altLang="zh-CN" smtClean="0"/>
-              <a:t>Slqite3</a:t>
-            </a:r>
-            <a:endParaRPr lang="zh-CN" altLang="en-US"/>
+              <a:rPr lang="en-US" altLang="zh-CN" sz="1200" smtClean="0"/>
+              <a:t>http.client</a:t>
+            </a:r>
+            <a:endParaRPr lang="zh-CN" altLang="en-US" sz="1200"/>
           </a:p>
         </p:txBody>
       </p:sp>
@@ -3439,8 +3456,8 @@
         </p:nvSpPr>
         <p:spPr>
           <a:xfrm>
-            <a:off x="714348" y="4572008"/>
-            <a:ext cx="1714512" cy="857256"/>
+            <a:off x="3500430" y="2214554"/>
+            <a:ext cx="1643074" cy="357190"/>
           </a:xfrm>
           <a:prstGeom prst="rect">
             <a:avLst/>
@@ -3468,17 +3485,10 @@
           <a:p>
             <a:pPr algn="ctr"/>
             <a:r>
-              <a:rPr lang="en-US" altLang="zh-CN" smtClean="0"/>
-              <a:t>Python</a:t>
-            </a:r>
-          </a:p>
-          <a:p>
-            <a:pPr algn="ctr"/>
-            <a:r>
-              <a:rPr lang="en-US" altLang="zh-CN" smtClean="0"/>
-              <a:t>Runtime</a:t>
-            </a:r>
-            <a:endParaRPr lang="zh-CN" altLang="en-US"/>
+              <a:rPr lang="en-US" altLang="zh-CN" sz="1200" smtClean="0"/>
+              <a:t>Python Runtime</a:t>
+            </a:r>
+            <a:endParaRPr lang="zh-CN" altLang="en-US" sz="1200"/>
           </a:p>
         </p:txBody>
       </p:sp>
@@ -3491,7 +3501,7 @@
         <p:spPr>
           <a:xfrm>
             <a:off x="0" y="0"/>
-            <a:ext cx="1162241" cy="923330"/>
+            <a:ext cx="1970219" cy="369332"/>
           </a:xfrm>
           <a:prstGeom prst="rect">
             <a:avLst/>
@@ -3506,19 +3516,7 @@
           <a:p>
             <a:r>
               <a:rPr lang="en-US" altLang="zh-CN" smtClean="0"/>
-              <a:t>Go</a:t>
-            </a:r>
-          </a:p>
-          <a:p>
-            <a:r>
-              <a:rPr lang="en-US" altLang="zh-CN" smtClean="0"/>
-              <a:t>TypeScript</a:t>
-            </a:r>
-          </a:p>
-          <a:p>
-            <a:r>
-              <a:rPr lang="en-US" altLang="zh-CN" smtClean="0"/>
-              <a:t>bash</a:t>
+              <a:t>Go,TypeScript,bash</a:t>
             </a:r>
             <a:endParaRPr lang="zh-CN" altLang="en-US"/>
           </a:p>
@@ -3532,8 +3530,8 @@
         </p:nvSpPr>
         <p:spPr>
           <a:xfrm>
-            <a:off x="3000364" y="2643182"/>
-            <a:ext cx="2428892" cy="857256"/>
+            <a:off x="428596" y="2143116"/>
+            <a:ext cx="2428892" cy="357190"/>
           </a:xfrm>
           <a:prstGeom prst="rect">
             <a:avLst/>
@@ -3576,8 +3574,8 @@
         </p:nvSpPr>
         <p:spPr>
           <a:xfrm>
-            <a:off x="4286248" y="1785926"/>
-            <a:ext cx="1143008" cy="428628"/>
+            <a:off x="428596" y="1285860"/>
+            <a:ext cx="2428892" cy="428628"/>
           </a:xfrm>
           <a:prstGeom prst="rect">
             <a:avLst/>
@@ -3620,8 +3618,8 @@
         </p:nvSpPr>
         <p:spPr>
           <a:xfrm>
-            <a:off x="4286248" y="2214554"/>
-            <a:ext cx="1143008" cy="428628"/>
+            <a:off x="2143108" y="1714488"/>
+            <a:ext cx="714380" cy="428628"/>
           </a:xfrm>
           <a:prstGeom prst="rect">
             <a:avLst/>
@@ -3664,8 +3662,8 @@
         </p:nvSpPr>
         <p:spPr>
           <a:xfrm>
-            <a:off x="714348" y="1714488"/>
-            <a:ext cx="1714512" cy="857256"/>
+            <a:off x="3500430" y="2928934"/>
+            <a:ext cx="1643074" cy="357190"/>
           </a:xfrm>
           <a:prstGeom prst="rect">
             <a:avLst/>
@@ -3694,11 +3692,7 @@
             <a:pPr algn="ctr"/>
             <a:r>
               <a:rPr lang="en-US" altLang="zh-CN" sz="1200" smtClean="0"/>
-              <a:t>s</a:t>
-            </a:r>
-            <a:r>
-              <a:rPr lang="en-US" altLang="zh-CN" sz="1200" smtClean="0"/>
-              <a:t>h runtime</a:t>
+              <a:t>sh runtime</a:t>
             </a:r>
           </a:p>
           <a:p>
@@ -3727,8 +3721,8 @@
         </p:nvSpPr>
         <p:spPr>
           <a:xfrm>
-            <a:off x="6715140" y="1214422"/>
-            <a:ext cx="2286016" cy="4929222"/>
+            <a:off x="6715140" y="1000108"/>
+            <a:ext cx="2286016" cy="5143536"/>
           </a:xfrm>
           <a:prstGeom prst="roundRect">
             <a:avLst>
@@ -3736,6 +3730,7 @@
             </a:avLst>
           </a:prstGeom>
           <a:noFill/>
+          <a:ln w="3175"/>
         </p:spPr>
         <p:style>
           <a:lnRef idx="2">
@@ -3773,8 +3768,8 @@
         </p:nvCxnSpPr>
         <p:spPr>
           <a:xfrm>
-            <a:off x="5429256" y="2000240"/>
-            <a:ext cx="1571636" cy="1588"/>
+            <a:off x="2857488" y="1500174"/>
+            <a:ext cx="4000528" cy="1588"/>
           </a:xfrm>
           <a:prstGeom prst="line">
             <a:avLst/>
@@ -3803,7 +3798,7 @@
         </p:nvSpPr>
         <p:spPr>
           <a:xfrm>
-            <a:off x="6000760" y="1785926"/>
+            <a:off x="4572000" y="1214422"/>
             <a:ext cx="785818" cy="246221"/>
           </a:xfrm>
           <a:prstGeom prst="rect">
@@ -3833,7 +3828,7 @@
         </p:nvSpPr>
         <p:spPr>
           <a:xfrm>
-            <a:off x="5357818" y="1857364"/>
+            <a:off x="2786050" y="1357298"/>
             <a:ext cx="447558" cy="246221"/>
           </a:xfrm>
           <a:prstGeom prst="rect">
@@ -3851,7 +3846,11 @@
           <a:p>
             <a:r>
               <a:rPr lang="en-US" altLang="zh-CN" sz="1000" smtClean="0"/>
-              <a:t>4430</a:t>
+              <a:t>3</a:t>
+            </a:r>
+            <a:r>
+              <a:rPr lang="en-US" altLang="zh-CN" sz="1000" smtClean="0"/>
+              <a:t>430</a:t>
             </a:r>
             <a:endParaRPr lang="zh-CN" altLang="en-US" sz="1000"/>
           </a:p>
@@ -3865,7 +3864,7 @@
         </p:nvCxnSpPr>
         <p:spPr>
           <a:xfrm>
-            <a:off x="5429256" y="4857760"/>
+            <a:off x="5429256" y="5429264"/>
             <a:ext cx="1571636" cy="1588"/>
           </a:xfrm>
           <a:prstGeom prst="line">
@@ -3895,7 +3894,7 @@
         </p:nvSpPr>
         <p:spPr>
           <a:xfrm>
-            <a:off x="5429256" y="4714884"/>
+            <a:off x="5429256" y="5286388"/>
             <a:ext cx="447558" cy="246221"/>
           </a:xfrm>
           <a:prstGeom prst="rect">
@@ -3927,7 +3926,7 @@
         </p:nvSpPr>
         <p:spPr>
           <a:xfrm>
-            <a:off x="6286512" y="4643446"/>
+            <a:off x="6286512" y="5214950"/>
             <a:ext cx="785818" cy="246221"/>
           </a:xfrm>
           <a:prstGeom prst="rect">
@@ -3946,6 +3945,572 @@
               <a:t>HTTP</a:t>
             </a:r>
             <a:endParaRPr lang="zh-CN" altLang="en-US" sz="1000"/>
+          </a:p>
+        </p:txBody>
+      </p:sp>
+      <p:sp>
+        <p:nvSpPr>
+          <p:cNvPr id="27" name="矩形 26"/>
+          <p:cNvSpPr/>
+          <p:nvPr/>
+        </p:nvSpPr>
+        <p:spPr>
+          <a:xfrm>
+            <a:off x="5143504" y="2214554"/>
+            <a:ext cx="1214446" cy="1714512"/>
+          </a:xfrm>
+          <a:prstGeom prst="rect">
+            <a:avLst/>
+          </a:prstGeom>
+        </p:spPr>
+        <p:style>
+          <a:lnRef idx="2">
+            <a:schemeClr val="accent1">
+              <a:shade val="50000"/>
+            </a:schemeClr>
+          </a:lnRef>
+          <a:fillRef idx="1">
+            <a:schemeClr val="accent1"/>
+          </a:fillRef>
+          <a:effectRef idx="0">
+            <a:schemeClr val="accent1"/>
+          </a:effectRef>
+          <a:fontRef idx="minor">
+            <a:schemeClr val="lt1"/>
+          </a:fontRef>
+        </p:style>
+        <p:txBody>
+          <a:bodyPr rtlCol="0" anchor="ctr"/>
+          <a:lstStyle/>
+          <a:p>
+            <a:pPr algn="ctr"/>
+            <a:r>
+              <a:rPr lang="en-US" altLang="zh-CN" smtClean="0"/>
+              <a:t>Web </a:t>
+            </a:r>
+            <a:r>
+              <a:rPr lang="en-US" altLang="zh-CN" smtClean="0"/>
+              <a:t>Server</a:t>
+            </a:r>
+          </a:p>
+          <a:p>
+            <a:pPr algn="ctr"/>
+            <a:r>
+              <a:rPr lang="en-US" altLang="zh-CN" smtClean="0"/>
+              <a:t>main</a:t>
+            </a:r>
+            <a:r>
+              <a:rPr lang="en-US" altLang="zh-CN" smtClean="0"/>
+              <a:t>.go</a:t>
+            </a:r>
+            <a:endParaRPr lang="zh-CN" altLang="en-US"/>
+          </a:p>
+        </p:txBody>
+      </p:sp>
+      <p:sp>
+        <p:nvSpPr>
+          <p:cNvPr id="35" name="TextBox 34"/>
+          <p:cNvSpPr txBox="1"/>
+          <p:nvPr/>
+        </p:nvSpPr>
+        <p:spPr>
+          <a:xfrm>
+            <a:off x="2285984" y="3214686"/>
+            <a:ext cx="428628" cy="246221"/>
+          </a:xfrm>
+          <a:prstGeom prst="rect">
+            <a:avLst/>
+          </a:prstGeom>
+          <a:noFill/>
+        </p:spPr>
+        <p:txBody>
+          <a:bodyPr wrap="square" rtlCol="0">
+            <a:spAutoFit/>
+          </a:bodyPr>
+          <a:lstStyle/>
+          <a:p>
+            <a:r>
+              <a:rPr lang="en-US" altLang="zh-CN" sz="1000" smtClean="0"/>
+              <a:t>http</a:t>
+            </a:r>
+            <a:endParaRPr lang="zh-CN" altLang="en-US" sz="1000"/>
+          </a:p>
+        </p:txBody>
+      </p:sp>
+      <p:sp>
+        <p:nvSpPr>
+          <p:cNvPr id="36" name="矩形 35"/>
+          <p:cNvSpPr/>
+          <p:nvPr/>
+        </p:nvSpPr>
+        <p:spPr>
+          <a:xfrm>
+            <a:off x="2285984" y="3000372"/>
+            <a:ext cx="447558" cy="246221"/>
+          </a:xfrm>
+          <a:prstGeom prst="rect">
+            <a:avLst/>
+          </a:prstGeom>
+          <a:solidFill>
+            <a:srgbClr val="FFFF00"/>
+          </a:solidFill>
+        </p:spPr>
+        <p:txBody>
+          <a:bodyPr wrap="none">
+            <a:spAutoFit/>
+          </a:bodyPr>
+          <a:lstStyle/>
+          <a:p>
+            <a:r>
+              <a:rPr lang="en-US" altLang="zh-CN" sz="1000" smtClean="0"/>
+              <a:t>4</a:t>
+            </a:r>
+            <a:r>
+              <a:rPr lang="en-US" altLang="zh-CN" sz="1000" smtClean="0"/>
+              <a:t>430</a:t>
+            </a:r>
+            <a:endParaRPr lang="zh-CN" altLang="en-US" sz="1000"/>
+          </a:p>
+        </p:txBody>
+      </p:sp>
+      <p:sp>
+        <p:nvSpPr>
+          <p:cNvPr id="42" name="矩形 41"/>
+          <p:cNvSpPr/>
+          <p:nvPr/>
+        </p:nvSpPr>
+        <p:spPr>
+          <a:xfrm>
+            <a:off x="1428728" y="1714488"/>
+            <a:ext cx="714380" cy="428628"/>
+          </a:xfrm>
+          <a:prstGeom prst="rect">
+            <a:avLst/>
+          </a:prstGeom>
+        </p:spPr>
+        <p:style>
+          <a:lnRef idx="2">
+            <a:schemeClr val="accent1">
+              <a:shade val="50000"/>
+            </a:schemeClr>
+          </a:lnRef>
+          <a:fillRef idx="1">
+            <a:schemeClr val="accent1"/>
+          </a:fillRef>
+          <a:effectRef idx="0">
+            <a:schemeClr val="accent1"/>
+          </a:effectRef>
+          <a:fontRef idx="minor">
+            <a:schemeClr val="lt1"/>
+          </a:fontRef>
+        </p:style>
+        <p:txBody>
+          <a:bodyPr rtlCol="0" anchor="ctr"/>
+          <a:lstStyle/>
+          <a:p>
+            <a:pPr algn="ctr"/>
+            <a:r>
+              <a:rPr lang="en-US" altLang="zh-CN" sz="1200" smtClean="0"/>
+              <a:t>Express-ws</a:t>
+            </a:r>
+            <a:endParaRPr lang="zh-CN" altLang="en-US" sz="1200"/>
+          </a:p>
+        </p:txBody>
+      </p:sp>
+      <p:sp>
+        <p:nvSpPr>
+          <p:cNvPr id="43" name="矩形 42"/>
+          <p:cNvSpPr/>
+          <p:nvPr/>
+        </p:nvSpPr>
+        <p:spPr>
+          <a:xfrm>
+            <a:off x="428596" y="1714488"/>
+            <a:ext cx="1000132" cy="428628"/>
+          </a:xfrm>
+          <a:prstGeom prst="rect">
+            <a:avLst/>
+          </a:prstGeom>
+        </p:spPr>
+        <p:style>
+          <a:lnRef idx="2">
+            <a:schemeClr val="accent1">
+              <a:shade val="50000"/>
+            </a:schemeClr>
+          </a:lnRef>
+          <a:fillRef idx="1">
+            <a:schemeClr val="accent1"/>
+          </a:fillRef>
+          <a:effectRef idx="0">
+            <a:schemeClr val="accent1"/>
+          </a:effectRef>
+          <a:fontRef idx="minor">
+            <a:schemeClr val="lt1"/>
+          </a:fontRef>
+        </p:style>
+        <p:txBody>
+          <a:bodyPr rtlCol="0" anchor="ctr"/>
+          <a:lstStyle/>
+          <a:p>
+            <a:pPr algn="ctr"/>
+            <a:r>
+              <a:rPr lang="en-US" altLang="zh-CN" sz="1200" smtClean="0"/>
+              <a:t>n</a:t>
+            </a:r>
+            <a:r>
+              <a:rPr lang="en-US" altLang="zh-CN" sz="1200" smtClean="0"/>
+              <a:t>ode-pty</a:t>
+            </a:r>
+            <a:endParaRPr lang="zh-CN" altLang="en-US" sz="1200"/>
+          </a:p>
+        </p:txBody>
+      </p:sp>
+      <p:sp>
+        <p:nvSpPr>
+          <p:cNvPr id="46" name="矩形 45"/>
+          <p:cNvSpPr/>
+          <p:nvPr/>
+        </p:nvSpPr>
+        <p:spPr>
+          <a:xfrm>
+            <a:off x="1285852" y="5214950"/>
+            <a:ext cx="1714512" cy="357190"/>
+          </a:xfrm>
+          <a:prstGeom prst="rect">
+            <a:avLst/>
+          </a:prstGeom>
+        </p:spPr>
+        <p:style>
+          <a:lnRef idx="2">
+            <a:schemeClr val="accent1">
+              <a:shade val="50000"/>
+            </a:schemeClr>
+          </a:lnRef>
+          <a:fillRef idx="1">
+            <a:schemeClr val="accent1"/>
+          </a:fillRef>
+          <a:effectRef idx="0">
+            <a:schemeClr val="accent1"/>
+          </a:effectRef>
+          <a:fontRef idx="minor">
+            <a:schemeClr val="lt1"/>
+          </a:fontRef>
+        </p:style>
+        <p:txBody>
+          <a:bodyPr rtlCol="0" anchor="ctr"/>
+          <a:lstStyle/>
+          <a:p>
+            <a:pPr algn="ctr"/>
+            <a:r>
+              <a:rPr lang="en-US" altLang="zh-CN" sz="1200" smtClean="0"/>
+              <a:t>Slqite3</a:t>
+            </a:r>
+            <a:endParaRPr lang="zh-CN" altLang="en-US" sz="1200"/>
+          </a:p>
+        </p:txBody>
+      </p:sp>
+      <p:cxnSp>
+        <p:nvCxnSpPr>
+          <p:cNvPr id="48" name="直接箭头连接符 47"/>
+          <p:cNvCxnSpPr>
+            <a:stCxn id="19" idx="0"/>
+            <a:endCxn id="7" idx="2"/>
+          </p:cNvCxnSpPr>
+          <p:nvPr/>
+        </p:nvCxnSpPr>
+        <p:spPr>
+          <a:xfrm rot="16200000" flipV="1">
+            <a:off x="482175" y="3732611"/>
+            <a:ext cx="2214578" cy="35719"/>
+          </a:xfrm>
+          <a:prstGeom prst="straightConnector1">
+            <a:avLst/>
+          </a:prstGeom>
+          <a:ln>
+            <a:tailEnd type="arrow"/>
+          </a:ln>
+        </p:spPr>
+        <p:style>
+          <a:lnRef idx="1">
+            <a:schemeClr val="accent1"/>
+          </a:lnRef>
+          <a:fillRef idx="0">
+            <a:schemeClr val="accent1"/>
+          </a:fillRef>
+          <a:effectRef idx="0">
+            <a:schemeClr val="accent1"/>
+          </a:effectRef>
+          <a:fontRef idx="minor">
+            <a:schemeClr val="tx1"/>
+          </a:fontRef>
+        </p:style>
+      </p:cxnSp>
+      <p:sp>
+        <p:nvSpPr>
+          <p:cNvPr id="49" name="圆角矩形 48"/>
+          <p:cNvSpPr/>
+          <p:nvPr/>
+        </p:nvSpPr>
+        <p:spPr>
+          <a:xfrm>
+            <a:off x="3286116" y="2071678"/>
+            <a:ext cx="3214710" cy="1928826"/>
+          </a:xfrm>
+          <a:prstGeom prst="roundRect">
+            <a:avLst>
+              <a:gd name="adj" fmla="val 6835"/>
+            </a:avLst>
+          </a:prstGeom>
+          <a:noFill/>
+          <a:ln w="3175"/>
+        </p:spPr>
+        <p:style>
+          <a:lnRef idx="2">
+            <a:schemeClr val="accent1">
+              <a:shade val="50000"/>
+            </a:schemeClr>
+          </a:lnRef>
+          <a:fillRef idx="1">
+            <a:schemeClr val="accent1"/>
+          </a:fillRef>
+          <a:effectRef idx="0">
+            <a:schemeClr val="accent1"/>
+          </a:effectRef>
+          <a:fontRef idx="minor">
+            <a:schemeClr val="lt1"/>
+          </a:fontRef>
+        </p:style>
+        <p:txBody>
+          <a:bodyPr rtlCol="0" anchor="ctr"/>
+          <a:lstStyle/>
+          <a:p>
+            <a:pPr algn="ctr"/>
+            <a:endParaRPr lang="zh-CN" altLang="en-US"/>
+          </a:p>
+        </p:txBody>
+      </p:sp>
+      <p:cxnSp>
+        <p:nvCxnSpPr>
+          <p:cNvPr id="56" name="形状 55"/>
+          <p:cNvCxnSpPr>
+            <a:endCxn id="49" idx="1"/>
+          </p:cNvCxnSpPr>
+          <p:nvPr/>
+        </p:nvCxnSpPr>
+        <p:spPr>
+          <a:xfrm rot="5400000" flipH="1" flipV="1">
+            <a:off x="1803779" y="3375423"/>
+            <a:ext cx="1821669" cy="1143006"/>
+          </a:xfrm>
+          <a:prstGeom prst="bentConnector2">
+            <a:avLst/>
+          </a:prstGeom>
+          <a:ln>
+            <a:tailEnd type="arrow"/>
+          </a:ln>
+        </p:spPr>
+        <p:style>
+          <a:lnRef idx="1">
+            <a:schemeClr val="accent1"/>
+          </a:lnRef>
+          <a:fillRef idx="0">
+            <a:schemeClr val="accent1"/>
+          </a:fillRef>
+          <a:effectRef idx="0">
+            <a:schemeClr val="accent1"/>
+          </a:effectRef>
+          <a:fontRef idx="minor">
+            <a:schemeClr val="tx1"/>
+          </a:fontRef>
+        </p:style>
+      </p:cxnSp>
+      <p:sp>
+        <p:nvSpPr>
+          <p:cNvPr id="57" name="圆角矩形 56"/>
+          <p:cNvSpPr/>
+          <p:nvPr/>
+        </p:nvSpPr>
+        <p:spPr>
+          <a:xfrm>
+            <a:off x="142844" y="4429132"/>
+            <a:ext cx="5500726" cy="1785950"/>
+          </a:xfrm>
+          <a:prstGeom prst="roundRect">
+            <a:avLst>
+              <a:gd name="adj" fmla="val 6835"/>
+            </a:avLst>
+          </a:prstGeom>
+          <a:noFill/>
+          <a:ln w="3175"/>
+        </p:spPr>
+        <p:style>
+          <a:lnRef idx="2">
+            <a:schemeClr val="accent1">
+              <a:shade val="50000"/>
+            </a:schemeClr>
+          </a:lnRef>
+          <a:fillRef idx="1">
+            <a:schemeClr val="accent1"/>
+          </a:fillRef>
+          <a:effectRef idx="0">
+            <a:schemeClr val="accent1"/>
+          </a:effectRef>
+          <a:fontRef idx="minor">
+            <a:schemeClr val="lt1"/>
+          </a:fontRef>
+        </p:style>
+        <p:txBody>
+          <a:bodyPr rtlCol="0" anchor="ctr"/>
+          <a:lstStyle/>
+          <a:p>
+            <a:pPr algn="ctr"/>
+            <a:endParaRPr lang="zh-CN" altLang="en-US"/>
+          </a:p>
+        </p:txBody>
+      </p:sp>
+      <p:sp>
+        <p:nvSpPr>
+          <p:cNvPr id="58" name="矩形 57"/>
+          <p:cNvSpPr/>
+          <p:nvPr/>
+        </p:nvSpPr>
+        <p:spPr>
+          <a:xfrm>
+            <a:off x="3500430" y="3286124"/>
+            <a:ext cx="1643074" cy="357190"/>
+          </a:xfrm>
+          <a:prstGeom prst="rect">
+            <a:avLst/>
+          </a:prstGeom>
+        </p:spPr>
+        <p:style>
+          <a:lnRef idx="2">
+            <a:schemeClr val="accent1">
+              <a:shade val="50000"/>
+            </a:schemeClr>
+          </a:lnRef>
+          <a:fillRef idx="1">
+            <a:schemeClr val="accent1"/>
+          </a:fillRef>
+          <a:effectRef idx="0">
+            <a:schemeClr val="accent1"/>
+          </a:effectRef>
+          <a:fontRef idx="minor">
+            <a:schemeClr val="lt1"/>
+          </a:fontRef>
+        </p:style>
+        <p:txBody>
+          <a:bodyPr rtlCol="0" anchor="ctr"/>
+          <a:lstStyle/>
+          <a:p>
+            <a:pPr algn="ctr"/>
+            <a:r>
+              <a:rPr lang="en-US" altLang="zh-CN" sz="1200" smtClean="0"/>
+              <a:t>Grid</a:t>
+            </a:r>
+            <a:endParaRPr lang="zh-CN" altLang="en-US" sz="1200"/>
+          </a:p>
+        </p:txBody>
+      </p:sp>
+      <p:sp>
+        <p:nvSpPr>
+          <p:cNvPr id="59" name="矩形 58"/>
+          <p:cNvSpPr/>
+          <p:nvPr/>
+        </p:nvSpPr>
+        <p:spPr>
+          <a:xfrm>
+            <a:off x="3500430" y="2571744"/>
+            <a:ext cx="1643074" cy="357190"/>
+          </a:xfrm>
+          <a:prstGeom prst="rect">
+            <a:avLst/>
+          </a:prstGeom>
+        </p:spPr>
+        <p:style>
+          <a:lnRef idx="2">
+            <a:schemeClr val="accent1">
+              <a:shade val="50000"/>
+            </a:schemeClr>
+          </a:lnRef>
+          <a:fillRef idx="1">
+            <a:schemeClr val="accent1"/>
+          </a:fillRef>
+          <a:effectRef idx="0">
+            <a:schemeClr val="accent1"/>
+          </a:effectRef>
+          <a:fontRef idx="minor">
+            <a:schemeClr val="lt1"/>
+          </a:fontRef>
+        </p:style>
+        <p:txBody>
+          <a:bodyPr rtlCol="0" anchor="ctr"/>
+          <a:lstStyle/>
+          <a:p>
+            <a:pPr algn="ctr"/>
+            <a:r>
+              <a:rPr lang="en-US" altLang="zh-CN" sz="1200" smtClean="0"/>
+              <a:t>Parse function</a:t>
+            </a:r>
+            <a:endParaRPr lang="zh-CN" altLang="en-US" sz="1200"/>
+          </a:p>
+        </p:txBody>
+      </p:sp>
+      <p:sp>
+        <p:nvSpPr>
+          <p:cNvPr id="61" name="矩形 60"/>
+          <p:cNvSpPr/>
+          <p:nvPr/>
+        </p:nvSpPr>
+        <p:spPr>
+          <a:xfrm>
+            <a:off x="6858016" y="2000240"/>
+            <a:ext cx="1857388" cy="3929090"/>
+          </a:xfrm>
+          <a:prstGeom prst="rect">
+            <a:avLst/>
+          </a:prstGeom>
+        </p:spPr>
+        <p:style>
+          <a:lnRef idx="2">
+            <a:schemeClr val="accent1">
+              <a:shade val="50000"/>
+            </a:schemeClr>
+          </a:lnRef>
+          <a:fillRef idx="1">
+            <a:schemeClr val="accent1"/>
+          </a:fillRef>
+          <a:effectRef idx="0">
+            <a:schemeClr val="accent1"/>
+          </a:effectRef>
+          <a:fontRef idx="minor">
+            <a:schemeClr val="lt1"/>
+          </a:fontRef>
+        </p:style>
+        <p:txBody>
+          <a:bodyPr rtlCol="0" anchor="ctr"/>
+          <a:lstStyle/>
+          <a:p>
+            <a:pPr algn="ctr"/>
+            <a:r>
+              <a:rPr lang="en-US" altLang="zh-CN" smtClean="0"/>
+              <a:t>Grid</a:t>
+            </a:r>
+          </a:p>
+          <a:p>
+            <a:pPr algn="ctr"/>
+            <a:r>
+              <a:rPr lang="en-US" altLang="zh-CN" smtClean="0"/>
+              <a:t>FileServer</a:t>
+            </a:r>
+          </a:p>
+          <a:p>
+            <a:pPr algn="ctr"/>
+            <a:r>
+              <a:rPr lang="en-US" altLang="zh-CN" smtClean="0"/>
+              <a:t>Python CMD</a:t>
+            </a:r>
+            <a:endParaRPr lang="zh-CN" altLang="en-US"/>
           </a:p>
         </p:txBody>
       </p:sp>
@@ -4065,7 +4630,7 @@
           <a:p>
             <a:r>
               <a:rPr lang="zh-CN" altLang="en-US" smtClean="0"/>
-              <a:t>功能扩展点</a:t>
+              <a:t>运行流程</a:t>
             </a:r>
             <a:endParaRPr lang="zh-CN" altLang="en-US"/>
           </a:p>
@@ -4086,24 +4651,6 @@
           <a:bodyPr/>
           <a:lstStyle/>
           <a:p>
-            <a:r>
-              <a:rPr lang="zh-CN" altLang="en-US" smtClean="0"/>
-              <a:t>主菜单</a:t>
-            </a:r>
-            <a:endParaRPr lang="en-US" altLang="zh-CN" smtClean="0"/>
-          </a:p>
-          <a:p>
-            <a:r>
-              <a:rPr lang="zh-CN" altLang="en-US" smtClean="0"/>
-              <a:t>右键菜单</a:t>
-            </a:r>
-            <a:endParaRPr lang="en-US" altLang="zh-CN" smtClean="0"/>
-          </a:p>
-          <a:p>
-            <a:r>
-              <a:rPr lang="zh-CN" altLang="en-US" smtClean="0"/>
-              <a:t>函数</a:t>
-            </a:r>
             <a:endParaRPr lang="zh-CN" altLang="en-US"/>
           </a:p>
         </p:txBody>
@@ -4149,6 +4696,91 @@
           <a:lstStyle/>
           <a:p>
             <a:r>
+              <a:rPr lang="zh-CN" altLang="en-US" smtClean="0"/>
+              <a:t>功能扩展点</a:t>
+            </a:r>
+            <a:endParaRPr lang="zh-CN" altLang="en-US"/>
+          </a:p>
+        </p:txBody>
+      </p:sp>
+      <p:sp>
+        <p:nvSpPr>
+          <p:cNvPr id="3" name="内容占位符 2"/>
+          <p:cNvSpPr>
+            <a:spLocks noGrp="1"/>
+          </p:cNvSpPr>
+          <p:nvPr>
+            <p:ph idx="1"/>
+          </p:nvPr>
+        </p:nvSpPr>
+        <p:spPr/>
+        <p:txBody>
+          <a:bodyPr/>
+          <a:lstStyle/>
+          <a:p>
+            <a:r>
+              <a:rPr lang="zh-CN" altLang="en-US" smtClean="0"/>
+              <a:t>主菜单</a:t>
+            </a:r>
+            <a:endParaRPr lang="en-US" altLang="zh-CN" smtClean="0"/>
+          </a:p>
+          <a:p>
+            <a:r>
+              <a:rPr lang="zh-CN" altLang="en-US" smtClean="0"/>
+              <a:t>右键菜单</a:t>
+            </a:r>
+            <a:endParaRPr lang="en-US" altLang="zh-CN" smtClean="0"/>
+          </a:p>
+          <a:p>
+            <a:r>
+              <a:rPr lang="zh-CN" altLang="en-US" smtClean="0"/>
+              <a:t>函数</a:t>
+            </a:r>
+            <a:endParaRPr lang="zh-CN" altLang="en-US"/>
+          </a:p>
+        </p:txBody>
+      </p:sp>
+    </p:spTree>
+  </p:cSld>
+  <p:clrMapOvr>
+    <a:masterClrMapping/>
+  </p:clrMapOvr>
+</p:sld>
+</file>
+
+<file path=ppt/slides/slide6.xml><?xml version="1.0" encoding="utf-8"?>
+<p:sld xmlns:a="http://schemas.openxmlformats.org/drawingml/2006/main" xmlns:r="http://schemas.openxmlformats.org/officeDocument/2006/relationships" xmlns:p="http://schemas.openxmlformats.org/presentationml/2006/main">
+  <p:cSld>
+    <p:spTree>
+      <p:nvGrpSpPr>
+        <p:cNvPr id="1" name=""/>
+        <p:cNvGrpSpPr/>
+        <p:nvPr/>
+      </p:nvGrpSpPr>
+      <p:grpSpPr>
+        <a:xfrm>
+          <a:off x="0" y="0"/>
+          <a:ext cx="0" cy="0"/>
+          <a:chOff x="0" y="0"/>
+          <a:chExt cx="0" cy="0"/>
+        </a:xfrm>
+      </p:grpSpPr>
+      <p:sp>
+        <p:nvSpPr>
+          <p:cNvPr id="2" name="标题 1"/>
+          <p:cNvSpPr>
+            <a:spLocks noGrp="1"/>
+          </p:cNvSpPr>
+          <p:nvPr>
+            <p:ph type="title"/>
+          </p:nvPr>
+        </p:nvSpPr>
+        <p:spPr/>
+        <p:txBody>
+          <a:bodyPr/>
+          <a:lstStyle/>
+          <a:p>
+            <a:r>
               <a:rPr lang="en-US" altLang="zh-CN" smtClean="0"/>
               <a:t>Xterm.js </a:t>
             </a:r>
@@ -4254,7 +4886,7 @@
 </p:sld>
 </file>
 
-<file path=ppt/slides/slide6.xml><?xml version="1.0" encoding="utf-8"?>
+<file path=ppt/slides/slide7.xml><?xml version="1.0" encoding="utf-8"?>
 <p:sld xmlns:a="http://schemas.openxmlformats.org/drawingml/2006/main" xmlns:r="http://schemas.openxmlformats.org/officeDocument/2006/relationships" xmlns:p="http://schemas.openxmlformats.org/presentationml/2006/main">
   <p:cSld>
     <p:spTree>

--- a/docu/GridStudio-Architecture.pptx
+++ b/docu/GridStudio-Architecture.pptx
@@ -3203,11 +3203,7 @@
             <a:pPr algn="ctr"/>
             <a:r>
               <a:rPr lang="en-US" altLang="zh-CN" smtClean="0"/>
-              <a:t>Web </a:t>
-            </a:r>
-            <a:r>
-              <a:rPr lang="en-US" altLang="zh-CN" smtClean="0"/>
-              <a:t>Server</a:t>
+              <a:t>Web Server</a:t>
             </a:r>
           </a:p>
           <a:p>
@@ -3260,7 +3256,6 @@
               <a:rPr lang="en-US" altLang="zh-CN" smtClean="0"/>
               <a:t>xTerm.js </a:t>
             </a:r>
-            <a:endParaRPr lang="en-US" altLang="zh-CN" smtClean="0"/>
           </a:p>
           <a:p>
             <a:pPr algn="ctr"/>
@@ -3846,11 +3841,7 @@
           <a:p>
             <a:r>
               <a:rPr lang="en-US" altLang="zh-CN" sz="1000" smtClean="0"/>
-              <a:t>3</a:t>
-            </a:r>
-            <a:r>
-              <a:rPr lang="en-US" altLang="zh-CN" sz="1000" smtClean="0"/>
-              <a:t>430</a:t>
+              <a:t>3430</a:t>
             </a:r>
             <a:endParaRPr lang="zh-CN" altLang="en-US" sz="1000"/>
           </a:p>
@@ -3986,22 +3977,14 @@
             <a:pPr algn="ctr"/>
             <a:r>
               <a:rPr lang="en-US" altLang="zh-CN" smtClean="0"/>
-              <a:t>Web </a:t>
-            </a:r>
+              <a:t>Web Server</a:t>
+            </a:r>
+          </a:p>
+          <a:p>
+            <a:pPr algn="ctr"/>
             <a:r>
               <a:rPr lang="en-US" altLang="zh-CN" smtClean="0"/>
-              <a:t>Server</a:t>
-            </a:r>
-          </a:p>
-          <a:p>
-            <a:pPr algn="ctr"/>
-            <a:r>
-              <a:rPr lang="en-US" altLang="zh-CN" smtClean="0"/>
-              <a:t>main</a:t>
-            </a:r>
-            <a:r>
-              <a:rPr lang="en-US" altLang="zh-CN" smtClean="0"/>
-              <a:t>.go</a:t>
+              <a:t>main.go</a:t>
             </a:r>
             <a:endParaRPr lang="zh-CN" altLang="en-US"/>
           </a:p>
@@ -4063,11 +4046,7 @@
           <a:p>
             <a:r>
               <a:rPr lang="en-US" altLang="zh-CN" sz="1000" smtClean="0"/>
-              <a:t>4</a:t>
-            </a:r>
-            <a:r>
-              <a:rPr lang="en-US" altLang="zh-CN" sz="1000" smtClean="0"/>
-              <a:t>430</a:t>
+              <a:t>4430</a:t>
             </a:r>
             <a:endParaRPr lang="zh-CN" altLang="en-US" sz="1000"/>
           </a:p>
@@ -4155,11 +4134,7 @@
             <a:pPr algn="ctr"/>
             <a:r>
               <a:rPr lang="en-US" altLang="zh-CN" sz="1200" smtClean="0"/>
-              <a:t>n</a:t>
-            </a:r>
-            <a:r>
-              <a:rPr lang="en-US" altLang="zh-CN" sz="1200" smtClean="0"/>
-              <a:t>ode-pty</a:t>
+              <a:t>node-pty</a:t>
             </a:r>
             <a:endParaRPr lang="zh-CN" altLang="en-US" sz="1200"/>
           </a:p>
@@ -4549,7 +4524,12 @@
             <p:ph type="title"/>
           </p:nvPr>
         </p:nvSpPr>
-        <p:spPr/>
+        <p:spPr>
+          <a:xfrm>
+            <a:off x="357158" y="0"/>
+            <a:ext cx="8229600" cy="785794"/>
+          </a:xfrm>
+        </p:spPr>
         <p:txBody>
           <a:bodyPr/>
           <a:lstStyle/>
@@ -4579,8 +4559,8 @@
         </p:blipFill>
         <p:spPr bwMode="auto">
           <a:xfrm>
-            <a:off x="500034" y="1643050"/>
-            <a:ext cx="8268403" cy="4071966"/>
+            <a:off x="500034" y="1285860"/>
+            <a:ext cx="7978284" cy="3929090"/>
           </a:xfrm>
           <a:prstGeom prst="rect">
             <a:avLst/>

--- a/docu/GridStudio-Architecture.pptx
+++ b/docu/GridStudio-Architecture.pptx
@@ -6,12 +6,15 @@
   </p:sldMasterIdLst>
   <p:sldIdLst>
     <p:sldId id="256" r:id="rId2"/>
-    <p:sldId id="257" r:id="rId3"/>
-    <p:sldId id="258" r:id="rId4"/>
-    <p:sldId id="262" r:id="rId5"/>
-    <p:sldId id="259" r:id="rId6"/>
-    <p:sldId id="260" r:id="rId7"/>
-    <p:sldId id="261" r:id="rId8"/>
+    <p:sldId id="265" r:id="rId3"/>
+    <p:sldId id="264" r:id="rId4"/>
+    <p:sldId id="257" r:id="rId5"/>
+    <p:sldId id="258" r:id="rId6"/>
+    <p:sldId id="263" r:id="rId7"/>
+    <p:sldId id="262" r:id="rId8"/>
+    <p:sldId id="259" r:id="rId9"/>
+    <p:sldId id="260" r:id="rId10"/>
+    <p:sldId id="261" r:id="rId11"/>
   </p:sldIdLst>
   <p:sldSz cx="9144000" cy="6858000" type="screen4x3"/>
   <p:notesSz cx="6858000" cy="9144000"/>
@@ -295,7 +298,7 @@
             <a:fld id="{530820CF-B880-4189-942D-D702A7CBA730}" type="datetimeFigureOut">
               <a:rPr lang="zh-CN" altLang="en-US" smtClean="0"/>
               <a:pPr/>
-              <a:t>2019/9/5</a:t>
+              <a:t>2019/9/6</a:t>
             </a:fld>
             <a:endParaRPr lang="zh-CN" altLang="en-US"/>
           </a:p>
@@ -462,7 +465,7 @@
             <a:fld id="{530820CF-B880-4189-942D-D702A7CBA730}" type="datetimeFigureOut">
               <a:rPr lang="zh-CN" altLang="en-US" smtClean="0"/>
               <a:pPr/>
-              <a:t>2019/9/5</a:t>
+              <a:t>2019/9/6</a:t>
             </a:fld>
             <a:endParaRPr lang="zh-CN" altLang="en-US"/>
           </a:p>
@@ -639,7 +642,7 @@
             <a:fld id="{530820CF-B880-4189-942D-D702A7CBA730}" type="datetimeFigureOut">
               <a:rPr lang="zh-CN" altLang="en-US" smtClean="0"/>
               <a:pPr/>
-              <a:t>2019/9/5</a:t>
+              <a:t>2019/9/6</a:t>
             </a:fld>
             <a:endParaRPr lang="zh-CN" altLang="en-US"/>
           </a:p>
@@ -806,7 +809,7 @@
             <a:fld id="{530820CF-B880-4189-942D-D702A7CBA730}" type="datetimeFigureOut">
               <a:rPr lang="zh-CN" altLang="en-US" smtClean="0"/>
               <a:pPr/>
-              <a:t>2019/9/5</a:t>
+              <a:t>2019/9/6</a:t>
             </a:fld>
             <a:endParaRPr lang="zh-CN" altLang="en-US"/>
           </a:p>
@@ -1049,7 +1052,7 @@
             <a:fld id="{530820CF-B880-4189-942D-D702A7CBA730}" type="datetimeFigureOut">
               <a:rPr lang="zh-CN" altLang="en-US" smtClean="0"/>
               <a:pPr/>
-              <a:t>2019/9/5</a:t>
+              <a:t>2019/9/6</a:t>
             </a:fld>
             <a:endParaRPr lang="zh-CN" altLang="en-US"/>
           </a:p>
@@ -1334,7 +1337,7 @@
             <a:fld id="{530820CF-B880-4189-942D-D702A7CBA730}" type="datetimeFigureOut">
               <a:rPr lang="zh-CN" altLang="en-US" smtClean="0"/>
               <a:pPr/>
-              <a:t>2019/9/5</a:t>
+              <a:t>2019/9/6</a:t>
             </a:fld>
             <a:endParaRPr lang="zh-CN" altLang="en-US"/>
           </a:p>
@@ -1753,7 +1756,7 @@
             <a:fld id="{530820CF-B880-4189-942D-D702A7CBA730}" type="datetimeFigureOut">
               <a:rPr lang="zh-CN" altLang="en-US" smtClean="0"/>
               <a:pPr/>
-              <a:t>2019/9/5</a:t>
+              <a:t>2019/9/6</a:t>
             </a:fld>
             <a:endParaRPr lang="zh-CN" altLang="en-US"/>
           </a:p>
@@ -1868,7 +1871,7 @@
             <a:fld id="{530820CF-B880-4189-942D-D702A7CBA730}" type="datetimeFigureOut">
               <a:rPr lang="zh-CN" altLang="en-US" smtClean="0"/>
               <a:pPr/>
-              <a:t>2019/9/5</a:t>
+              <a:t>2019/9/6</a:t>
             </a:fld>
             <a:endParaRPr lang="zh-CN" altLang="en-US"/>
           </a:p>
@@ -1960,7 +1963,7 @@
             <a:fld id="{530820CF-B880-4189-942D-D702A7CBA730}" type="datetimeFigureOut">
               <a:rPr lang="zh-CN" altLang="en-US" smtClean="0"/>
               <a:pPr/>
-              <a:t>2019/9/5</a:t>
+              <a:t>2019/9/6</a:t>
             </a:fld>
             <a:endParaRPr lang="zh-CN" altLang="en-US"/>
           </a:p>
@@ -2234,7 +2237,7 @@
             <a:fld id="{530820CF-B880-4189-942D-D702A7CBA730}" type="datetimeFigureOut">
               <a:rPr lang="zh-CN" altLang="en-US" smtClean="0"/>
               <a:pPr/>
-              <a:t>2019/9/5</a:t>
+              <a:t>2019/9/6</a:t>
             </a:fld>
             <a:endParaRPr lang="zh-CN" altLang="en-US"/>
           </a:p>
@@ -2484,7 +2487,7 @@
             <a:fld id="{530820CF-B880-4189-942D-D702A7CBA730}" type="datetimeFigureOut">
               <a:rPr lang="zh-CN" altLang="en-US" smtClean="0"/>
               <a:pPr/>
-              <a:t>2019/9/5</a:t>
+              <a:t>2019/9/6</a:t>
             </a:fld>
             <a:endParaRPr lang="zh-CN" altLang="en-US"/>
           </a:p>
@@ -2694,7 +2697,7 @@
             <a:fld id="{530820CF-B880-4189-942D-D702A7CBA730}" type="datetimeFigureOut">
               <a:rPr lang="zh-CN" altLang="en-US" smtClean="0"/>
               <a:pPr/>
-              <a:t>2019/9/5</a:t>
+              <a:t>2019/9/6</a:t>
             </a:fld>
             <a:endParaRPr lang="zh-CN" altLang="en-US"/>
           </a:p>
@@ -3120,6 +3123,110 @@
 </p:sld>
 </file>
 
+<file path=ppt/slides/slide10.xml><?xml version="1.0" encoding="utf-8"?>
+<p:sld xmlns:a="http://schemas.openxmlformats.org/drawingml/2006/main" xmlns:r="http://schemas.openxmlformats.org/officeDocument/2006/relationships" xmlns:p="http://schemas.openxmlformats.org/presentationml/2006/main">
+  <p:cSld>
+    <p:spTree>
+      <p:nvGrpSpPr>
+        <p:cNvPr id="1" name=""/>
+        <p:cNvGrpSpPr/>
+        <p:nvPr/>
+      </p:nvGrpSpPr>
+      <p:grpSpPr>
+        <a:xfrm>
+          <a:off x="0" y="0"/>
+          <a:ext cx="0" cy="0"/>
+          <a:chOff x="0" y="0"/>
+          <a:chExt cx="0" cy="0"/>
+        </a:xfrm>
+      </p:grpSpPr>
+      <p:sp>
+        <p:nvSpPr>
+          <p:cNvPr id="2" name="标题 1"/>
+          <p:cNvSpPr>
+            <a:spLocks noGrp="1"/>
+          </p:cNvSpPr>
+          <p:nvPr>
+            <p:ph type="title"/>
+          </p:nvPr>
+        </p:nvSpPr>
+        <p:spPr/>
+        <p:txBody>
+          <a:bodyPr/>
+          <a:lstStyle/>
+          <a:p>
+            <a:r>
+              <a:rPr lang="en-US" altLang="zh-CN" smtClean="0"/>
+              <a:t>Python</a:t>
+            </a:r>
+            <a:r>
+              <a:rPr lang="zh-CN" altLang="en-US" smtClean="0"/>
+              <a:t>集成</a:t>
+            </a:r>
+            <a:endParaRPr lang="zh-CN" altLang="en-US"/>
+          </a:p>
+        </p:txBody>
+      </p:sp>
+      <p:sp>
+        <p:nvSpPr>
+          <p:cNvPr id="3" name="内容占位符 2"/>
+          <p:cNvSpPr>
+            <a:spLocks noGrp="1"/>
+          </p:cNvSpPr>
+          <p:nvPr>
+            <p:ph idx="1"/>
+          </p:nvPr>
+        </p:nvSpPr>
+        <p:spPr/>
+        <p:txBody>
+          <a:bodyPr/>
+          <a:lstStyle/>
+          <a:p>
+            <a:r>
+              <a:rPr lang="en-US" altLang="zh-CN" smtClean="0"/>
+              <a:t>Python</a:t>
+            </a:r>
+            <a:r>
+              <a:rPr lang="zh-CN" altLang="en-US" smtClean="0"/>
+              <a:t>是如何运行的</a:t>
+            </a:r>
+            <a:endParaRPr lang="en-US" altLang="zh-CN" smtClean="0"/>
+          </a:p>
+          <a:p>
+            <a:r>
+              <a:rPr lang="en-US" altLang="zh-CN" smtClean="0"/>
+              <a:t>Python</a:t>
+            </a:r>
+            <a:r>
+              <a:rPr lang="zh-CN" altLang="en-US" smtClean="0"/>
+              <a:t>扩展</a:t>
+            </a:r>
+            <a:endParaRPr lang="en-US" altLang="zh-CN" smtClean="0"/>
+          </a:p>
+          <a:p>
+            <a:r>
+              <a:rPr lang="zh-CN" altLang="en-US" smtClean="0"/>
+              <a:t>电子表格函数</a:t>
+            </a:r>
+            <a:endParaRPr lang="en-US" altLang="zh-CN" smtClean="0"/>
+          </a:p>
+          <a:p>
+            <a:r>
+              <a:rPr lang="zh-CN" altLang="en-US" smtClean="0"/>
+              <a:t>右键菜单</a:t>
+            </a:r>
+            <a:endParaRPr lang="zh-CN" altLang="en-US"/>
+          </a:p>
+        </p:txBody>
+      </p:sp>
+    </p:spTree>
+  </p:cSld>
+  <p:clrMapOvr>
+    <a:masterClrMapping/>
+  </p:clrMapOvr>
+</p:sld>
+</file>
+
 <file path=ppt/slides/slide2.xml><?xml version="1.0" encoding="utf-8"?>
 <p:sld xmlns:a="http://schemas.openxmlformats.org/drawingml/2006/main" xmlns:r="http://schemas.openxmlformats.org/officeDocument/2006/relationships" xmlns:p="http://schemas.openxmlformats.org/presentationml/2006/main">
   <p:cSld>
@@ -3147,1343 +3254,65 @@
             <p:ph type="title"/>
           </p:nvPr>
         </p:nvSpPr>
-        <p:spPr>
-          <a:xfrm>
-            <a:off x="3428992" y="-24"/>
-            <a:ext cx="5257808" cy="928694"/>
-          </a:xfrm>
-        </p:spPr>
+        <p:spPr/>
         <p:txBody>
           <a:bodyPr/>
           <a:lstStyle/>
           <a:p>
             <a:r>
               <a:rPr lang="zh-CN" altLang="en-US" smtClean="0"/>
-              <a:t>技术架构</a:t>
-            </a:r>
-            <a:endParaRPr lang="zh-CN" altLang="en-US"/>
-          </a:p>
-        </p:txBody>
-      </p:sp>
-      <p:sp>
-        <p:nvSpPr>
-          <p:cNvPr id="4" name="矩形 3"/>
-          <p:cNvSpPr/>
-          <p:nvPr/>
-        </p:nvSpPr>
-        <p:spPr>
-          <a:xfrm>
-            <a:off x="3000364" y="4857760"/>
-            <a:ext cx="2428892" cy="1071570"/>
-          </a:xfrm>
-          <a:prstGeom prst="rect">
-            <a:avLst/>
-          </a:prstGeom>
-        </p:spPr>
-        <p:style>
-          <a:lnRef idx="2">
-            <a:schemeClr val="accent1">
-              <a:shade val="50000"/>
-            </a:schemeClr>
-          </a:lnRef>
-          <a:fillRef idx="1">
-            <a:schemeClr val="accent1"/>
-          </a:fillRef>
-          <a:effectRef idx="0">
-            <a:schemeClr val="accent1"/>
-          </a:effectRef>
-          <a:fontRef idx="minor">
-            <a:schemeClr val="lt1"/>
-          </a:fontRef>
-        </p:style>
-        <p:txBody>
-          <a:bodyPr rtlCol="0" anchor="ctr"/>
-          <a:lstStyle/>
-          <a:p>
-            <a:pPr algn="ctr"/>
-            <a:r>
-              <a:rPr lang="en-US" altLang="zh-CN" smtClean="0"/>
-              <a:t>Web Server</a:t>
-            </a:r>
-          </a:p>
-          <a:p>
-            <a:pPr algn="ctr"/>
-            <a:r>
-              <a:rPr lang="en-US" altLang="zh-CN" smtClean="0"/>
-              <a:t>manager.go</a:t>
-            </a:r>
-            <a:endParaRPr lang="zh-CN" altLang="en-US"/>
-          </a:p>
-        </p:txBody>
-      </p:sp>
-      <p:sp>
-        <p:nvSpPr>
-          <p:cNvPr id="5" name="矩形 4"/>
-          <p:cNvSpPr/>
-          <p:nvPr/>
-        </p:nvSpPr>
-        <p:spPr>
-          <a:xfrm>
-            <a:off x="6858016" y="1142984"/>
-            <a:ext cx="1857388" cy="714380"/>
-          </a:xfrm>
-          <a:prstGeom prst="rect">
-            <a:avLst/>
-          </a:prstGeom>
-        </p:spPr>
-        <p:style>
-          <a:lnRef idx="2">
-            <a:schemeClr val="accent1">
-              <a:shade val="50000"/>
-            </a:schemeClr>
-          </a:lnRef>
-          <a:fillRef idx="1">
-            <a:schemeClr val="accent1"/>
-          </a:fillRef>
-          <a:effectRef idx="0">
-            <a:schemeClr val="accent1"/>
-          </a:effectRef>
-          <a:fontRef idx="minor">
-            <a:schemeClr val="lt1"/>
-          </a:fontRef>
-        </p:style>
-        <p:txBody>
-          <a:bodyPr rtlCol="0" anchor="ctr"/>
-          <a:lstStyle/>
-          <a:p>
-            <a:pPr algn="ctr"/>
-            <a:r>
-              <a:rPr lang="en-US" altLang="zh-CN" smtClean="0"/>
-              <a:t>xTerm.js </a:t>
-            </a:r>
-          </a:p>
-          <a:p>
-            <a:pPr algn="ctr"/>
-            <a:r>
-              <a:rPr lang="en-US" altLang="zh-CN" smtClean="0"/>
-              <a:t>client</a:t>
-            </a:r>
-            <a:endParaRPr lang="zh-CN" altLang="en-US"/>
-          </a:p>
-        </p:txBody>
-      </p:sp>
-      <p:sp>
-        <p:nvSpPr>
-          <p:cNvPr id="6" name="矩形 5"/>
-          <p:cNvSpPr/>
-          <p:nvPr/>
-        </p:nvSpPr>
-        <p:spPr>
-          <a:xfrm>
-            <a:off x="6715140" y="6357958"/>
-            <a:ext cx="2286016" cy="428628"/>
-          </a:xfrm>
-          <a:prstGeom prst="rect">
-            <a:avLst/>
-          </a:prstGeom>
-        </p:spPr>
-        <p:style>
-          <a:lnRef idx="2">
-            <a:schemeClr val="accent1">
-              <a:shade val="50000"/>
-            </a:schemeClr>
-          </a:lnRef>
-          <a:fillRef idx="1">
-            <a:schemeClr val="accent1"/>
-          </a:fillRef>
-          <a:effectRef idx="0">
-            <a:schemeClr val="accent1"/>
-          </a:effectRef>
-          <a:fontRef idx="minor">
-            <a:schemeClr val="lt1"/>
-          </a:fontRef>
-        </p:style>
-        <p:txBody>
-          <a:bodyPr rtlCol="0" anchor="ctr"/>
-          <a:lstStyle/>
-          <a:p>
-            <a:pPr algn="ctr"/>
-            <a:r>
-              <a:rPr lang="en-US" altLang="zh-CN" smtClean="0"/>
-              <a:t>Chrome</a:t>
-            </a:r>
-            <a:endParaRPr lang="zh-CN" altLang="en-US"/>
-          </a:p>
-        </p:txBody>
-      </p:sp>
-      <p:sp>
-        <p:nvSpPr>
-          <p:cNvPr id="7" name="圆角矩形 6"/>
-          <p:cNvSpPr/>
-          <p:nvPr/>
-        </p:nvSpPr>
-        <p:spPr>
-          <a:xfrm>
-            <a:off x="142844" y="1071546"/>
-            <a:ext cx="2857520" cy="1571636"/>
-          </a:xfrm>
-          <a:prstGeom prst="roundRect">
-            <a:avLst>
-              <a:gd name="adj" fmla="val 6835"/>
-            </a:avLst>
-          </a:prstGeom>
-          <a:noFill/>
-          <a:ln w="3175"/>
-        </p:spPr>
-        <p:style>
-          <a:lnRef idx="2">
-            <a:schemeClr val="accent1">
-              <a:shade val="50000"/>
-            </a:schemeClr>
-          </a:lnRef>
-          <a:fillRef idx="1">
-            <a:schemeClr val="accent1"/>
-          </a:fillRef>
-          <a:effectRef idx="0">
-            <a:schemeClr val="accent1"/>
-          </a:effectRef>
-          <a:fontRef idx="minor">
-            <a:schemeClr val="lt1"/>
-          </a:fontRef>
-        </p:style>
-        <p:txBody>
-          <a:bodyPr rtlCol="0" anchor="ctr"/>
-          <a:lstStyle/>
-          <a:p>
-            <a:pPr algn="ctr"/>
-            <a:endParaRPr lang="zh-CN" altLang="en-US"/>
-          </a:p>
-        </p:txBody>
-      </p:sp>
-      <p:sp>
-        <p:nvSpPr>
-          <p:cNvPr id="18" name="圆角矩形 17"/>
-          <p:cNvSpPr/>
-          <p:nvPr/>
-        </p:nvSpPr>
-        <p:spPr>
-          <a:xfrm>
-            <a:off x="142844" y="6357958"/>
-            <a:ext cx="6429420" cy="428628"/>
-          </a:xfrm>
-          <a:prstGeom prst="roundRect">
-            <a:avLst/>
-          </a:prstGeom>
-        </p:spPr>
-        <p:style>
-          <a:lnRef idx="2">
-            <a:schemeClr val="accent1">
-              <a:shade val="50000"/>
-            </a:schemeClr>
-          </a:lnRef>
-          <a:fillRef idx="1">
-            <a:schemeClr val="accent1"/>
-          </a:fillRef>
-          <a:effectRef idx="0">
-            <a:schemeClr val="accent1"/>
-          </a:effectRef>
-          <a:fontRef idx="minor">
-            <a:schemeClr val="lt1"/>
-          </a:fontRef>
-        </p:style>
-        <p:txBody>
-          <a:bodyPr rtlCol="0" anchor="ctr"/>
-          <a:lstStyle/>
-          <a:p>
-            <a:pPr algn="ctr"/>
-            <a:r>
-              <a:rPr lang="en-US" altLang="zh-CN" smtClean="0"/>
-              <a:t>Ubuntu + Docker</a:t>
-            </a:r>
-            <a:endParaRPr lang="zh-CN" altLang="en-US"/>
-          </a:p>
-        </p:txBody>
-      </p:sp>
-      <p:sp>
-        <p:nvSpPr>
-          <p:cNvPr id="19" name="矩形 18"/>
-          <p:cNvSpPr/>
-          <p:nvPr/>
-        </p:nvSpPr>
-        <p:spPr>
-          <a:xfrm>
-            <a:off x="214282" y="4857760"/>
-            <a:ext cx="2786082" cy="357190"/>
-          </a:xfrm>
-          <a:prstGeom prst="rect">
-            <a:avLst/>
-          </a:prstGeom>
-        </p:spPr>
-        <p:style>
-          <a:lnRef idx="2">
-            <a:schemeClr val="accent1">
-              <a:shade val="50000"/>
-            </a:schemeClr>
-          </a:lnRef>
-          <a:fillRef idx="1">
-            <a:schemeClr val="accent1"/>
-          </a:fillRef>
-          <a:effectRef idx="0">
-            <a:schemeClr val="accent1"/>
-          </a:effectRef>
-          <a:fontRef idx="minor">
-            <a:schemeClr val="lt1"/>
-          </a:fontRef>
-        </p:style>
-        <p:txBody>
-          <a:bodyPr rtlCol="0" anchor="ctr"/>
-          <a:lstStyle/>
-          <a:p>
-            <a:pPr algn="ctr"/>
-            <a:r>
-              <a:rPr lang="en-US" altLang="zh-CN" sz="1200" smtClean="0"/>
-              <a:t>http.client</a:t>
-            </a:r>
-            <a:endParaRPr lang="zh-CN" altLang="en-US" sz="1200"/>
-          </a:p>
-        </p:txBody>
-      </p:sp>
-      <p:sp>
-        <p:nvSpPr>
-          <p:cNvPr id="20" name="矩形 19"/>
-          <p:cNvSpPr/>
-          <p:nvPr/>
-        </p:nvSpPr>
-        <p:spPr>
-          <a:xfrm>
-            <a:off x="3500430" y="2214554"/>
-            <a:ext cx="1643074" cy="357190"/>
-          </a:xfrm>
-          <a:prstGeom prst="rect">
-            <a:avLst/>
-          </a:prstGeom>
-        </p:spPr>
-        <p:style>
-          <a:lnRef idx="2">
-            <a:schemeClr val="accent1">
-              <a:shade val="50000"/>
-            </a:schemeClr>
-          </a:lnRef>
-          <a:fillRef idx="1">
-            <a:schemeClr val="accent1"/>
-          </a:fillRef>
-          <a:effectRef idx="0">
-            <a:schemeClr val="accent1"/>
-          </a:effectRef>
-          <a:fontRef idx="minor">
-            <a:schemeClr val="lt1"/>
-          </a:fontRef>
-        </p:style>
-        <p:txBody>
-          <a:bodyPr rtlCol="0" anchor="ctr"/>
-          <a:lstStyle/>
-          <a:p>
-            <a:pPr algn="ctr"/>
-            <a:r>
-              <a:rPr lang="en-US" altLang="zh-CN" sz="1200" smtClean="0"/>
-              <a:t>Python Runtime</a:t>
-            </a:r>
-            <a:endParaRPr lang="zh-CN" altLang="en-US" sz="1200"/>
-          </a:p>
-        </p:txBody>
-      </p:sp>
-      <p:sp>
-        <p:nvSpPr>
-          <p:cNvPr id="21" name="TextBox 20"/>
-          <p:cNvSpPr txBox="1"/>
-          <p:nvPr/>
-        </p:nvSpPr>
-        <p:spPr>
-          <a:xfrm>
-            <a:off x="0" y="0"/>
-            <a:ext cx="1970219" cy="369332"/>
-          </a:xfrm>
-          <a:prstGeom prst="rect">
-            <a:avLst/>
-          </a:prstGeom>
-          <a:noFill/>
-        </p:spPr>
-        <p:txBody>
-          <a:bodyPr wrap="none" rtlCol="0">
-            <a:spAutoFit/>
-          </a:bodyPr>
-          <a:lstStyle/>
-          <a:p>
-            <a:r>
-              <a:rPr lang="en-US" altLang="zh-CN" smtClean="0"/>
-              <a:t>Go,TypeScript,bash</a:t>
-            </a:r>
-            <a:endParaRPr lang="zh-CN" altLang="en-US"/>
-          </a:p>
-        </p:txBody>
-      </p:sp>
-      <p:sp>
-        <p:nvSpPr>
-          <p:cNvPr id="22" name="矩形 21"/>
-          <p:cNvSpPr/>
-          <p:nvPr/>
-        </p:nvSpPr>
-        <p:spPr>
-          <a:xfrm>
-            <a:off x="428596" y="2143116"/>
-            <a:ext cx="2428892" cy="357190"/>
-          </a:xfrm>
-          <a:prstGeom prst="rect">
-            <a:avLst/>
-          </a:prstGeom>
-        </p:spPr>
-        <p:style>
-          <a:lnRef idx="2">
-            <a:schemeClr val="accent1">
-              <a:shade val="50000"/>
-            </a:schemeClr>
-          </a:lnRef>
-          <a:fillRef idx="1">
-            <a:schemeClr val="accent1"/>
-          </a:fillRef>
-          <a:effectRef idx="0">
-            <a:schemeClr val="accent1"/>
-          </a:effectRef>
-          <a:fontRef idx="minor">
-            <a:schemeClr val="lt1"/>
-          </a:fontRef>
-        </p:style>
-        <p:txBody>
-          <a:bodyPr rtlCol="0" anchor="ctr"/>
-          <a:lstStyle/>
-          <a:p>
-            <a:pPr algn="ctr"/>
-            <a:r>
-              <a:rPr lang="en-US" altLang="zh-CN" smtClean="0"/>
-              <a:t>NodeJS</a:t>
-            </a:r>
-            <a:endParaRPr lang="zh-CN" altLang="en-US"/>
-          </a:p>
-        </p:txBody>
-      </p:sp>
-      <p:sp>
-        <p:nvSpPr>
-          <p:cNvPr id="23" name="矩形 22"/>
-          <p:cNvSpPr/>
-          <p:nvPr/>
-        </p:nvSpPr>
-        <p:spPr>
-          <a:xfrm>
-            <a:off x="428596" y="1285860"/>
-            <a:ext cx="2428892" cy="428628"/>
-          </a:xfrm>
-          <a:prstGeom prst="rect">
-            <a:avLst/>
-          </a:prstGeom>
-        </p:spPr>
-        <p:style>
-          <a:lnRef idx="2">
-            <a:schemeClr val="accent1">
-              <a:shade val="50000"/>
-            </a:schemeClr>
-          </a:lnRef>
-          <a:fillRef idx="1">
-            <a:schemeClr val="accent1"/>
-          </a:fillRef>
-          <a:effectRef idx="0">
-            <a:schemeClr val="accent1"/>
-          </a:effectRef>
-          <a:fontRef idx="minor">
-            <a:schemeClr val="lt1"/>
-          </a:fontRef>
-        </p:style>
-        <p:txBody>
-          <a:bodyPr rtlCol="0" anchor="ctr"/>
-          <a:lstStyle/>
-          <a:p>
-            <a:pPr algn="ctr"/>
-            <a:r>
-              <a:rPr lang="en-US" altLang="zh-CN" sz="1200" smtClean="0"/>
-              <a:t>TerminalServer</a:t>
-            </a:r>
-            <a:endParaRPr lang="zh-CN" altLang="en-US" sz="1200"/>
-          </a:p>
-        </p:txBody>
-      </p:sp>
-      <p:sp>
-        <p:nvSpPr>
-          <p:cNvPr id="24" name="矩形 23"/>
-          <p:cNvSpPr/>
-          <p:nvPr/>
-        </p:nvSpPr>
-        <p:spPr>
-          <a:xfrm>
-            <a:off x="2143108" y="1714488"/>
-            <a:ext cx="714380" cy="428628"/>
-          </a:xfrm>
-          <a:prstGeom prst="rect">
-            <a:avLst/>
-          </a:prstGeom>
-        </p:spPr>
-        <p:style>
-          <a:lnRef idx="2">
-            <a:schemeClr val="accent1">
-              <a:shade val="50000"/>
-            </a:schemeClr>
-          </a:lnRef>
-          <a:fillRef idx="1">
-            <a:schemeClr val="accent1"/>
-          </a:fillRef>
-          <a:effectRef idx="0">
-            <a:schemeClr val="accent1"/>
-          </a:effectRef>
-          <a:fontRef idx="minor">
-            <a:schemeClr val="lt1"/>
-          </a:fontRef>
-        </p:style>
-        <p:txBody>
-          <a:bodyPr rtlCol="0" anchor="ctr"/>
-          <a:lstStyle/>
-          <a:p>
-            <a:pPr algn="ctr"/>
-            <a:r>
-              <a:rPr lang="en-US" altLang="zh-CN" sz="1200" smtClean="0"/>
-              <a:t>express</a:t>
-            </a:r>
-            <a:endParaRPr lang="zh-CN" altLang="en-US" sz="1200"/>
-          </a:p>
-        </p:txBody>
-      </p:sp>
-      <p:sp>
-        <p:nvSpPr>
-          <p:cNvPr id="25" name="矩形 24"/>
-          <p:cNvSpPr/>
-          <p:nvPr/>
-        </p:nvSpPr>
-        <p:spPr>
-          <a:xfrm>
-            <a:off x="3500430" y="2928934"/>
-            <a:ext cx="1643074" cy="357190"/>
-          </a:xfrm>
-          <a:prstGeom prst="rect">
-            <a:avLst/>
-          </a:prstGeom>
-        </p:spPr>
-        <p:style>
-          <a:lnRef idx="2">
-            <a:schemeClr val="accent1">
-              <a:shade val="50000"/>
-            </a:schemeClr>
-          </a:lnRef>
-          <a:fillRef idx="1">
-            <a:schemeClr val="accent1"/>
-          </a:fillRef>
-          <a:effectRef idx="0">
-            <a:schemeClr val="accent1"/>
-          </a:effectRef>
-          <a:fontRef idx="minor">
-            <a:schemeClr val="lt1"/>
-          </a:fontRef>
-        </p:style>
-        <p:txBody>
-          <a:bodyPr rtlCol="0" anchor="ctr"/>
-          <a:lstStyle/>
-          <a:p>
-            <a:pPr algn="ctr"/>
-            <a:r>
-              <a:rPr lang="en-US" altLang="zh-CN" sz="1200" smtClean="0"/>
-              <a:t>sh runtime</a:t>
-            </a:r>
-          </a:p>
-          <a:p>
-            <a:pPr algn="ctr"/>
-            <a:r>
-              <a:rPr lang="en-US" altLang="zh-CN" sz="1200" smtClean="0"/>
-              <a:t>(</a:t>
-            </a:r>
-            <a:r>
-              <a:rPr lang="en-US" sz="1200" smtClean="0"/>
-              <a:t>bash, vim and tmux</a:t>
-            </a:r>
-            <a:r>
-              <a:rPr lang="en-US" altLang="zh-CN" sz="1200" smtClean="0"/>
-              <a:t>)</a:t>
-            </a:r>
-            <a:endParaRPr lang="zh-CN" altLang="en-US" sz="1200"/>
-          </a:p>
-        </p:txBody>
-      </p:sp>
-      <p:sp>
-        <p:nvSpPr>
-          <p:cNvPr id="26" name="圆角矩形 25"/>
-          <p:cNvSpPr/>
-          <p:nvPr/>
-        </p:nvSpPr>
-        <p:spPr>
-          <a:xfrm>
-            <a:off x="6715140" y="1000108"/>
-            <a:ext cx="2286016" cy="5143536"/>
-          </a:xfrm>
-          <a:prstGeom prst="roundRect">
-            <a:avLst>
-              <a:gd name="adj" fmla="val 6835"/>
-            </a:avLst>
-          </a:prstGeom>
-          <a:noFill/>
-          <a:ln w="3175"/>
-        </p:spPr>
-        <p:style>
-          <a:lnRef idx="2">
-            <a:schemeClr val="accent1">
-              <a:shade val="50000"/>
-            </a:schemeClr>
-          </a:lnRef>
-          <a:fillRef idx="1">
-            <a:schemeClr val="accent1"/>
-          </a:fillRef>
-          <a:effectRef idx="0">
-            <a:schemeClr val="accent1"/>
-          </a:effectRef>
-          <a:fontRef idx="minor">
-            <a:schemeClr val="lt1"/>
-          </a:fontRef>
-        </p:style>
-        <p:txBody>
-          <a:bodyPr rtlCol="0" anchor="ctr"/>
-          <a:lstStyle/>
-          <a:p>
-            <a:pPr algn="ctr"/>
-            <a:endParaRPr lang="zh-CN" altLang="en-US"/>
-          </a:p>
-        </p:txBody>
-      </p:sp>
-      <p:cxnSp>
-        <p:nvCxnSpPr>
-          <p:cNvPr id="28" name="直接连接符 27"/>
-          <p:cNvCxnSpPr>
-            <a:stCxn id="23" idx="3"/>
-            <a:endCxn id="5" idx="1"/>
-          </p:cNvCxnSpPr>
-          <p:nvPr/>
-        </p:nvCxnSpPr>
-        <p:spPr>
-          <a:xfrm>
-            <a:off x="2857488" y="1500174"/>
-            <a:ext cx="4000528" cy="1588"/>
-          </a:xfrm>
-          <a:prstGeom prst="line">
-            <a:avLst/>
-          </a:prstGeom>
-        </p:spPr>
-        <p:style>
-          <a:lnRef idx="1">
-            <a:schemeClr val="accent1"/>
-          </a:lnRef>
-          <a:fillRef idx="0">
-            <a:schemeClr val="accent1"/>
-          </a:fillRef>
-          <a:effectRef idx="0">
-            <a:schemeClr val="accent1"/>
-          </a:effectRef>
-          <a:fontRef idx="minor">
-            <a:schemeClr val="tx1"/>
-          </a:fontRef>
-        </p:style>
-      </p:cxnSp>
-      <p:sp>
-        <p:nvSpPr>
-          <p:cNvPr id="29" name="TextBox 28"/>
-          <p:cNvSpPr txBox="1"/>
-          <p:nvPr/>
-        </p:nvSpPr>
-        <p:spPr>
-          <a:xfrm>
-            <a:off x="4572000" y="1214422"/>
-            <a:ext cx="785818" cy="246221"/>
-          </a:xfrm>
-          <a:prstGeom prst="rect">
-            <a:avLst/>
-          </a:prstGeom>
-          <a:noFill/>
-        </p:spPr>
-        <p:txBody>
-          <a:bodyPr wrap="square" rtlCol="0">
-            <a:spAutoFit/>
-          </a:bodyPr>
-          <a:lstStyle/>
-          <a:p>
-            <a:r>
-              <a:rPr lang="en-US" altLang="zh-CN" sz="1000" smtClean="0"/>
-              <a:t>WebSocket</a:t>
-            </a:r>
-            <a:endParaRPr lang="zh-CN" altLang="en-US" sz="1000"/>
-          </a:p>
-        </p:txBody>
-      </p:sp>
-      <p:sp>
-        <p:nvSpPr>
-          <p:cNvPr id="30" name="矩形 29"/>
-          <p:cNvSpPr/>
-          <p:nvPr/>
-        </p:nvSpPr>
-        <p:spPr>
-          <a:xfrm>
-            <a:off x="2786050" y="1357298"/>
-            <a:ext cx="447558" cy="246221"/>
-          </a:xfrm>
-          <a:prstGeom prst="rect">
-            <a:avLst/>
-          </a:prstGeom>
-          <a:solidFill>
-            <a:srgbClr val="FFFF00"/>
-          </a:solidFill>
-        </p:spPr>
-        <p:txBody>
-          <a:bodyPr wrap="none">
-            <a:spAutoFit/>
-          </a:bodyPr>
-          <a:lstStyle/>
-          <a:p>
-            <a:r>
-              <a:rPr lang="en-US" altLang="zh-CN" sz="1000" smtClean="0"/>
-              <a:t>3430</a:t>
-            </a:r>
-            <a:endParaRPr lang="zh-CN" altLang="en-US" sz="1000"/>
-          </a:p>
-        </p:txBody>
-      </p:sp>
-      <p:cxnSp>
-        <p:nvCxnSpPr>
-          <p:cNvPr id="32" name="直接连接符 31"/>
-          <p:cNvCxnSpPr/>
-          <p:nvPr/>
-        </p:nvCxnSpPr>
-        <p:spPr>
-          <a:xfrm>
-            <a:off x="5429256" y="5429264"/>
-            <a:ext cx="1571636" cy="1588"/>
-          </a:xfrm>
-          <a:prstGeom prst="line">
-            <a:avLst/>
-          </a:prstGeom>
-        </p:spPr>
-        <p:style>
-          <a:lnRef idx="1">
-            <a:schemeClr val="accent1"/>
-          </a:lnRef>
-          <a:fillRef idx="0">
-            <a:schemeClr val="accent1"/>
-          </a:fillRef>
-          <a:effectRef idx="0">
-            <a:schemeClr val="accent1"/>
-          </a:effectRef>
-          <a:fontRef idx="minor">
-            <a:schemeClr val="tx1"/>
-          </a:fontRef>
-        </p:style>
-      </p:cxnSp>
-      <p:sp>
-        <p:nvSpPr>
-          <p:cNvPr id="31" name="矩形 30"/>
-          <p:cNvSpPr/>
-          <p:nvPr/>
-        </p:nvSpPr>
-        <p:spPr>
-          <a:xfrm>
-            <a:off x="5429256" y="5286388"/>
-            <a:ext cx="447558" cy="246221"/>
-          </a:xfrm>
-          <a:prstGeom prst="rect">
-            <a:avLst/>
-          </a:prstGeom>
-          <a:solidFill>
-            <a:srgbClr val="FFFF00"/>
-          </a:solidFill>
-        </p:spPr>
-        <p:txBody>
-          <a:bodyPr wrap="none">
-            <a:spAutoFit/>
-          </a:bodyPr>
-          <a:lstStyle/>
-          <a:p>
-            <a:r>
-              <a:rPr lang="en-US" altLang="zh-CN" sz="1000" smtClean="0"/>
-              <a:t>8080</a:t>
-            </a:r>
-            <a:endParaRPr lang="zh-CN" altLang="en-US" sz="1000"/>
-          </a:p>
-        </p:txBody>
-      </p:sp>
-      <p:sp>
-        <p:nvSpPr>
-          <p:cNvPr id="33" name="TextBox 32"/>
-          <p:cNvSpPr txBox="1"/>
-          <p:nvPr/>
-        </p:nvSpPr>
-        <p:spPr>
-          <a:xfrm>
-            <a:off x="6286512" y="5214950"/>
-            <a:ext cx="785818" cy="246221"/>
-          </a:xfrm>
-          <a:prstGeom prst="rect">
-            <a:avLst/>
-          </a:prstGeom>
-          <a:noFill/>
-        </p:spPr>
-        <p:txBody>
-          <a:bodyPr wrap="square" rtlCol="0">
-            <a:spAutoFit/>
-          </a:bodyPr>
-          <a:lstStyle/>
-          <a:p>
-            <a:r>
-              <a:rPr lang="en-US" altLang="zh-CN" sz="1000" smtClean="0"/>
-              <a:t>HTTP</a:t>
-            </a:r>
-            <a:endParaRPr lang="zh-CN" altLang="en-US" sz="1000"/>
-          </a:p>
-        </p:txBody>
-      </p:sp>
-      <p:sp>
-        <p:nvSpPr>
-          <p:cNvPr id="27" name="矩形 26"/>
-          <p:cNvSpPr/>
-          <p:nvPr/>
-        </p:nvSpPr>
-        <p:spPr>
-          <a:xfrm>
-            <a:off x="5143504" y="2214554"/>
-            <a:ext cx="1214446" cy="1714512"/>
-          </a:xfrm>
-          <a:prstGeom prst="rect">
-            <a:avLst/>
-          </a:prstGeom>
-        </p:spPr>
-        <p:style>
-          <a:lnRef idx="2">
-            <a:schemeClr val="accent1">
-              <a:shade val="50000"/>
-            </a:schemeClr>
-          </a:lnRef>
-          <a:fillRef idx="1">
-            <a:schemeClr val="accent1"/>
-          </a:fillRef>
-          <a:effectRef idx="0">
-            <a:schemeClr val="accent1"/>
-          </a:effectRef>
-          <a:fontRef idx="minor">
-            <a:schemeClr val="lt1"/>
-          </a:fontRef>
-        </p:style>
-        <p:txBody>
-          <a:bodyPr rtlCol="0" anchor="ctr"/>
-          <a:lstStyle/>
-          <a:p>
-            <a:pPr algn="ctr"/>
-            <a:r>
-              <a:rPr lang="en-US" altLang="zh-CN" smtClean="0"/>
-              <a:t>Web Server</a:t>
-            </a:r>
-          </a:p>
-          <a:p>
-            <a:pPr algn="ctr"/>
-            <a:r>
-              <a:rPr lang="en-US" altLang="zh-CN" smtClean="0"/>
-              <a:t>main.go</a:t>
-            </a:r>
-            <a:endParaRPr lang="zh-CN" altLang="en-US"/>
-          </a:p>
-        </p:txBody>
-      </p:sp>
-      <p:sp>
-        <p:nvSpPr>
-          <p:cNvPr id="35" name="TextBox 34"/>
-          <p:cNvSpPr txBox="1"/>
-          <p:nvPr/>
-        </p:nvSpPr>
-        <p:spPr>
-          <a:xfrm>
-            <a:off x="2285984" y="3214686"/>
-            <a:ext cx="428628" cy="246221"/>
-          </a:xfrm>
-          <a:prstGeom prst="rect">
-            <a:avLst/>
-          </a:prstGeom>
-          <a:noFill/>
-        </p:spPr>
-        <p:txBody>
-          <a:bodyPr wrap="square" rtlCol="0">
-            <a:spAutoFit/>
-          </a:bodyPr>
-          <a:lstStyle/>
-          <a:p>
-            <a:r>
-              <a:rPr lang="en-US" altLang="zh-CN" sz="1000" smtClean="0"/>
-              <a:t>http</a:t>
-            </a:r>
-            <a:endParaRPr lang="zh-CN" altLang="en-US" sz="1000"/>
-          </a:p>
-        </p:txBody>
-      </p:sp>
-      <p:sp>
-        <p:nvSpPr>
-          <p:cNvPr id="36" name="矩形 35"/>
-          <p:cNvSpPr/>
-          <p:nvPr/>
-        </p:nvSpPr>
-        <p:spPr>
-          <a:xfrm>
-            <a:off x="2285984" y="3000372"/>
-            <a:ext cx="447558" cy="246221"/>
-          </a:xfrm>
-          <a:prstGeom prst="rect">
-            <a:avLst/>
-          </a:prstGeom>
-          <a:solidFill>
-            <a:srgbClr val="FFFF00"/>
-          </a:solidFill>
-        </p:spPr>
-        <p:txBody>
-          <a:bodyPr wrap="none">
-            <a:spAutoFit/>
-          </a:bodyPr>
-          <a:lstStyle/>
-          <a:p>
-            <a:r>
-              <a:rPr lang="en-US" altLang="zh-CN" sz="1000" smtClean="0"/>
-              <a:t>4430</a:t>
-            </a:r>
-            <a:endParaRPr lang="zh-CN" altLang="en-US" sz="1000"/>
-          </a:p>
-        </p:txBody>
-      </p:sp>
-      <p:sp>
-        <p:nvSpPr>
-          <p:cNvPr id="42" name="矩形 41"/>
-          <p:cNvSpPr/>
-          <p:nvPr/>
-        </p:nvSpPr>
-        <p:spPr>
-          <a:xfrm>
-            <a:off x="1428728" y="1714488"/>
-            <a:ext cx="714380" cy="428628"/>
-          </a:xfrm>
-          <a:prstGeom prst="rect">
-            <a:avLst/>
-          </a:prstGeom>
-        </p:spPr>
-        <p:style>
-          <a:lnRef idx="2">
-            <a:schemeClr val="accent1">
-              <a:shade val="50000"/>
-            </a:schemeClr>
-          </a:lnRef>
-          <a:fillRef idx="1">
-            <a:schemeClr val="accent1"/>
-          </a:fillRef>
-          <a:effectRef idx="0">
-            <a:schemeClr val="accent1"/>
-          </a:effectRef>
-          <a:fontRef idx="minor">
-            <a:schemeClr val="lt1"/>
-          </a:fontRef>
-        </p:style>
-        <p:txBody>
-          <a:bodyPr rtlCol="0" anchor="ctr"/>
-          <a:lstStyle/>
-          <a:p>
-            <a:pPr algn="ctr"/>
-            <a:r>
-              <a:rPr lang="en-US" altLang="zh-CN" sz="1200" smtClean="0"/>
-              <a:t>Express-ws</a:t>
-            </a:r>
-            <a:endParaRPr lang="zh-CN" altLang="en-US" sz="1200"/>
-          </a:p>
-        </p:txBody>
-      </p:sp>
-      <p:sp>
-        <p:nvSpPr>
-          <p:cNvPr id="43" name="矩形 42"/>
-          <p:cNvSpPr/>
-          <p:nvPr/>
-        </p:nvSpPr>
-        <p:spPr>
-          <a:xfrm>
-            <a:off x="428596" y="1714488"/>
-            <a:ext cx="1000132" cy="428628"/>
-          </a:xfrm>
-          <a:prstGeom prst="rect">
-            <a:avLst/>
-          </a:prstGeom>
-        </p:spPr>
-        <p:style>
-          <a:lnRef idx="2">
-            <a:schemeClr val="accent1">
-              <a:shade val="50000"/>
-            </a:schemeClr>
-          </a:lnRef>
-          <a:fillRef idx="1">
-            <a:schemeClr val="accent1"/>
-          </a:fillRef>
-          <a:effectRef idx="0">
-            <a:schemeClr val="accent1"/>
-          </a:effectRef>
-          <a:fontRef idx="minor">
-            <a:schemeClr val="lt1"/>
-          </a:fontRef>
-        </p:style>
-        <p:txBody>
-          <a:bodyPr rtlCol="0" anchor="ctr"/>
-          <a:lstStyle/>
-          <a:p>
-            <a:pPr algn="ctr"/>
-            <a:r>
-              <a:rPr lang="en-US" altLang="zh-CN" sz="1200" smtClean="0"/>
-              <a:t>node-pty</a:t>
-            </a:r>
-            <a:endParaRPr lang="zh-CN" altLang="en-US" sz="1200"/>
-          </a:p>
-        </p:txBody>
-      </p:sp>
-      <p:sp>
-        <p:nvSpPr>
-          <p:cNvPr id="46" name="矩形 45"/>
-          <p:cNvSpPr/>
-          <p:nvPr/>
-        </p:nvSpPr>
-        <p:spPr>
-          <a:xfrm>
-            <a:off x="1285852" y="5214950"/>
-            <a:ext cx="1714512" cy="357190"/>
-          </a:xfrm>
-          <a:prstGeom prst="rect">
-            <a:avLst/>
-          </a:prstGeom>
-        </p:spPr>
-        <p:style>
-          <a:lnRef idx="2">
-            <a:schemeClr val="accent1">
-              <a:shade val="50000"/>
-            </a:schemeClr>
-          </a:lnRef>
-          <a:fillRef idx="1">
-            <a:schemeClr val="accent1"/>
-          </a:fillRef>
-          <a:effectRef idx="0">
-            <a:schemeClr val="accent1"/>
-          </a:effectRef>
-          <a:fontRef idx="minor">
-            <a:schemeClr val="lt1"/>
-          </a:fontRef>
-        </p:style>
-        <p:txBody>
-          <a:bodyPr rtlCol="0" anchor="ctr"/>
-          <a:lstStyle/>
-          <a:p>
-            <a:pPr algn="ctr"/>
-            <a:r>
-              <a:rPr lang="en-US" altLang="zh-CN" sz="1200" smtClean="0"/>
-              <a:t>Slqite3</a:t>
-            </a:r>
-            <a:endParaRPr lang="zh-CN" altLang="en-US" sz="1200"/>
-          </a:p>
-        </p:txBody>
-      </p:sp>
-      <p:cxnSp>
-        <p:nvCxnSpPr>
-          <p:cNvPr id="48" name="直接箭头连接符 47"/>
-          <p:cNvCxnSpPr>
-            <a:stCxn id="19" idx="0"/>
-            <a:endCxn id="7" idx="2"/>
-          </p:cNvCxnSpPr>
-          <p:nvPr/>
-        </p:nvCxnSpPr>
-        <p:spPr>
-          <a:xfrm rot="16200000" flipV="1">
-            <a:off x="482175" y="3732611"/>
-            <a:ext cx="2214578" cy="35719"/>
-          </a:xfrm>
-          <a:prstGeom prst="straightConnector1">
-            <a:avLst/>
-          </a:prstGeom>
-          <a:ln>
-            <a:tailEnd type="arrow"/>
-          </a:ln>
-        </p:spPr>
-        <p:style>
-          <a:lnRef idx="1">
-            <a:schemeClr val="accent1"/>
-          </a:lnRef>
-          <a:fillRef idx="0">
-            <a:schemeClr val="accent1"/>
-          </a:fillRef>
-          <a:effectRef idx="0">
-            <a:schemeClr val="accent1"/>
-          </a:effectRef>
-          <a:fontRef idx="minor">
-            <a:schemeClr val="tx1"/>
-          </a:fontRef>
-        </p:style>
-      </p:cxnSp>
-      <p:sp>
-        <p:nvSpPr>
-          <p:cNvPr id="49" name="圆角矩形 48"/>
-          <p:cNvSpPr/>
-          <p:nvPr/>
-        </p:nvSpPr>
-        <p:spPr>
-          <a:xfrm>
-            <a:off x="3286116" y="2071678"/>
-            <a:ext cx="3214710" cy="1928826"/>
-          </a:xfrm>
-          <a:prstGeom prst="roundRect">
-            <a:avLst>
-              <a:gd name="adj" fmla="val 6835"/>
-            </a:avLst>
-          </a:prstGeom>
-          <a:noFill/>
-          <a:ln w="3175"/>
-        </p:spPr>
-        <p:style>
-          <a:lnRef idx="2">
-            <a:schemeClr val="accent1">
-              <a:shade val="50000"/>
-            </a:schemeClr>
-          </a:lnRef>
-          <a:fillRef idx="1">
-            <a:schemeClr val="accent1"/>
-          </a:fillRef>
-          <a:effectRef idx="0">
-            <a:schemeClr val="accent1"/>
-          </a:effectRef>
-          <a:fontRef idx="minor">
-            <a:schemeClr val="lt1"/>
-          </a:fontRef>
-        </p:style>
-        <p:txBody>
-          <a:bodyPr rtlCol="0" anchor="ctr"/>
-          <a:lstStyle/>
-          <a:p>
-            <a:pPr algn="ctr"/>
-            <a:endParaRPr lang="zh-CN" altLang="en-US"/>
-          </a:p>
-        </p:txBody>
-      </p:sp>
-      <p:cxnSp>
-        <p:nvCxnSpPr>
-          <p:cNvPr id="56" name="形状 55"/>
-          <p:cNvCxnSpPr>
-            <a:endCxn id="49" idx="1"/>
-          </p:cNvCxnSpPr>
-          <p:nvPr/>
-        </p:nvCxnSpPr>
-        <p:spPr>
-          <a:xfrm rot="5400000" flipH="1" flipV="1">
-            <a:off x="1803779" y="3375423"/>
-            <a:ext cx="1821669" cy="1143006"/>
-          </a:xfrm>
-          <a:prstGeom prst="bentConnector2">
-            <a:avLst/>
-          </a:prstGeom>
-          <a:ln>
-            <a:tailEnd type="arrow"/>
-          </a:ln>
-        </p:spPr>
-        <p:style>
-          <a:lnRef idx="1">
-            <a:schemeClr val="accent1"/>
-          </a:lnRef>
-          <a:fillRef idx="0">
-            <a:schemeClr val="accent1"/>
-          </a:fillRef>
-          <a:effectRef idx="0">
-            <a:schemeClr val="accent1"/>
-          </a:effectRef>
-          <a:fontRef idx="minor">
-            <a:schemeClr val="tx1"/>
-          </a:fontRef>
-        </p:style>
-      </p:cxnSp>
-      <p:sp>
-        <p:nvSpPr>
-          <p:cNvPr id="57" name="圆角矩形 56"/>
-          <p:cNvSpPr/>
-          <p:nvPr/>
-        </p:nvSpPr>
-        <p:spPr>
-          <a:xfrm>
-            <a:off x="142844" y="4429132"/>
-            <a:ext cx="5500726" cy="1785950"/>
-          </a:xfrm>
-          <a:prstGeom prst="roundRect">
-            <a:avLst>
-              <a:gd name="adj" fmla="val 6835"/>
-            </a:avLst>
-          </a:prstGeom>
-          <a:noFill/>
-          <a:ln w="3175"/>
-        </p:spPr>
-        <p:style>
-          <a:lnRef idx="2">
-            <a:schemeClr val="accent1">
-              <a:shade val="50000"/>
-            </a:schemeClr>
-          </a:lnRef>
-          <a:fillRef idx="1">
-            <a:schemeClr val="accent1"/>
-          </a:fillRef>
-          <a:effectRef idx="0">
-            <a:schemeClr val="accent1"/>
-          </a:effectRef>
-          <a:fontRef idx="minor">
-            <a:schemeClr val="lt1"/>
-          </a:fontRef>
-        </p:style>
-        <p:txBody>
-          <a:bodyPr rtlCol="0" anchor="ctr"/>
-          <a:lstStyle/>
-          <a:p>
-            <a:pPr algn="ctr"/>
-            <a:endParaRPr lang="zh-CN" altLang="en-US"/>
-          </a:p>
-        </p:txBody>
-      </p:sp>
-      <p:sp>
-        <p:nvSpPr>
-          <p:cNvPr id="58" name="矩形 57"/>
-          <p:cNvSpPr/>
-          <p:nvPr/>
-        </p:nvSpPr>
-        <p:spPr>
-          <a:xfrm>
-            <a:off x="3500430" y="3286124"/>
-            <a:ext cx="1643074" cy="357190"/>
-          </a:xfrm>
-          <a:prstGeom prst="rect">
-            <a:avLst/>
-          </a:prstGeom>
-        </p:spPr>
-        <p:style>
-          <a:lnRef idx="2">
-            <a:schemeClr val="accent1">
-              <a:shade val="50000"/>
-            </a:schemeClr>
-          </a:lnRef>
-          <a:fillRef idx="1">
-            <a:schemeClr val="accent1"/>
-          </a:fillRef>
-          <a:effectRef idx="0">
-            <a:schemeClr val="accent1"/>
-          </a:effectRef>
-          <a:fontRef idx="minor">
-            <a:schemeClr val="lt1"/>
-          </a:fontRef>
-        </p:style>
-        <p:txBody>
-          <a:bodyPr rtlCol="0" anchor="ctr"/>
-          <a:lstStyle/>
-          <a:p>
-            <a:pPr algn="ctr"/>
-            <a:r>
-              <a:rPr lang="en-US" altLang="zh-CN" sz="1200" smtClean="0"/>
-              <a:t>Grid</a:t>
-            </a:r>
-            <a:endParaRPr lang="zh-CN" altLang="en-US" sz="1200"/>
-          </a:p>
-        </p:txBody>
-      </p:sp>
-      <p:sp>
-        <p:nvSpPr>
-          <p:cNvPr id="59" name="矩形 58"/>
-          <p:cNvSpPr/>
-          <p:nvPr/>
-        </p:nvSpPr>
-        <p:spPr>
-          <a:xfrm>
-            <a:off x="3500430" y="2571744"/>
-            <a:ext cx="1643074" cy="357190"/>
-          </a:xfrm>
-          <a:prstGeom prst="rect">
-            <a:avLst/>
-          </a:prstGeom>
-        </p:spPr>
-        <p:style>
-          <a:lnRef idx="2">
-            <a:schemeClr val="accent1">
-              <a:shade val="50000"/>
-            </a:schemeClr>
-          </a:lnRef>
-          <a:fillRef idx="1">
-            <a:schemeClr val="accent1"/>
-          </a:fillRef>
-          <a:effectRef idx="0">
-            <a:schemeClr val="accent1"/>
-          </a:effectRef>
-          <a:fontRef idx="minor">
-            <a:schemeClr val="lt1"/>
-          </a:fontRef>
-        </p:style>
-        <p:txBody>
-          <a:bodyPr rtlCol="0" anchor="ctr"/>
-          <a:lstStyle/>
-          <a:p>
-            <a:pPr algn="ctr"/>
-            <a:r>
-              <a:rPr lang="en-US" altLang="zh-CN" sz="1200" smtClean="0"/>
-              <a:t>Parse function</a:t>
-            </a:r>
-            <a:endParaRPr lang="zh-CN" altLang="en-US" sz="1200"/>
-          </a:p>
-        </p:txBody>
-      </p:sp>
-      <p:sp>
-        <p:nvSpPr>
-          <p:cNvPr id="61" name="矩形 60"/>
-          <p:cNvSpPr/>
-          <p:nvPr/>
-        </p:nvSpPr>
-        <p:spPr>
-          <a:xfrm>
-            <a:off x="6858016" y="2000240"/>
-            <a:ext cx="1857388" cy="3929090"/>
-          </a:xfrm>
-          <a:prstGeom prst="rect">
-            <a:avLst/>
-          </a:prstGeom>
-        </p:spPr>
-        <p:style>
-          <a:lnRef idx="2">
-            <a:schemeClr val="accent1">
-              <a:shade val="50000"/>
-            </a:schemeClr>
-          </a:lnRef>
-          <a:fillRef idx="1">
-            <a:schemeClr val="accent1"/>
-          </a:fillRef>
-          <a:effectRef idx="0">
-            <a:schemeClr val="accent1"/>
-          </a:effectRef>
-          <a:fontRef idx="minor">
-            <a:schemeClr val="lt1"/>
-          </a:fontRef>
-        </p:style>
-        <p:txBody>
-          <a:bodyPr rtlCol="0" anchor="ctr"/>
-          <a:lstStyle/>
-          <a:p>
-            <a:pPr algn="ctr"/>
-            <a:r>
-              <a:rPr lang="en-US" altLang="zh-CN" smtClean="0"/>
-              <a:t>Grid</a:t>
-            </a:r>
-          </a:p>
-          <a:p>
-            <a:pPr algn="ctr"/>
-            <a:r>
-              <a:rPr lang="en-US" altLang="zh-CN" smtClean="0"/>
-              <a:t>FileServer</a:t>
-            </a:r>
-          </a:p>
-          <a:p>
-            <a:pPr algn="ctr"/>
-            <a:r>
-              <a:rPr lang="en-US" altLang="zh-CN" smtClean="0"/>
-              <a:t>Python CMD</a:t>
+              <a:t>产品理念</a:t>
+            </a:r>
+            <a:endParaRPr lang="zh-CN" altLang="en-US"/>
+          </a:p>
+        </p:txBody>
+      </p:sp>
+      <p:sp>
+        <p:nvSpPr>
+          <p:cNvPr id="3" name="内容占位符 2"/>
+          <p:cNvSpPr>
+            <a:spLocks noGrp="1"/>
+          </p:cNvSpPr>
+          <p:nvPr>
+            <p:ph idx="1"/>
+          </p:nvPr>
+        </p:nvSpPr>
+        <p:spPr/>
+        <p:txBody>
+          <a:bodyPr/>
+          <a:lstStyle/>
+          <a:p>
+            <a:r>
+              <a:rPr lang="zh-CN" altLang="en-US" smtClean="0"/>
+              <a:t>广义的终端</a:t>
+            </a:r>
+            <a:endParaRPr lang="en-US" altLang="zh-CN" smtClean="0"/>
+          </a:p>
+          <a:p>
+            <a:r>
+              <a:rPr lang="zh-CN" altLang="en-US" smtClean="0"/>
+              <a:t>另一种实现应用Ｗｅｂ化的方式</a:t>
+            </a:r>
+            <a:endParaRPr lang="en-US" altLang="zh-CN" smtClean="0"/>
+          </a:p>
+          <a:p>
+            <a:r>
+              <a:rPr lang="zh-CN" altLang="en-US" smtClean="0"/>
+              <a:t>可以将很多Ｐｙｔｈｏｎ应用云端化</a:t>
+            </a:r>
+            <a:endParaRPr lang="en-US" altLang="zh-CN" smtClean="0"/>
+          </a:p>
+          <a:p>
+            <a:r>
+              <a:rPr lang="zh-CN" altLang="en-US" smtClean="0"/>
+              <a:t>可以定制界面成为一般的定制Ｗｅｂ应用</a:t>
+            </a:r>
+            <a:endParaRPr lang="en-US" altLang="zh-CN" smtClean="0"/>
+          </a:p>
+          <a:p>
+            <a:r>
+              <a:rPr lang="zh-CN" altLang="en-US" smtClean="0"/>
+              <a:t>一个Ｗｅｂ端的数据处理工作台，但有不用针对多变的数据处理能力去做ＷＥｂ开发</a:t>
             </a:r>
             <a:endParaRPr lang="zh-CN" altLang="en-US"/>
           </a:p>
@@ -4526,17 +3355,19 @@
         </p:nvSpPr>
         <p:spPr>
           <a:xfrm>
-            <a:off x="357158" y="0"/>
-            <a:ext cx="8229600" cy="785794"/>
-          </a:xfrm>
-        </p:spPr>
-        <p:txBody>
-          <a:bodyPr/>
-          <a:lstStyle/>
-          <a:p>
-            <a:r>
-              <a:rPr lang="zh-CN" altLang="en-US" smtClean="0"/>
-              <a:t>主界面</a:t>
+            <a:off x="142844" y="142852"/>
+            <a:ext cx="4114800" cy="654032"/>
+          </a:xfrm>
+        </p:spPr>
+        <p:txBody>
+          <a:bodyPr>
+            <a:normAutofit fontScale="90000"/>
+          </a:bodyPr>
+          <a:lstStyle/>
+          <a:p>
+            <a:r>
+              <a:rPr lang="zh-CN" altLang="en-US" smtClean="0"/>
+              <a:t>功能架构</a:t>
             </a:r>
             <a:endParaRPr lang="zh-CN" altLang="en-US"/>
           </a:p>
@@ -4544,7 +3375,7 @@
       </p:sp>
       <p:pic>
         <p:nvPicPr>
-          <p:cNvPr id="1026" name="Picture 2" descr="E:\00-work\ws_mylabs\gridstudio\docu\Home.png"/>
+          <p:cNvPr id="1026" name="Picture 2"/>
           <p:cNvPicPr>
             <a:picLocks noChangeAspect="1" noChangeArrowheads="1"/>
           </p:cNvPicPr>
@@ -4559,13 +3390,20 @@
         </p:blipFill>
         <p:spPr bwMode="auto">
           <a:xfrm>
-            <a:off x="500034" y="1285860"/>
-            <a:ext cx="7978284" cy="3929090"/>
+            <a:off x="142844" y="1000108"/>
+            <a:ext cx="8580437" cy="5456237"/>
           </a:xfrm>
           <a:prstGeom prst="rect">
             <a:avLst/>
           </a:prstGeom>
           <a:noFill/>
+          <a:ln w="9525">
+            <a:noFill/>
+            <a:miter lim="800000"/>
+            <a:headEnd/>
+            <a:tailEnd/>
+          </a:ln>
+          <a:effectLst/>
         </p:spPr>
       </p:pic>
     </p:spTree>
@@ -4603,34 +3441,1344 @@
             <p:ph type="title"/>
           </p:nvPr>
         </p:nvSpPr>
-        <p:spPr/>
+        <p:spPr>
+          <a:xfrm>
+            <a:off x="3428992" y="-24"/>
+            <a:ext cx="5257808" cy="928694"/>
+          </a:xfrm>
+        </p:spPr>
         <p:txBody>
           <a:bodyPr/>
           <a:lstStyle/>
           <a:p>
             <a:r>
               <a:rPr lang="zh-CN" altLang="en-US" smtClean="0"/>
-              <a:t>运行流程</a:t>
-            </a:r>
-            <a:endParaRPr lang="zh-CN" altLang="en-US"/>
-          </a:p>
-        </p:txBody>
-      </p:sp>
-      <p:sp>
-        <p:nvSpPr>
-          <p:cNvPr id="3" name="内容占位符 2"/>
-          <p:cNvSpPr>
-            <a:spLocks noGrp="1"/>
-          </p:cNvSpPr>
-          <p:nvPr>
-            <p:ph idx="1"/>
-          </p:nvPr>
-        </p:nvSpPr>
-        <p:spPr/>
-        <p:txBody>
-          <a:bodyPr/>
-          <a:lstStyle/>
-          <a:p>
+              <a:t>技术架构</a:t>
+            </a:r>
+            <a:endParaRPr lang="zh-CN" altLang="en-US"/>
+          </a:p>
+        </p:txBody>
+      </p:sp>
+      <p:sp>
+        <p:nvSpPr>
+          <p:cNvPr id="4" name="矩形 3"/>
+          <p:cNvSpPr/>
+          <p:nvPr/>
+        </p:nvSpPr>
+        <p:spPr>
+          <a:xfrm>
+            <a:off x="3000364" y="4857760"/>
+            <a:ext cx="2428892" cy="1071570"/>
+          </a:xfrm>
+          <a:prstGeom prst="rect">
+            <a:avLst/>
+          </a:prstGeom>
+        </p:spPr>
+        <p:style>
+          <a:lnRef idx="2">
+            <a:schemeClr val="accent1">
+              <a:shade val="50000"/>
+            </a:schemeClr>
+          </a:lnRef>
+          <a:fillRef idx="1">
+            <a:schemeClr val="accent1"/>
+          </a:fillRef>
+          <a:effectRef idx="0">
+            <a:schemeClr val="accent1"/>
+          </a:effectRef>
+          <a:fontRef idx="minor">
+            <a:schemeClr val="lt1"/>
+          </a:fontRef>
+        </p:style>
+        <p:txBody>
+          <a:bodyPr rtlCol="0" anchor="ctr"/>
+          <a:lstStyle/>
+          <a:p>
+            <a:pPr algn="ctr"/>
+            <a:r>
+              <a:rPr lang="en-US" altLang="zh-CN" smtClean="0"/>
+              <a:t>Web Server</a:t>
+            </a:r>
+          </a:p>
+          <a:p>
+            <a:pPr algn="ctr"/>
+            <a:r>
+              <a:rPr lang="en-US" altLang="zh-CN" smtClean="0"/>
+              <a:t>manager.go</a:t>
+            </a:r>
+            <a:endParaRPr lang="zh-CN" altLang="en-US"/>
+          </a:p>
+        </p:txBody>
+      </p:sp>
+      <p:sp>
+        <p:nvSpPr>
+          <p:cNvPr id="5" name="矩形 4"/>
+          <p:cNvSpPr/>
+          <p:nvPr/>
+        </p:nvSpPr>
+        <p:spPr>
+          <a:xfrm>
+            <a:off x="6858016" y="1142984"/>
+            <a:ext cx="1857388" cy="714380"/>
+          </a:xfrm>
+          <a:prstGeom prst="rect">
+            <a:avLst/>
+          </a:prstGeom>
+        </p:spPr>
+        <p:style>
+          <a:lnRef idx="2">
+            <a:schemeClr val="accent1">
+              <a:shade val="50000"/>
+            </a:schemeClr>
+          </a:lnRef>
+          <a:fillRef idx="1">
+            <a:schemeClr val="accent1"/>
+          </a:fillRef>
+          <a:effectRef idx="0">
+            <a:schemeClr val="accent1"/>
+          </a:effectRef>
+          <a:fontRef idx="minor">
+            <a:schemeClr val="lt1"/>
+          </a:fontRef>
+        </p:style>
+        <p:txBody>
+          <a:bodyPr rtlCol="0" anchor="ctr"/>
+          <a:lstStyle/>
+          <a:p>
+            <a:pPr algn="ctr"/>
+            <a:r>
+              <a:rPr lang="en-US" altLang="zh-CN" smtClean="0"/>
+              <a:t>xTerm.js </a:t>
+            </a:r>
+          </a:p>
+          <a:p>
+            <a:pPr algn="ctr"/>
+            <a:r>
+              <a:rPr lang="en-US" altLang="zh-CN" smtClean="0"/>
+              <a:t>client</a:t>
+            </a:r>
+            <a:endParaRPr lang="zh-CN" altLang="en-US"/>
+          </a:p>
+        </p:txBody>
+      </p:sp>
+      <p:sp>
+        <p:nvSpPr>
+          <p:cNvPr id="6" name="矩形 5"/>
+          <p:cNvSpPr/>
+          <p:nvPr/>
+        </p:nvSpPr>
+        <p:spPr>
+          <a:xfrm>
+            <a:off x="6715140" y="6357958"/>
+            <a:ext cx="2286016" cy="428628"/>
+          </a:xfrm>
+          <a:prstGeom prst="rect">
+            <a:avLst/>
+          </a:prstGeom>
+        </p:spPr>
+        <p:style>
+          <a:lnRef idx="2">
+            <a:schemeClr val="accent1">
+              <a:shade val="50000"/>
+            </a:schemeClr>
+          </a:lnRef>
+          <a:fillRef idx="1">
+            <a:schemeClr val="accent1"/>
+          </a:fillRef>
+          <a:effectRef idx="0">
+            <a:schemeClr val="accent1"/>
+          </a:effectRef>
+          <a:fontRef idx="minor">
+            <a:schemeClr val="lt1"/>
+          </a:fontRef>
+        </p:style>
+        <p:txBody>
+          <a:bodyPr rtlCol="0" anchor="ctr"/>
+          <a:lstStyle/>
+          <a:p>
+            <a:pPr algn="ctr"/>
+            <a:r>
+              <a:rPr lang="en-US" altLang="zh-CN" smtClean="0"/>
+              <a:t>Chrome</a:t>
+            </a:r>
+            <a:endParaRPr lang="zh-CN" altLang="en-US"/>
+          </a:p>
+        </p:txBody>
+      </p:sp>
+      <p:sp>
+        <p:nvSpPr>
+          <p:cNvPr id="7" name="圆角矩形 6"/>
+          <p:cNvSpPr/>
+          <p:nvPr/>
+        </p:nvSpPr>
+        <p:spPr>
+          <a:xfrm>
+            <a:off x="142844" y="1071546"/>
+            <a:ext cx="2857520" cy="1571636"/>
+          </a:xfrm>
+          <a:prstGeom prst="roundRect">
+            <a:avLst>
+              <a:gd name="adj" fmla="val 6835"/>
+            </a:avLst>
+          </a:prstGeom>
+          <a:noFill/>
+          <a:ln w="3175"/>
+        </p:spPr>
+        <p:style>
+          <a:lnRef idx="2">
+            <a:schemeClr val="accent1">
+              <a:shade val="50000"/>
+            </a:schemeClr>
+          </a:lnRef>
+          <a:fillRef idx="1">
+            <a:schemeClr val="accent1"/>
+          </a:fillRef>
+          <a:effectRef idx="0">
+            <a:schemeClr val="accent1"/>
+          </a:effectRef>
+          <a:fontRef idx="minor">
+            <a:schemeClr val="lt1"/>
+          </a:fontRef>
+        </p:style>
+        <p:txBody>
+          <a:bodyPr rtlCol="0" anchor="ctr"/>
+          <a:lstStyle/>
+          <a:p>
+            <a:pPr algn="ctr"/>
+            <a:endParaRPr lang="zh-CN" altLang="en-US"/>
+          </a:p>
+        </p:txBody>
+      </p:sp>
+      <p:sp>
+        <p:nvSpPr>
+          <p:cNvPr id="18" name="圆角矩形 17"/>
+          <p:cNvSpPr/>
+          <p:nvPr/>
+        </p:nvSpPr>
+        <p:spPr>
+          <a:xfrm>
+            <a:off x="142844" y="6357958"/>
+            <a:ext cx="6429420" cy="428628"/>
+          </a:xfrm>
+          <a:prstGeom prst="roundRect">
+            <a:avLst/>
+          </a:prstGeom>
+        </p:spPr>
+        <p:style>
+          <a:lnRef idx="2">
+            <a:schemeClr val="accent1">
+              <a:shade val="50000"/>
+            </a:schemeClr>
+          </a:lnRef>
+          <a:fillRef idx="1">
+            <a:schemeClr val="accent1"/>
+          </a:fillRef>
+          <a:effectRef idx="0">
+            <a:schemeClr val="accent1"/>
+          </a:effectRef>
+          <a:fontRef idx="minor">
+            <a:schemeClr val="lt1"/>
+          </a:fontRef>
+        </p:style>
+        <p:txBody>
+          <a:bodyPr rtlCol="0" anchor="ctr"/>
+          <a:lstStyle/>
+          <a:p>
+            <a:pPr algn="ctr"/>
+            <a:r>
+              <a:rPr lang="en-US" altLang="zh-CN" smtClean="0"/>
+              <a:t>Ubuntu + Docker</a:t>
+            </a:r>
+            <a:endParaRPr lang="zh-CN" altLang="en-US"/>
+          </a:p>
+        </p:txBody>
+      </p:sp>
+      <p:sp>
+        <p:nvSpPr>
+          <p:cNvPr id="19" name="矩形 18"/>
+          <p:cNvSpPr/>
+          <p:nvPr/>
+        </p:nvSpPr>
+        <p:spPr>
+          <a:xfrm>
+            <a:off x="214282" y="4857760"/>
+            <a:ext cx="2786082" cy="357190"/>
+          </a:xfrm>
+          <a:prstGeom prst="rect">
+            <a:avLst/>
+          </a:prstGeom>
+        </p:spPr>
+        <p:style>
+          <a:lnRef idx="2">
+            <a:schemeClr val="accent1">
+              <a:shade val="50000"/>
+            </a:schemeClr>
+          </a:lnRef>
+          <a:fillRef idx="1">
+            <a:schemeClr val="accent1"/>
+          </a:fillRef>
+          <a:effectRef idx="0">
+            <a:schemeClr val="accent1"/>
+          </a:effectRef>
+          <a:fontRef idx="minor">
+            <a:schemeClr val="lt1"/>
+          </a:fontRef>
+        </p:style>
+        <p:txBody>
+          <a:bodyPr rtlCol="0" anchor="ctr"/>
+          <a:lstStyle/>
+          <a:p>
+            <a:pPr algn="ctr"/>
+            <a:r>
+              <a:rPr lang="en-US" altLang="zh-CN" sz="1200" smtClean="0"/>
+              <a:t>http.client</a:t>
+            </a:r>
+            <a:endParaRPr lang="zh-CN" altLang="en-US" sz="1200"/>
+          </a:p>
+        </p:txBody>
+      </p:sp>
+      <p:sp>
+        <p:nvSpPr>
+          <p:cNvPr id="20" name="矩形 19"/>
+          <p:cNvSpPr/>
+          <p:nvPr/>
+        </p:nvSpPr>
+        <p:spPr>
+          <a:xfrm>
+            <a:off x="3500430" y="2214554"/>
+            <a:ext cx="1643074" cy="357190"/>
+          </a:xfrm>
+          <a:prstGeom prst="rect">
+            <a:avLst/>
+          </a:prstGeom>
+        </p:spPr>
+        <p:style>
+          <a:lnRef idx="2">
+            <a:schemeClr val="accent1">
+              <a:shade val="50000"/>
+            </a:schemeClr>
+          </a:lnRef>
+          <a:fillRef idx="1">
+            <a:schemeClr val="accent1"/>
+          </a:fillRef>
+          <a:effectRef idx="0">
+            <a:schemeClr val="accent1"/>
+          </a:effectRef>
+          <a:fontRef idx="minor">
+            <a:schemeClr val="lt1"/>
+          </a:fontRef>
+        </p:style>
+        <p:txBody>
+          <a:bodyPr rtlCol="0" anchor="ctr"/>
+          <a:lstStyle/>
+          <a:p>
+            <a:pPr algn="ctr"/>
+            <a:r>
+              <a:rPr lang="en-US" altLang="zh-CN" sz="1200" smtClean="0"/>
+              <a:t>Python Runtime</a:t>
+            </a:r>
+            <a:endParaRPr lang="zh-CN" altLang="en-US" sz="1200"/>
+          </a:p>
+        </p:txBody>
+      </p:sp>
+      <p:sp>
+        <p:nvSpPr>
+          <p:cNvPr id="21" name="TextBox 20"/>
+          <p:cNvSpPr txBox="1"/>
+          <p:nvPr/>
+        </p:nvSpPr>
+        <p:spPr>
+          <a:xfrm>
+            <a:off x="0" y="0"/>
+            <a:ext cx="1970219" cy="369332"/>
+          </a:xfrm>
+          <a:prstGeom prst="rect">
+            <a:avLst/>
+          </a:prstGeom>
+          <a:noFill/>
+        </p:spPr>
+        <p:txBody>
+          <a:bodyPr wrap="none" rtlCol="0">
+            <a:spAutoFit/>
+          </a:bodyPr>
+          <a:lstStyle/>
+          <a:p>
+            <a:r>
+              <a:rPr lang="en-US" altLang="zh-CN" smtClean="0"/>
+              <a:t>Go,TypeScript,bash</a:t>
+            </a:r>
+            <a:endParaRPr lang="zh-CN" altLang="en-US"/>
+          </a:p>
+        </p:txBody>
+      </p:sp>
+      <p:sp>
+        <p:nvSpPr>
+          <p:cNvPr id="22" name="矩形 21"/>
+          <p:cNvSpPr/>
+          <p:nvPr/>
+        </p:nvSpPr>
+        <p:spPr>
+          <a:xfrm>
+            <a:off x="428596" y="2143116"/>
+            <a:ext cx="2428892" cy="357190"/>
+          </a:xfrm>
+          <a:prstGeom prst="rect">
+            <a:avLst/>
+          </a:prstGeom>
+        </p:spPr>
+        <p:style>
+          <a:lnRef idx="2">
+            <a:schemeClr val="accent1">
+              <a:shade val="50000"/>
+            </a:schemeClr>
+          </a:lnRef>
+          <a:fillRef idx="1">
+            <a:schemeClr val="accent1"/>
+          </a:fillRef>
+          <a:effectRef idx="0">
+            <a:schemeClr val="accent1"/>
+          </a:effectRef>
+          <a:fontRef idx="minor">
+            <a:schemeClr val="lt1"/>
+          </a:fontRef>
+        </p:style>
+        <p:txBody>
+          <a:bodyPr rtlCol="0" anchor="ctr"/>
+          <a:lstStyle/>
+          <a:p>
+            <a:pPr algn="ctr"/>
+            <a:r>
+              <a:rPr lang="en-US" altLang="zh-CN" smtClean="0"/>
+              <a:t>NodeJS</a:t>
+            </a:r>
+            <a:endParaRPr lang="zh-CN" altLang="en-US"/>
+          </a:p>
+        </p:txBody>
+      </p:sp>
+      <p:sp>
+        <p:nvSpPr>
+          <p:cNvPr id="23" name="矩形 22"/>
+          <p:cNvSpPr/>
+          <p:nvPr/>
+        </p:nvSpPr>
+        <p:spPr>
+          <a:xfrm>
+            <a:off x="428596" y="1285860"/>
+            <a:ext cx="2428892" cy="428628"/>
+          </a:xfrm>
+          <a:prstGeom prst="rect">
+            <a:avLst/>
+          </a:prstGeom>
+        </p:spPr>
+        <p:style>
+          <a:lnRef idx="2">
+            <a:schemeClr val="accent1">
+              <a:shade val="50000"/>
+            </a:schemeClr>
+          </a:lnRef>
+          <a:fillRef idx="1">
+            <a:schemeClr val="accent1"/>
+          </a:fillRef>
+          <a:effectRef idx="0">
+            <a:schemeClr val="accent1"/>
+          </a:effectRef>
+          <a:fontRef idx="minor">
+            <a:schemeClr val="lt1"/>
+          </a:fontRef>
+        </p:style>
+        <p:txBody>
+          <a:bodyPr rtlCol="0" anchor="ctr"/>
+          <a:lstStyle/>
+          <a:p>
+            <a:pPr algn="ctr"/>
+            <a:r>
+              <a:rPr lang="en-US" altLang="zh-CN" sz="1200" smtClean="0"/>
+              <a:t>TerminalServer</a:t>
+            </a:r>
+            <a:endParaRPr lang="zh-CN" altLang="en-US" sz="1200"/>
+          </a:p>
+        </p:txBody>
+      </p:sp>
+      <p:sp>
+        <p:nvSpPr>
+          <p:cNvPr id="24" name="矩形 23"/>
+          <p:cNvSpPr/>
+          <p:nvPr/>
+        </p:nvSpPr>
+        <p:spPr>
+          <a:xfrm>
+            <a:off x="2143108" y="1714488"/>
+            <a:ext cx="714380" cy="428628"/>
+          </a:xfrm>
+          <a:prstGeom prst="rect">
+            <a:avLst/>
+          </a:prstGeom>
+        </p:spPr>
+        <p:style>
+          <a:lnRef idx="2">
+            <a:schemeClr val="accent1">
+              <a:shade val="50000"/>
+            </a:schemeClr>
+          </a:lnRef>
+          <a:fillRef idx="1">
+            <a:schemeClr val="accent1"/>
+          </a:fillRef>
+          <a:effectRef idx="0">
+            <a:schemeClr val="accent1"/>
+          </a:effectRef>
+          <a:fontRef idx="minor">
+            <a:schemeClr val="lt1"/>
+          </a:fontRef>
+        </p:style>
+        <p:txBody>
+          <a:bodyPr rtlCol="0" anchor="ctr"/>
+          <a:lstStyle/>
+          <a:p>
+            <a:pPr algn="ctr"/>
+            <a:r>
+              <a:rPr lang="en-US" altLang="zh-CN" sz="1200" smtClean="0"/>
+              <a:t>express</a:t>
+            </a:r>
+            <a:endParaRPr lang="zh-CN" altLang="en-US" sz="1200"/>
+          </a:p>
+        </p:txBody>
+      </p:sp>
+      <p:sp>
+        <p:nvSpPr>
+          <p:cNvPr id="25" name="矩形 24"/>
+          <p:cNvSpPr/>
+          <p:nvPr/>
+        </p:nvSpPr>
+        <p:spPr>
+          <a:xfrm>
+            <a:off x="3500430" y="2928934"/>
+            <a:ext cx="1643074" cy="357190"/>
+          </a:xfrm>
+          <a:prstGeom prst="rect">
+            <a:avLst/>
+          </a:prstGeom>
+        </p:spPr>
+        <p:style>
+          <a:lnRef idx="2">
+            <a:schemeClr val="accent1">
+              <a:shade val="50000"/>
+            </a:schemeClr>
+          </a:lnRef>
+          <a:fillRef idx="1">
+            <a:schemeClr val="accent1"/>
+          </a:fillRef>
+          <a:effectRef idx="0">
+            <a:schemeClr val="accent1"/>
+          </a:effectRef>
+          <a:fontRef idx="minor">
+            <a:schemeClr val="lt1"/>
+          </a:fontRef>
+        </p:style>
+        <p:txBody>
+          <a:bodyPr rtlCol="0" anchor="ctr"/>
+          <a:lstStyle/>
+          <a:p>
+            <a:pPr algn="ctr"/>
+            <a:r>
+              <a:rPr lang="en-US" altLang="zh-CN" sz="1200" smtClean="0"/>
+              <a:t>sh runtime</a:t>
+            </a:r>
+          </a:p>
+          <a:p>
+            <a:pPr algn="ctr"/>
+            <a:r>
+              <a:rPr lang="en-US" altLang="zh-CN" sz="1200" smtClean="0"/>
+              <a:t>(</a:t>
+            </a:r>
+            <a:r>
+              <a:rPr lang="en-US" sz="1200" smtClean="0"/>
+              <a:t>bash, vim and tmux</a:t>
+            </a:r>
+            <a:r>
+              <a:rPr lang="en-US" altLang="zh-CN" sz="1200" smtClean="0"/>
+              <a:t>)</a:t>
+            </a:r>
+            <a:endParaRPr lang="zh-CN" altLang="en-US" sz="1200"/>
+          </a:p>
+        </p:txBody>
+      </p:sp>
+      <p:sp>
+        <p:nvSpPr>
+          <p:cNvPr id="26" name="圆角矩形 25"/>
+          <p:cNvSpPr/>
+          <p:nvPr/>
+        </p:nvSpPr>
+        <p:spPr>
+          <a:xfrm>
+            <a:off x="6715140" y="1000108"/>
+            <a:ext cx="2286016" cy="5143536"/>
+          </a:xfrm>
+          <a:prstGeom prst="roundRect">
+            <a:avLst>
+              <a:gd name="adj" fmla="val 6835"/>
+            </a:avLst>
+          </a:prstGeom>
+          <a:noFill/>
+          <a:ln w="3175"/>
+        </p:spPr>
+        <p:style>
+          <a:lnRef idx="2">
+            <a:schemeClr val="accent1">
+              <a:shade val="50000"/>
+            </a:schemeClr>
+          </a:lnRef>
+          <a:fillRef idx="1">
+            <a:schemeClr val="accent1"/>
+          </a:fillRef>
+          <a:effectRef idx="0">
+            <a:schemeClr val="accent1"/>
+          </a:effectRef>
+          <a:fontRef idx="minor">
+            <a:schemeClr val="lt1"/>
+          </a:fontRef>
+        </p:style>
+        <p:txBody>
+          <a:bodyPr rtlCol="0" anchor="ctr"/>
+          <a:lstStyle/>
+          <a:p>
+            <a:pPr algn="ctr"/>
+            <a:endParaRPr lang="zh-CN" altLang="en-US"/>
+          </a:p>
+        </p:txBody>
+      </p:sp>
+      <p:cxnSp>
+        <p:nvCxnSpPr>
+          <p:cNvPr id="28" name="直接连接符 27"/>
+          <p:cNvCxnSpPr>
+            <a:stCxn id="23" idx="3"/>
+            <a:endCxn id="5" idx="1"/>
+          </p:cNvCxnSpPr>
+          <p:nvPr/>
+        </p:nvCxnSpPr>
+        <p:spPr>
+          <a:xfrm>
+            <a:off x="2857488" y="1500174"/>
+            <a:ext cx="4000528" cy="1588"/>
+          </a:xfrm>
+          <a:prstGeom prst="line">
+            <a:avLst/>
+          </a:prstGeom>
+        </p:spPr>
+        <p:style>
+          <a:lnRef idx="1">
+            <a:schemeClr val="accent1"/>
+          </a:lnRef>
+          <a:fillRef idx="0">
+            <a:schemeClr val="accent1"/>
+          </a:fillRef>
+          <a:effectRef idx="0">
+            <a:schemeClr val="accent1"/>
+          </a:effectRef>
+          <a:fontRef idx="minor">
+            <a:schemeClr val="tx1"/>
+          </a:fontRef>
+        </p:style>
+      </p:cxnSp>
+      <p:sp>
+        <p:nvSpPr>
+          <p:cNvPr id="29" name="TextBox 28"/>
+          <p:cNvSpPr txBox="1"/>
+          <p:nvPr/>
+        </p:nvSpPr>
+        <p:spPr>
+          <a:xfrm>
+            <a:off x="4572000" y="1214422"/>
+            <a:ext cx="785818" cy="246221"/>
+          </a:xfrm>
+          <a:prstGeom prst="rect">
+            <a:avLst/>
+          </a:prstGeom>
+          <a:noFill/>
+        </p:spPr>
+        <p:txBody>
+          <a:bodyPr wrap="square" rtlCol="0">
+            <a:spAutoFit/>
+          </a:bodyPr>
+          <a:lstStyle/>
+          <a:p>
+            <a:r>
+              <a:rPr lang="en-US" altLang="zh-CN" sz="1000" smtClean="0"/>
+              <a:t>WebSocket</a:t>
+            </a:r>
+            <a:endParaRPr lang="zh-CN" altLang="en-US" sz="1000"/>
+          </a:p>
+        </p:txBody>
+      </p:sp>
+      <p:sp>
+        <p:nvSpPr>
+          <p:cNvPr id="30" name="矩形 29"/>
+          <p:cNvSpPr/>
+          <p:nvPr/>
+        </p:nvSpPr>
+        <p:spPr>
+          <a:xfrm>
+            <a:off x="2786050" y="1357298"/>
+            <a:ext cx="447558" cy="246221"/>
+          </a:xfrm>
+          <a:prstGeom prst="rect">
+            <a:avLst/>
+          </a:prstGeom>
+          <a:solidFill>
+            <a:srgbClr val="FFFF00"/>
+          </a:solidFill>
+        </p:spPr>
+        <p:txBody>
+          <a:bodyPr wrap="none">
+            <a:spAutoFit/>
+          </a:bodyPr>
+          <a:lstStyle/>
+          <a:p>
+            <a:r>
+              <a:rPr lang="en-US" altLang="zh-CN" sz="1000" smtClean="0"/>
+              <a:t>3430</a:t>
+            </a:r>
+            <a:endParaRPr lang="zh-CN" altLang="en-US" sz="1000"/>
+          </a:p>
+        </p:txBody>
+      </p:sp>
+      <p:cxnSp>
+        <p:nvCxnSpPr>
+          <p:cNvPr id="32" name="直接连接符 31"/>
+          <p:cNvCxnSpPr/>
+          <p:nvPr/>
+        </p:nvCxnSpPr>
+        <p:spPr>
+          <a:xfrm>
+            <a:off x="5429256" y="5429264"/>
+            <a:ext cx="1571636" cy="1588"/>
+          </a:xfrm>
+          <a:prstGeom prst="line">
+            <a:avLst/>
+          </a:prstGeom>
+        </p:spPr>
+        <p:style>
+          <a:lnRef idx="1">
+            <a:schemeClr val="accent1"/>
+          </a:lnRef>
+          <a:fillRef idx="0">
+            <a:schemeClr val="accent1"/>
+          </a:fillRef>
+          <a:effectRef idx="0">
+            <a:schemeClr val="accent1"/>
+          </a:effectRef>
+          <a:fontRef idx="minor">
+            <a:schemeClr val="tx1"/>
+          </a:fontRef>
+        </p:style>
+      </p:cxnSp>
+      <p:sp>
+        <p:nvSpPr>
+          <p:cNvPr id="31" name="矩形 30"/>
+          <p:cNvSpPr/>
+          <p:nvPr/>
+        </p:nvSpPr>
+        <p:spPr>
+          <a:xfrm>
+            <a:off x="5429256" y="5286388"/>
+            <a:ext cx="447558" cy="246221"/>
+          </a:xfrm>
+          <a:prstGeom prst="rect">
+            <a:avLst/>
+          </a:prstGeom>
+          <a:solidFill>
+            <a:srgbClr val="FFFF00"/>
+          </a:solidFill>
+        </p:spPr>
+        <p:txBody>
+          <a:bodyPr wrap="none">
+            <a:spAutoFit/>
+          </a:bodyPr>
+          <a:lstStyle/>
+          <a:p>
+            <a:r>
+              <a:rPr lang="en-US" altLang="zh-CN" sz="1000" smtClean="0"/>
+              <a:t>8080</a:t>
+            </a:r>
+            <a:endParaRPr lang="zh-CN" altLang="en-US" sz="1000"/>
+          </a:p>
+        </p:txBody>
+      </p:sp>
+      <p:sp>
+        <p:nvSpPr>
+          <p:cNvPr id="33" name="TextBox 32"/>
+          <p:cNvSpPr txBox="1"/>
+          <p:nvPr/>
+        </p:nvSpPr>
+        <p:spPr>
+          <a:xfrm>
+            <a:off x="6286512" y="5214950"/>
+            <a:ext cx="785818" cy="246221"/>
+          </a:xfrm>
+          <a:prstGeom prst="rect">
+            <a:avLst/>
+          </a:prstGeom>
+          <a:noFill/>
+        </p:spPr>
+        <p:txBody>
+          <a:bodyPr wrap="square" rtlCol="0">
+            <a:spAutoFit/>
+          </a:bodyPr>
+          <a:lstStyle/>
+          <a:p>
+            <a:r>
+              <a:rPr lang="en-US" altLang="zh-CN" sz="1000" smtClean="0"/>
+              <a:t>HTTP</a:t>
+            </a:r>
+            <a:endParaRPr lang="zh-CN" altLang="en-US" sz="1000"/>
+          </a:p>
+        </p:txBody>
+      </p:sp>
+      <p:sp>
+        <p:nvSpPr>
+          <p:cNvPr id="27" name="矩形 26"/>
+          <p:cNvSpPr/>
+          <p:nvPr/>
+        </p:nvSpPr>
+        <p:spPr>
+          <a:xfrm>
+            <a:off x="5143504" y="2214554"/>
+            <a:ext cx="1214446" cy="1714512"/>
+          </a:xfrm>
+          <a:prstGeom prst="rect">
+            <a:avLst/>
+          </a:prstGeom>
+        </p:spPr>
+        <p:style>
+          <a:lnRef idx="2">
+            <a:schemeClr val="accent1">
+              <a:shade val="50000"/>
+            </a:schemeClr>
+          </a:lnRef>
+          <a:fillRef idx="1">
+            <a:schemeClr val="accent1"/>
+          </a:fillRef>
+          <a:effectRef idx="0">
+            <a:schemeClr val="accent1"/>
+          </a:effectRef>
+          <a:fontRef idx="minor">
+            <a:schemeClr val="lt1"/>
+          </a:fontRef>
+        </p:style>
+        <p:txBody>
+          <a:bodyPr rtlCol="0" anchor="ctr"/>
+          <a:lstStyle/>
+          <a:p>
+            <a:pPr algn="ctr"/>
+            <a:r>
+              <a:rPr lang="en-US" altLang="zh-CN" smtClean="0"/>
+              <a:t>Web Server</a:t>
+            </a:r>
+          </a:p>
+          <a:p>
+            <a:pPr algn="ctr"/>
+            <a:r>
+              <a:rPr lang="en-US" altLang="zh-CN" smtClean="0"/>
+              <a:t>main.go</a:t>
+            </a:r>
+            <a:endParaRPr lang="zh-CN" altLang="en-US"/>
+          </a:p>
+        </p:txBody>
+      </p:sp>
+      <p:sp>
+        <p:nvSpPr>
+          <p:cNvPr id="35" name="TextBox 34"/>
+          <p:cNvSpPr txBox="1"/>
+          <p:nvPr/>
+        </p:nvSpPr>
+        <p:spPr>
+          <a:xfrm>
+            <a:off x="2285984" y="3214686"/>
+            <a:ext cx="428628" cy="246221"/>
+          </a:xfrm>
+          <a:prstGeom prst="rect">
+            <a:avLst/>
+          </a:prstGeom>
+          <a:noFill/>
+        </p:spPr>
+        <p:txBody>
+          <a:bodyPr wrap="square" rtlCol="0">
+            <a:spAutoFit/>
+          </a:bodyPr>
+          <a:lstStyle/>
+          <a:p>
+            <a:r>
+              <a:rPr lang="en-US" altLang="zh-CN" sz="1000" smtClean="0"/>
+              <a:t>http</a:t>
+            </a:r>
+            <a:endParaRPr lang="zh-CN" altLang="en-US" sz="1000"/>
+          </a:p>
+        </p:txBody>
+      </p:sp>
+      <p:sp>
+        <p:nvSpPr>
+          <p:cNvPr id="36" name="矩形 35"/>
+          <p:cNvSpPr/>
+          <p:nvPr/>
+        </p:nvSpPr>
+        <p:spPr>
+          <a:xfrm>
+            <a:off x="2285984" y="3000372"/>
+            <a:ext cx="447558" cy="246221"/>
+          </a:xfrm>
+          <a:prstGeom prst="rect">
+            <a:avLst/>
+          </a:prstGeom>
+          <a:solidFill>
+            <a:srgbClr val="FFFF00"/>
+          </a:solidFill>
+        </p:spPr>
+        <p:txBody>
+          <a:bodyPr wrap="none">
+            <a:spAutoFit/>
+          </a:bodyPr>
+          <a:lstStyle/>
+          <a:p>
+            <a:r>
+              <a:rPr lang="en-US" altLang="zh-CN" sz="1000" smtClean="0"/>
+              <a:t>4430</a:t>
+            </a:r>
+            <a:endParaRPr lang="zh-CN" altLang="en-US" sz="1000"/>
+          </a:p>
+        </p:txBody>
+      </p:sp>
+      <p:sp>
+        <p:nvSpPr>
+          <p:cNvPr id="42" name="矩形 41"/>
+          <p:cNvSpPr/>
+          <p:nvPr/>
+        </p:nvSpPr>
+        <p:spPr>
+          <a:xfrm>
+            <a:off x="1428728" y="1714488"/>
+            <a:ext cx="714380" cy="428628"/>
+          </a:xfrm>
+          <a:prstGeom prst="rect">
+            <a:avLst/>
+          </a:prstGeom>
+        </p:spPr>
+        <p:style>
+          <a:lnRef idx="2">
+            <a:schemeClr val="accent1">
+              <a:shade val="50000"/>
+            </a:schemeClr>
+          </a:lnRef>
+          <a:fillRef idx="1">
+            <a:schemeClr val="accent1"/>
+          </a:fillRef>
+          <a:effectRef idx="0">
+            <a:schemeClr val="accent1"/>
+          </a:effectRef>
+          <a:fontRef idx="minor">
+            <a:schemeClr val="lt1"/>
+          </a:fontRef>
+        </p:style>
+        <p:txBody>
+          <a:bodyPr rtlCol="0" anchor="ctr"/>
+          <a:lstStyle/>
+          <a:p>
+            <a:pPr algn="ctr"/>
+            <a:r>
+              <a:rPr lang="en-US" altLang="zh-CN" sz="1200" smtClean="0"/>
+              <a:t>Express-ws</a:t>
+            </a:r>
+            <a:endParaRPr lang="zh-CN" altLang="en-US" sz="1200"/>
+          </a:p>
+        </p:txBody>
+      </p:sp>
+      <p:sp>
+        <p:nvSpPr>
+          <p:cNvPr id="43" name="矩形 42"/>
+          <p:cNvSpPr/>
+          <p:nvPr/>
+        </p:nvSpPr>
+        <p:spPr>
+          <a:xfrm>
+            <a:off x="428596" y="1714488"/>
+            <a:ext cx="1000132" cy="428628"/>
+          </a:xfrm>
+          <a:prstGeom prst="rect">
+            <a:avLst/>
+          </a:prstGeom>
+        </p:spPr>
+        <p:style>
+          <a:lnRef idx="2">
+            <a:schemeClr val="accent1">
+              <a:shade val="50000"/>
+            </a:schemeClr>
+          </a:lnRef>
+          <a:fillRef idx="1">
+            <a:schemeClr val="accent1"/>
+          </a:fillRef>
+          <a:effectRef idx="0">
+            <a:schemeClr val="accent1"/>
+          </a:effectRef>
+          <a:fontRef idx="minor">
+            <a:schemeClr val="lt1"/>
+          </a:fontRef>
+        </p:style>
+        <p:txBody>
+          <a:bodyPr rtlCol="0" anchor="ctr"/>
+          <a:lstStyle/>
+          <a:p>
+            <a:pPr algn="ctr"/>
+            <a:r>
+              <a:rPr lang="en-US" altLang="zh-CN" sz="1200" smtClean="0"/>
+              <a:t>node-pty</a:t>
+            </a:r>
+            <a:endParaRPr lang="zh-CN" altLang="en-US" sz="1200"/>
+          </a:p>
+        </p:txBody>
+      </p:sp>
+      <p:sp>
+        <p:nvSpPr>
+          <p:cNvPr id="46" name="矩形 45"/>
+          <p:cNvSpPr/>
+          <p:nvPr/>
+        </p:nvSpPr>
+        <p:spPr>
+          <a:xfrm>
+            <a:off x="1285852" y="5214950"/>
+            <a:ext cx="1714512" cy="357190"/>
+          </a:xfrm>
+          <a:prstGeom prst="rect">
+            <a:avLst/>
+          </a:prstGeom>
+        </p:spPr>
+        <p:style>
+          <a:lnRef idx="2">
+            <a:schemeClr val="accent1">
+              <a:shade val="50000"/>
+            </a:schemeClr>
+          </a:lnRef>
+          <a:fillRef idx="1">
+            <a:schemeClr val="accent1"/>
+          </a:fillRef>
+          <a:effectRef idx="0">
+            <a:schemeClr val="accent1"/>
+          </a:effectRef>
+          <a:fontRef idx="minor">
+            <a:schemeClr val="lt1"/>
+          </a:fontRef>
+        </p:style>
+        <p:txBody>
+          <a:bodyPr rtlCol="0" anchor="ctr"/>
+          <a:lstStyle/>
+          <a:p>
+            <a:pPr algn="ctr"/>
+            <a:r>
+              <a:rPr lang="en-US" altLang="zh-CN" sz="1200" smtClean="0"/>
+              <a:t>Slqite3</a:t>
+            </a:r>
+            <a:endParaRPr lang="zh-CN" altLang="en-US" sz="1200"/>
+          </a:p>
+        </p:txBody>
+      </p:sp>
+      <p:cxnSp>
+        <p:nvCxnSpPr>
+          <p:cNvPr id="48" name="直接箭头连接符 47"/>
+          <p:cNvCxnSpPr>
+            <a:stCxn id="19" idx="0"/>
+            <a:endCxn id="7" idx="2"/>
+          </p:cNvCxnSpPr>
+          <p:nvPr/>
+        </p:nvCxnSpPr>
+        <p:spPr>
+          <a:xfrm rot="16200000" flipV="1">
+            <a:off x="482175" y="3732611"/>
+            <a:ext cx="2214578" cy="35719"/>
+          </a:xfrm>
+          <a:prstGeom prst="straightConnector1">
+            <a:avLst/>
+          </a:prstGeom>
+          <a:ln>
+            <a:tailEnd type="arrow"/>
+          </a:ln>
+        </p:spPr>
+        <p:style>
+          <a:lnRef idx="1">
+            <a:schemeClr val="accent1"/>
+          </a:lnRef>
+          <a:fillRef idx="0">
+            <a:schemeClr val="accent1"/>
+          </a:fillRef>
+          <a:effectRef idx="0">
+            <a:schemeClr val="accent1"/>
+          </a:effectRef>
+          <a:fontRef idx="minor">
+            <a:schemeClr val="tx1"/>
+          </a:fontRef>
+        </p:style>
+      </p:cxnSp>
+      <p:sp>
+        <p:nvSpPr>
+          <p:cNvPr id="49" name="圆角矩形 48"/>
+          <p:cNvSpPr/>
+          <p:nvPr/>
+        </p:nvSpPr>
+        <p:spPr>
+          <a:xfrm>
+            <a:off x="3286116" y="2071678"/>
+            <a:ext cx="3214710" cy="1928826"/>
+          </a:xfrm>
+          <a:prstGeom prst="roundRect">
+            <a:avLst>
+              <a:gd name="adj" fmla="val 6835"/>
+            </a:avLst>
+          </a:prstGeom>
+          <a:noFill/>
+          <a:ln w="3175"/>
+        </p:spPr>
+        <p:style>
+          <a:lnRef idx="2">
+            <a:schemeClr val="accent1">
+              <a:shade val="50000"/>
+            </a:schemeClr>
+          </a:lnRef>
+          <a:fillRef idx="1">
+            <a:schemeClr val="accent1"/>
+          </a:fillRef>
+          <a:effectRef idx="0">
+            <a:schemeClr val="accent1"/>
+          </a:effectRef>
+          <a:fontRef idx="minor">
+            <a:schemeClr val="lt1"/>
+          </a:fontRef>
+        </p:style>
+        <p:txBody>
+          <a:bodyPr rtlCol="0" anchor="ctr"/>
+          <a:lstStyle/>
+          <a:p>
+            <a:pPr algn="ctr"/>
+            <a:endParaRPr lang="zh-CN" altLang="en-US"/>
+          </a:p>
+        </p:txBody>
+      </p:sp>
+      <p:cxnSp>
+        <p:nvCxnSpPr>
+          <p:cNvPr id="56" name="形状 55"/>
+          <p:cNvCxnSpPr>
+            <a:endCxn id="49" idx="1"/>
+          </p:cNvCxnSpPr>
+          <p:nvPr/>
+        </p:nvCxnSpPr>
+        <p:spPr>
+          <a:xfrm rot="5400000" flipH="1" flipV="1">
+            <a:off x="1803779" y="3375423"/>
+            <a:ext cx="1821669" cy="1143006"/>
+          </a:xfrm>
+          <a:prstGeom prst="bentConnector2">
+            <a:avLst/>
+          </a:prstGeom>
+          <a:ln>
+            <a:tailEnd type="arrow"/>
+          </a:ln>
+        </p:spPr>
+        <p:style>
+          <a:lnRef idx="1">
+            <a:schemeClr val="accent1"/>
+          </a:lnRef>
+          <a:fillRef idx="0">
+            <a:schemeClr val="accent1"/>
+          </a:fillRef>
+          <a:effectRef idx="0">
+            <a:schemeClr val="accent1"/>
+          </a:effectRef>
+          <a:fontRef idx="minor">
+            <a:schemeClr val="tx1"/>
+          </a:fontRef>
+        </p:style>
+      </p:cxnSp>
+      <p:sp>
+        <p:nvSpPr>
+          <p:cNvPr id="57" name="圆角矩形 56"/>
+          <p:cNvSpPr/>
+          <p:nvPr/>
+        </p:nvSpPr>
+        <p:spPr>
+          <a:xfrm>
+            <a:off x="142844" y="4429132"/>
+            <a:ext cx="5500726" cy="1785950"/>
+          </a:xfrm>
+          <a:prstGeom prst="roundRect">
+            <a:avLst>
+              <a:gd name="adj" fmla="val 6835"/>
+            </a:avLst>
+          </a:prstGeom>
+          <a:noFill/>
+          <a:ln w="3175"/>
+        </p:spPr>
+        <p:style>
+          <a:lnRef idx="2">
+            <a:schemeClr val="accent1">
+              <a:shade val="50000"/>
+            </a:schemeClr>
+          </a:lnRef>
+          <a:fillRef idx="1">
+            <a:schemeClr val="accent1"/>
+          </a:fillRef>
+          <a:effectRef idx="0">
+            <a:schemeClr val="accent1"/>
+          </a:effectRef>
+          <a:fontRef idx="minor">
+            <a:schemeClr val="lt1"/>
+          </a:fontRef>
+        </p:style>
+        <p:txBody>
+          <a:bodyPr rtlCol="0" anchor="ctr"/>
+          <a:lstStyle/>
+          <a:p>
+            <a:pPr algn="ctr"/>
+            <a:endParaRPr lang="zh-CN" altLang="en-US"/>
+          </a:p>
+        </p:txBody>
+      </p:sp>
+      <p:sp>
+        <p:nvSpPr>
+          <p:cNvPr id="58" name="矩形 57"/>
+          <p:cNvSpPr/>
+          <p:nvPr/>
+        </p:nvSpPr>
+        <p:spPr>
+          <a:xfrm>
+            <a:off x="3500430" y="3286124"/>
+            <a:ext cx="1643074" cy="357190"/>
+          </a:xfrm>
+          <a:prstGeom prst="rect">
+            <a:avLst/>
+          </a:prstGeom>
+        </p:spPr>
+        <p:style>
+          <a:lnRef idx="2">
+            <a:schemeClr val="accent1">
+              <a:shade val="50000"/>
+            </a:schemeClr>
+          </a:lnRef>
+          <a:fillRef idx="1">
+            <a:schemeClr val="accent1"/>
+          </a:fillRef>
+          <a:effectRef idx="0">
+            <a:schemeClr val="accent1"/>
+          </a:effectRef>
+          <a:fontRef idx="minor">
+            <a:schemeClr val="lt1"/>
+          </a:fontRef>
+        </p:style>
+        <p:txBody>
+          <a:bodyPr rtlCol="0" anchor="ctr"/>
+          <a:lstStyle/>
+          <a:p>
+            <a:pPr algn="ctr"/>
+            <a:r>
+              <a:rPr lang="en-US" altLang="zh-CN" sz="1200" smtClean="0"/>
+              <a:t>Grid</a:t>
+            </a:r>
+            <a:endParaRPr lang="zh-CN" altLang="en-US" sz="1200"/>
+          </a:p>
+        </p:txBody>
+      </p:sp>
+      <p:sp>
+        <p:nvSpPr>
+          <p:cNvPr id="59" name="矩形 58"/>
+          <p:cNvSpPr/>
+          <p:nvPr/>
+        </p:nvSpPr>
+        <p:spPr>
+          <a:xfrm>
+            <a:off x="3500430" y="2571744"/>
+            <a:ext cx="1643074" cy="357190"/>
+          </a:xfrm>
+          <a:prstGeom prst="rect">
+            <a:avLst/>
+          </a:prstGeom>
+        </p:spPr>
+        <p:style>
+          <a:lnRef idx="2">
+            <a:schemeClr val="accent1">
+              <a:shade val="50000"/>
+            </a:schemeClr>
+          </a:lnRef>
+          <a:fillRef idx="1">
+            <a:schemeClr val="accent1"/>
+          </a:fillRef>
+          <a:effectRef idx="0">
+            <a:schemeClr val="accent1"/>
+          </a:effectRef>
+          <a:fontRef idx="minor">
+            <a:schemeClr val="lt1"/>
+          </a:fontRef>
+        </p:style>
+        <p:txBody>
+          <a:bodyPr rtlCol="0" anchor="ctr"/>
+          <a:lstStyle/>
+          <a:p>
+            <a:pPr algn="ctr"/>
+            <a:r>
+              <a:rPr lang="en-US" altLang="zh-CN" sz="1200" smtClean="0"/>
+              <a:t>Parse function</a:t>
+            </a:r>
+            <a:endParaRPr lang="zh-CN" altLang="en-US" sz="1200"/>
+          </a:p>
+        </p:txBody>
+      </p:sp>
+      <p:sp>
+        <p:nvSpPr>
+          <p:cNvPr id="61" name="矩形 60"/>
+          <p:cNvSpPr/>
+          <p:nvPr/>
+        </p:nvSpPr>
+        <p:spPr>
+          <a:xfrm>
+            <a:off x="6858016" y="2000240"/>
+            <a:ext cx="1857388" cy="3929090"/>
+          </a:xfrm>
+          <a:prstGeom prst="rect">
+            <a:avLst/>
+          </a:prstGeom>
+        </p:spPr>
+        <p:style>
+          <a:lnRef idx="2">
+            <a:schemeClr val="accent1">
+              <a:shade val="50000"/>
+            </a:schemeClr>
+          </a:lnRef>
+          <a:fillRef idx="1">
+            <a:schemeClr val="accent1"/>
+          </a:fillRef>
+          <a:effectRef idx="0">
+            <a:schemeClr val="accent1"/>
+          </a:effectRef>
+          <a:fontRef idx="minor">
+            <a:schemeClr val="lt1"/>
+          </a:fontRef>
+        </p:style>
+        <p:txBody>
+          <a:bodyPr rtlCol="0" anchor="ctr"/>
+          <a:lstStyle/>
+          <a:p>
+            <a:pPr algn="ctr"/>
+            <a:r>
+              <a:rPr lang="en-US" altLang="zh-CN" smtClean="0"/>
+              <a:t>Grid</a:t>
+            </a:r>
+          </a:p>
+          <a:p>
+            <a:pPr algn="ctr"/>
+            <a:r>
+              <a:rPr lang="en-US" altLang="zh-CN" smtClean="0"/>
+              <a:t>FileServer</a:t>
+            </a:r>
+          </a:p>
+          <a:p>
+            <a:pPr algn="ctr"/>
+            <a:r>
+              <a:rPr lang="en-US" altLang="zh-CN" smtClean="0"/>
+              <a:t>Python CMD</a:t>
+            </a:r>
             <a:endParaRPr lang="zh-CN" altLang="en-US"/>
           </a:p>
         </p:txBody>
@@ -4670,56 +4818,130 @@
             <p:ph type="title"/>
           </p:nvPr>
         </p:nvSpPr>
-        <p:spPr/>
-        <p:txBody>
-          <a:bodyPr/>
-          <a:lstStyle/>
-          <a:p>
-            <a:r>
-              <a:rPr lang="zh-CN" altLang="en-US" smtClean="0"/>
-              <a:t>功能扩展点</a:t>
-            </a:r>
-            <a:endParaRPr lang="zh-CN" altLang="en-US"/>
-          </a:p>
-        </p:txBody>
-      </p:sp>
-      <p:sp>
-        <p:nvSpPr>
-          <p:cNvPr id="3" name="内容占位符 2"/>
-          <p:cNvSpPr>
-            <a:spLocks noGrp="1"/>
-          </p:cNvSpPr>
-          <p:nvPr>
-            <p:ph idx="1"/>
-          </p:nvPr>
-        </p:nvSpPr>
-        <p:spPr/>
-        <p:txBody>
-          <a:bodyPr/>
-          <a:lstStyle/>
-          <a:p>
-            <a:r>
-              <a:rPr lang="zh-CN" altLang="en-US" smtClean="0"/>
-              <a:t>主菜单</a:t>
-            </a:r>
-            <a:endParaRPr lang="en-US" altLang="zh-CN" smtClean="0"/>
-          </a:p>
-          <a:p>
-            <a:r>
-              <a:rPr lang="zh-CN" altLang="en-US" smtClean="0"/>
-              <a:t>右键菜单</a:t>
-            </a:r>
-            <a:endParaRPr lang="en-US" altLang="zh-CN" smtClean="0"/>
-          </a:p>
-          <a:p>
-            <a:r>
-              <a:rPr lang="zh-CN" altLang="en-US" smtClean="0"/>
-              <a:t>函数</a:t>
-            </a:r>
-            <a:endParaRPr lang="zh-CN" altLang="en-US"/>
-          </a:p>
-        </p:txBody>
-      </p:sp>
+        <p:spPr>
+          <a:xfrm>
+            <a:off x="6929454" y="0"/>
+            <a:ext cx="2214546" cy="500042"/>
+          </a:xfrm>
+        </p:spPr>
+        <p:txBody>
+          <a:bodyPr>
+            <a:normAutofit fontScale="90000"/>
+          </a:bodyPr>
+          <a:lstStyle/>
+          <a:p>
+            <a:r>
+              <a:rPr lang="zh-CN" altLang="en-US" smtClean="0"/>
+              <a:t>主界面</a:t>
+            </a:r>
+            <a:endParaRPr lang="zh-CN" altLang="en-US"/>
+          </a:p>
+        </p:txBody>
+      </p:sp>
+      <p:pic>
+        <p:nvPicPr>
+          <p:cNvPr id="1026" name="Picture 2" descr="E:\00-work\ws_mylabs\gridstudio\docu\Home.png"/>
+          <p:cNvPicPr>
+            <a:picLocks noChangeAspect="1" noChangeArrowheads="1"/>
+          </p:cNvPicPr>
+          <p:nvPr/>
+        </p:nvPicPr>
+        <p:blipFill>
+          <a:blip r:embed="rId2"/>
+          <a:srcRect/>
+          <a:stretch>
+            <a:fillRect/>
+          </a:stretch>
+        </p:blipFill>
+        <p:spPr bwMode="auto">
+          <a:xfrm>
+            <a:off x="285720" y="571480"/>
+            <a:ext cx="7978284" cy="3929090"/>
+          </a:xfrm>
+          <a:prstGeom prst="rect">
+            <a:avLst/>
+          </a:prstGeom>
+          <a:noFill/>
+        </p:spPr>
+      </p:pic>
+      <p:pic>
+        <p:nvPicPr>
+          <p:cNvPr id="1027" name="Picture 3" descr="E:\00-work\ws_mylabs\gridstudio\docu\截屏\gridstudio-home.png"/>
+          <p:cNvPicPr>
+            <a:picLocks noChangeAspect="1" noChangeArrowheads="1"/>
+          </p:cNvPicPr>
+          <p:nvPr/>
+        </p:nvPicPr>
+        <p:blipFill>
+          <a:blip r:embed="rId3"/>
+          <a:srcRect/>
+          <a:stretch>
+            <a:fillRect/>
+          </a:stretch>
+        </p:blipFill>
+        <p:spPr bwMode="auto">
+          <a:xfrm>
+            <a:off x="-2527300" y="63500"/>
+            <a:ext cx="11791950" cy="5816600"/>
+          </a:xfrm>
+          <a:prstGeom prst="rect">
+            <a:avLst/>
+          </a:prstGeom>
+          <a:noFill/>
+        </p:spPr>
+      </p:pic>
+      <p:pic>
+        <p:nvPicPr>
+          <p:cNvPr id="1028" name="Picture 4" descr="E:\00-work\ws_mylabs\gridstudio\docu\截屏\gridstudio-home-plot.png"/>
+          <p:cNvPicPr>
+            <a:picLocks noChangeAspect="1" noChangeArrowheads="1"/>
+          </p:cNvPicPr>
+          <p:nvPr/>
+        </p:nvPicPr>
+        <p:blipFill>
+          <a:blip r:embed="rId4"/>
+          <a:srcRect/>
+          <a:stretch>
+            <a:fillRect/>
+          </a:stretch>
+        </p:blipFill>
+        <p:spPr bwMode="auto">
+          <a:xfrm>
+            <a:off x="-2909888" y="1989138"/>
+            <a:ext cx="11811001" cy="5816600"/>
+          </a:xfrm>
+          <a:prstGeom prst="rect">
+            <a:avLst/>
+          </a:prstGeom>
+          <a:noFill/>
+        </p:spPr>
+      </p:pic>
+      <p:pic>
+        <p:nvPicPr>
+          <p:cNvPr id="1029" name="Picture 5" descr="E:\00-work\ws_mylabs\gridstudio\docu\截屏\gridstudio-home-pythonoutput.png"/>
+          <p:cNvPicPr>
+            <a:picLocks noChangeAspect="1" noChangeArrowheads="1"/>
+          </p:cNvPicPr>
+          <p:nvPr/>
+        </p:nvPicPr>
+        <p:blipFill>
+          <a:blip r:embed="rId5"/>
+          <a:srcRect/>
+          <a:stretch>
+            <a:fillRect/>
+          </a:stretch>
+        </p:blipFill>
+        <p:spPr bwMode="auto">
+          <a:xfrm>
+            <a:off x="-2822575" y="2359025"/>
+            <a:ext cx="11804650" cy="5797550"/>
+          </a:xfrm>
+          <a:prstGeom prst="rect">
+            <a:avLst/>
+          </a:prstGeom>
+          <a:noFill/>
+        </p:spPr>
+      </p:pic>
     </p:spTree>
   </p:cSld>
   <p:clrMapOvr>
@@ -4755,86 +4977,29 @@
             <p:ph type="title"/>
           </p:nvPr>
         </p:nvSpPr>
-        <p:spPr/>
-        <p:txBody>
-          <a:bodyPr/>
-          <a:lstStyle/>
-          <a:p>
-            <a:r>
-              <a:rPr lang="en-US" altLang="zh-CN" smtClean="0"/>
-              <a:t>Xterm.js </a:t>
-            </a:r>
-            <a:r>
-              <a:rPr lang="zh-CN" altLang="en-US" smtClean="0"/>
-              <a:t>技术原理</a:t>
-            </a:r>
-            <a:endParaRPr lang="zh-CN" altLang="en-US"/>
-          </a:p>
-        </p:txBody>
-      </p:sp>
-      <p:sp>
-        <p:nvSpPr>
-          <p:cNvPr id="2050" name="AutoShape 2" descr="https://upload-images.jianshu.io/upload_images/639331-9b7f05fefd527ea8.jpg?imageMogr2/auto-orient/strip%7CimageView2/2/w/750/format/webp"/>
-          <p:cNvSpPr>
-            <a:spLocks noChangeAspect="1" noChangeArrowheads="1"/>
-          </p:cNvSpPr>
-          <p:nvPr/>
-        </p:nvSpPr>
-        <p:spPr bwMode="auto">
-          <a:xfrm>
-            <a:off x="155575" y="-144463"/>
-            <a:ext cx="304800" cy="304801"/>
-          </a:xfrm>
-          <a:prstGeom prst="rect">
-            <a:avLst/>
-          </a:prstGeom>
-          <a:noFill/>
-        </p:spPr>
-        <p:txBody>
-          <a:bodyPr vert="horz" wrap="square" lIns="91440" tIns="45720" rIns="91440" bIns="45720" numCol="1" anchor="t" anchorCtr="0" compatLnSpc="1">
-            <a:prstTxWarp prst="textNoShape">
-              <a:avLst/>
-            </a:prstTxWarp>
+        <p:spPr>
+          <a:xfrm>
+            <a:off x="7143768" y="0"/>
+            <a:ext cx="2000232" cy="285728"/>
+          </a:xfrm>
+        </p:spPr>
+        <p:txBody>
+          <a:bodyPr>
+            <a:normAutofit fontScale="90000"/>
           </a:bodyPr>
           <a:lstStyle/>
           <a:p>
-            <a:endParaRPr lang="zh-CN" altLang="en-US"/>
-          </a:p>
-        </p:txBody>
-      </p:sp>
-      <p:sp>
-        <p:nvSpPr>
-          <p:cNvPr id="2052" name="AutoShape 4" descr="https://upload-images.jianshu.io/upload_images/639331-9b7f05fefd527ea8.jpg?imageMogr2/auto-orient/strip%7CimageView2/2/w/750/format/webp"/>
-          <p:cNvSpPr>
-            <a:spLocks noChangeAspect="1" noChangeArrowheads="1"/>
-          </p:cNvSpPr>
-          <p:nvPr/>
-        </p:nvSpPr>
-        <p:spPr bwMode="auto">
-          <a:xfrm>
-            <a:off x="155575" y="-144463"/>
-            <a:ext cx="304800" cy="304801"/>
-          </a:xfrm>
-          <a:prstGeom prst="rect">
-            <a:avLst/>
-          </a:prstGeom>
-          <a:noFill/>
-        </p:spPr>
-        <p:txBody>
-          <a:bodyPr vert="horz" wrap="square" lIns="91440" tIns="45720" rIns="91440" bIns="45720" numCol="1" anchor="t" anchorCtr="0" compatLnSpc="1">
-            <a:prstTxWarp prst="textNoShape">
-              <a:avLst/>
-            </a:prstTxWarp>
-          </a:bodyPr>
-          <a:lstStyle/>
-          <a:p>
-            <a:endParaRPr lang="zh-CN" altLang="en-US"/>
+            <a:r>
+              <a:rPr lang="zh-CN" altLang="en-US" sz="1400" smtClean="0"/>
+              <a:t>界面－其他</a:t>
+            </a:r>
+            <a:endParaRPr lang="zh-CN" altLang="en-US" sz="1400"/>
           </a:p>
         </p:txBody>
       </p:sp>
       <p:pic>
         <p:nvPicPr>
-          <p:cNvPr id="2054" name="Picture 6" descr="https://upload-images.jianshu.io/upload_images/639331-9b7f05fefd527ea8.jpg?imageMogr2/auto-orient/"/>
+          <p:cNvPr id="4" name="Picture 2" descr="E:\00-work\ws_mylabs\gridstudio\docu\截屏\gridstudio-workspace.png"/>
           <p:cNvPicPr>
             <a:picLocks noChangeAspect="1" noChangeArrowheads="1"/>
           </p:cNvPicPr>
@@ -4842,6 +5007,61 @@
         </p:nvPicPr>
         <p:blipFill>
           <a:blip r:embed="rId2"/>
+          <a:srcRect l="4640" t="4081" r="4864" b="10204"/>
+          <a:stretch>
+            <a:fillRect/>
+          </a:stretch>
+        </p:blipFill>
+        <p:spPr bwMode="auto">
+          <a:xfrm>
+            <a:off x="285720" y="142852"/>
+            <a:ext cx="5572164" cy="3000396"/>
+          </a:xfrm>
+          <a:prstGeom prst="rect">
+            <a:avLst/>
+          </a:prstGeom>
+          <a:solidFill>
+            <a:srgbClr val="FFFFFF">
+              <a:shade val="85000"/>
+            </a:srgbClr>
+          </a:solidFill>
+          <a:ln w="88900" cap="sq">
+            <a:solidFill>
+              <a:srgbClr val="FFFFFF"/>
+            </a:solidFill>
+            <a:miter lim="800000"/>
+          </a:ln>
+          <a:effectLst>
+            <a:outerShdw blurRad="55000" dist="18000" dir="5400000" algn="tl" rotWithShape="0">
+              <a:srgbClr val="000000">
+                <a:alpha val="40000"/>
+              </a:srgbClr>
+            </a:outerShdw>
+          </a:effectLst>
+          <a:scene3d>
+            <a:camera prst="orthographicFront"/>
+            <a:lightRig rig="twoPt" dir="t">
+              <a:rot lat="0" lon="0" rev="7200000"/>
+            </a:lightRig>
+          </a:scene3d>
+          <a:sp3d>
+            <a:bevelT w="25400" h="19050"/>
+            <a:contourClr>
+              <a:srgbClr val="FFFFFF"/>
+            </a:contourClr>
+          </a:sp3d>
+        </p:spPr>
+      </p:pic>
+      <p:pic>
+        <p:nvPicPr>
+          <p:cNvPr id="2050" name="Picture 2" descr="E:\00-work\ws_mylabs\gridstudio\docu\截屏\gridstudio-文件浏览.png"/>
+          <p:cNvPicPr>
+            <a:picLocks noChangeAspect="1" noChangeArrowheads="1"/>
+          </p:cNvPicPr>
+          <p:nvPr/>
+        </p:nvPicPr>
+        <p:blipFill>
+          <a:blip r:embed="rId3"/>
           <a:srcRect/>
           <a:stretch>
             <a:fillRect/>
@@ -4849,13 +5069,152 @@
         </p:blipFill>
         <p:spPr bwMode="auto">
           <a:xfrm>
-            <a:off x="928662" y="1428736"/>
-            <a:ext cx="7143750" cy="5353051"/>
+            <a:off x="2428860" y="2786058"/>
+            <a:ext cx="5063955" cy="2214578"/>
           </a:xfrm>
           <a:prstGeom prst="rect">
             <a:avLst/>
           </a:prstGeom>
-          <a:noFill/>
+          <a:solidFill>
+            <a:srgbClr val="FFFFFF">
+              <a:shade val="85000"/>
+            </a:srgbClr>
+          </a:solidFill>
+          <a:ln w="88900" cap="sq">
+            <a:solidFill>
+              <a:srgbClr val="FFFFFF"/>
+            </a:solidFill>
+            <a:miter lim="800000"/>
+          </a:ln>
+          <a:effectLst>
+            <a:outerShdw blurRad="55000" dist="18000" dir="5400000" algn="tl" rotWithShape="0">
+              <a:srgbClr val="000000">
+                <a:alpha val="40000"/>
+              </a:srgbClr>
+            </a:outerShdw>
+          </a:effectLst>
+          <a:scene3d>
+            <a:camera prst="orthographicFront"/>
+            <a:lightRig rig="twoPt" dir="t">
+              <a:rot lat="0" lon="0" rev="7200000"/>
+            </a:lightRig>
+          </a:scene3d>
+          <a:sp3d>
+            <a:bevelT w="25400" h="19050"/>
+            <a:contourClr>
+              <a:srgbClr val="FFFFFF"/>
+            </a:contourClr>
+          </a:sp3d>
+        </p:spPr>
+      </p:pic>
+      <p:pic>
+        <p:nvPicPr>
+          <p:cNvPr id="2051" name="Picture 3" descr="E:\00-work\ws_mylabs\gridstudio\docu\截屏\gridstudio-邮件菜单.png"/>
+          <p:cNvPicPr>
+            <a:picLocks noChangeAspect="1" noChangeArrowheads="1"/>
+          </p:cNvPicPr>
+          <p:nvPr/>
+        </p:nvPicPr>
+        <p:blipFill>
+          <a:blip r:embed="rId4"/>
+          <a:srcRect/>
+          <a:stretch>
+            <a:fillRect/>
+          </a:stretch>
+        </p:blipFill>
+        <p:spPr bwMode="auto">
+          <a:xfrm>
+            <a:off x="7643834" y="1142984"/>
+            <a:ext cx="1101279" cy="2928933"/>
+          </a:xfrm>
+          <a:prstGeom prst="rect">
+            <a:avLst/>
+          </a:prstGeom>
+          <a:solidFill>
+            <a:srgbClr val="FFFFFF">
+              <a:shade val="85000"/>
+            </a:srgbClr>
+          </a:solidFill>
+          <a:ln w="88900" cap="sq">
+            <a:solidFill>
+              <a:srgbClr val="FFFFFF"/>
+            </a:solidFill>
+            <a:miter lim="800000"/>
+          </a:ln>
+          <a:effectLst>
+            <a:outerShdw blurRad="55000" dist="18000" dir="5400000" algn="tl" rotWithShape="0">
+              <a:srgbClr val="000000">
+                <a:alpha val="40000"/>
+              </a:srgbClr>
+            </a:outerShdw>
+          </a:effectLst>
+          <a:scene3d>
+            <a:camera prst="orthographicFront"/>
+            <a:lightRig rig="twoPt" dir="t">
+              <a:rot lat="0" lon="0" rev="7200000"/>
+            </a:lightRig>
+          </a:scene3d>
+          <a:sp3d>
+            <a:bevelT w="25400" h="19050"/>
+            <a:contourClr>
+              <a:srgbClr val="FFFFFF"/>
+            </a:contourClr>
+          </a:sp3d>
+        </p:spPr>
+      </p:pic>
+      <p:pic>
+        <p:nvPicPr>
+          <p:cNvPr id="2052" name="Picture 4" descr="E:\00-work\ws_mylabs\gridstudio\docu\截屏\gridstudio-function.png"/>
+          <p:cNvPicPr>
+            <a:picLocks noChangeAspect="1" noChangeArrowheads="1"/>
+          </p:cNvPicPr>
+          <p:nvPr/>
+        </p:nvPicPr>
+        <p:blipFill>
+          <a:blip r:embed="rId5"/>
+          <a:srcRect/>
+          <a:stretch>
+            <a:fillRect/>
+          </a:stretch>
+        </p:blipFill>
+        <p:spPr bwMode="auto">
+          <a:xfrm>
+            <a:off x="142844" y="4643446"/>
+            <a:ext cx="4629132" cy="1892066"/>
+          </a:xfrm>
+          <a:prstGeom prst="rect">
+            <a:avLst/>
+          </a:prstGeom>
+          <a:solidFill>
+            <a:srgbClr val="FFFFFF">
+              <a:shade val="85000"/>
+            </a:srgbClr>
+          </a:solidFill>
+          <a:ln w="88900" cap="sq">
+            <a:solidFill>
+              <a:srgbClr val="FFFFFF"/>
+            </a:solidFill>
+            <a:miter lim="800000"/>
+          </a:ln>
+          <a:effectLst>
+            <a:outerShdw blurRad="55000" dist="18000" dir="5400000" algn="tl" rotWithShape="0">
+              <a:srgbClr val="000000">
+                <a:alpha val="40000"/>
+              </a:srgbClr>
+            </a:outerShdw>
+          </a:effectLst>
+          <a:scene3d>
+            <a:camera prst="orthographicFront"/>
+            <a:lightRig rig="twoPt" dir="t">
+              <a:rot lat="0" lon="0" rev="7200000"/>
+            </a:lightRig>
+          </a:scene3d>
+          <a:sp3d>
+            <a:bevelT w="25400" h="19050"/>
+            <a:contourClr>
+              <a:srgbClr val="FFFFFF"/>
+            </a:contourClr>
+          </a:sp3d>
         </p:spPr>
       </p:pic>
     </p:spTree>
@@ -4893,50 +5252,1183 @@
             <p:ph type="title"/>
           </p:nvPr>
         </p:nvSpPr>
+        <p:spPr>
+          <a:xfrm>
+            <a:off x="457200" y="274638"/>
+            <a:ext cx="8229600" cy="368280"/>
+          </a:xfrm>
+        </p:spPr>
+        <p:txBody>
+          <a:bodyPr>
+            <a:normAutofit/>
+          </a:bodyPr>
+          <a:lstStyle/>
+          <a:p>
+            <a:r>
+              <a:rPr lang="zh-CN" altLang="en-US" sz="1600" smtClean="0"/>
+              <a:t>编译与运行初始化流程</a:t>
+            </a:r>
+            <a:endParaRPr lang="zh-CN" altLang="en-US" sz="1600"/>
+          </a:p>
+        </p:txBody>
+      </p:sp>
+      <p:sp>
+        <p:nvSpPr>
+          <p:cNvPr id="4" name="流程图: 文档 3"/>
+          <p:cNvSpPr/>
+          <p:nvPr/>
+        </p:nvSpPr>
+        <p:spPr>
+          <a:xfrm>
+            <a:off x="214282" y="1500174"/>
+            <a:ext cx="804868" cy="357190"/>
+          </a:xfrm>
+          <a:prstGeom prst="flowChartDocument">
+            <a:avLst/>
+          </a:prstGeom>
+          <a:noFill/>
+          <a:ln w="3175"/>
+        </p:spPr>
+        <p:style>
+          <a:lnRef idx="2">
+            <a:schemeClr val="accent1">
+              <a:shade val="50000"/>
+            </a:schemeClr>
+          </a:lnRef>
+          <a:fillRef idx="1">
+            <a:schemeClr val="accent1"/>
+          </a:fillRef>
+          <a:effectRef idx="0">
+            <a:schemeClr val="accent1"/>
+          </a:effectRef>
+          <a:fontRef idx="minor">
+            <a:schemeClr val="lt1"/>
+          </a:fontRef>
+        </p:style>
+        <p:txBody>
+          <a:bodyPr rtlCol="0" anchor="ctr"/>
+          <a:lstStyle/>
+          <a:p>
+            <a:pPr algn="ctr"/>
+            <a:r>
+              <a:rPr lang="en-US" altLang="zh-CN" sz="1200" smtClean="0">
+                <a:solidFill>
+                  <a:schemeClr val="tx1"/>
+                </a:solidFill>
+              </a:rPr>
+              <a:t>dockerfile</a:t>
+            </a:r>
+            <a:endParaRPr lang="zh-CN" altLang="en-US" sz="1200">
+              <a:solidFill>
+                <a:schemeClr val="tx1"/>
+              </a:solidFill>
+            </a:endParaRPr>
+          </a:p>
+        </p:txBody>
+      </p:sp>
+      <p:sp>
+        <p:nvSpPr>
+          <p:cNvPr id="5" name="流程图: 过程 4"/>
+          <p:cNvSpPr/>
+          <p:nvPr/>
+        </p:nvSpPr>
+        <p:spPr>
+          <a:xfrm>
+            <a:off x="1357290" y="1500174"/>
+            <a:ext cx="928694" cy="357190"/>
+          </a:xfrm>
+          <a:prstGeom prst="flowChartProcess">
+            <a:avLst/>
+          </a:prstGeom>
+          <a:noFill/>
+          <a:ln w="3175"/>
+        </p:spPr>
+        <p:style>
+          <a:lnRef idx="2">
+            <a:schemeClr val="accent1">
+              <a:shade val="50000"/>
+            </a:schemeClr>
+          </a:lnRef>
+          <a:fillRef idx="1">
+            <a:schemeClr val="accent1"/>
+          </a:fillRef>
+          <a:effectRef idx="0">
+            <a:schemeClr val="accent1"/>
+          </a:effectRef>
+          <a:fontRef idx="minor">
+            <a:schemeClr val="lt1"/>
+          </a:fontRef>
+        </p:style>
+        <p:txBody>
+          <a:bodyPr rtlCol="0" anchor="ctr"/>
+          <a:lstStyle/>
+          <a:p>
+            <a:pPr algn="ctr"/>
+            <a:r>
+              <a:rPr lang="en-US" altLang="zh-CN" sz="1200" smtClean="0">
+                <a:solidFill>
+                  <a:schemeClr val="tx1"/>
+                </a:solidFill>
+              </a:rPr>
+              <a:t>build.sh</a:t>
+            </a:r>
+            <a:endParaRPr lang="zh-CN" altLang="en-US" sz="1200" smtClean="0">
+              <a:solidFill>
+                <a:schemeClr val="tx1"/>
+              </a:solidFill>
+            </a:endParaRPr>
+          </a:p>
+        </p:txBody>
+      </p:sp>
+      <p:cxnSp>
+        <p:nvCxnSpPr>
+          <p:cNvPr id="7" name="直接箭头连接符 6"/>
+          <p:cNvCxnSpPr>
+            <a:stCxn id="4" idx="3"/>
+            <a:endCxn id="5" idx="1"/>
+          </p:cNvCxnSpPr>
+          <p:nvPr/>
+        </p:nvCxnSpPr>
+        <p:spPr>
+          <a:xfrm>
+            <a:off x="1019150" y="1678769"/>
+            <a:ext cx="338140" cy="1588"/>
+          </a:xfrm>
+          <a:prstGeom prst="straightConnector1">
+            <a:avLst/>
+          </a:prstGeom>
+          <a:ln w="3175">
+            <a:tailEnd type="arrow"/>
+          </a:ln>
+        </p:spPr>
+        <p:style>
+          <a:lnRef idx="1">
+            <a:schemeClr val="accent1"/>
+          </a:lnRef>
+          <a:fillRef idx="0">
+            <a:schemeClr val="accent1"/>
+          </a:fillRef>
+          <a:effectRef idx="0">
+            <a:schemeClr val="accent1"/>
+          </a:effectRef>
+          <a:fontRef idx="minor">
+            <a:schemeClr val="tx1"/>
+          </a:fontRef>
+        </p:style>
+      </p:cxnSp>
+      <p:sp>
+        <p:nvSpPr>
+          <p:cNvPr id="10" name="流程图: 磁盘 9"/>
+          <p:cNvSpPr/>
+          <p:nvPr/>
+        </p:nvSpPr>
+        <p:spPr>
+          <a:xfrm>
+            <a:off x="3000364" y="1142984"/>
+            <a:ext cx="990607" cy="642942"/>
+          </a:xfrm>
+          <a:prstGeom prst="flowChartMagneticDisk">
+            <a:avLst/>
+          </a:prstGeom>
+          <a:noFill/>
+          <a:ln w="3175"/>
+        </p:spPr>
+        <p:style>
+          <a:lnRef idx="2">
+            <a:schemeClr val="accent1">
+              <a:shade val="50000"/>
+            </a:schemeClr>
+          </a:lnRef>
+          <a:fillRef idx="1">
+            <a:schemeClr val="accent1"/>
+          </a:fillRef>
+          <a:effectRef idx="0">
+            <a:schemeClr val="accent1"/>
+          </a:effectRef>
+          <a:fontRef idx="minor">
+            <a:schemeClr val="lt1"/>
+          </a:fontRef>
+        </p:style>
+        <p:txBody>
+          <a:bodyPr rtlCol="0" anchor="ctr"/>
+          <a:lstStyle/>
+          <a:p>
+            <a:pPr algn="ctr"/>
+            <a:r>
+              <a:rPr lang="en-US" altLang="zh-CN" sz="1200" smtClean="0">
+                <a:solidFill>
+                  <a:schemeClr val="tx1"/>
+                </a:solidFill>
+              </a:rPr>
+              <a:t>image</a:t>
+            </a:r>
+            <a:endParaRPr lang="zh-CN" altLang="en-US" sz="1200" smtClean="0">
+              <a:solidFill>
+                <a:schemeClr val="tx1"/>
+              </a:solidFill>
+            </a:endParaRPr>
+          </a:p>
+        </p:txBody>
+      </p:sp>
+      <p:cxnSp>
+        <p:nvCxnSpPr>
+          <p:cNvPr id="12" name="直接箭头连接符 11"/>
+          <p:cNvCxnSpPr>
+            <a:stCxn id="5" idx="3"/>
+            <a:endCxn id="10" idx="2"/>
+          </p:cNvCxnSpPr>
+          <p:nvPr/>
+        </p:nvCxnSpPr>
+        <p:spPr>
+          <a:xfrm flipV="1">
+            <a:off x="2285984" y="1464455"/>
+            <a:ext cx="714380" cy="214314"/>
+          </a:xfrm>
+          <a:prstGeom prst="straightConnector1">
+            <a:avLst/>
+          </a:prstGeom>
+          <a:ln w="3175">
+            <a:tailEnd type="arrow"/>
+          </a:ln>
+        </p:spPr>
+        <p:style>
+          <a:lnRef idx="1">
+            <a:schemeClr val="accent1"/>
+          </a:lnRef>
+          <a:fillRef idx="0">
+            <a:schemeClr val="accent1"/>
+          </a:fillRef>
+          <a:effectRef idx="0">
+            <a:schemeClr val="accent1"/>
+          </a:effectRef>
+          <a:fontRef idx="minor">
+            <a:schemeClr val="tx1"/>
+          </a:fontRef>
+        </p:style>
+      </p:cxnSp>
+      <p:sp>
+        <p:nvSpPr>
+          <p:cNvPr id="18" name="流程图: 过程 17"/>
+          <p:cNvSpPr/>
+          <p:nvPr/>
+        </p:nvSpPr>
+        <p:spPr>
+          <a:xfrm>
+            <a:off x="1357290" y="1000108"/>
+            <a:ext cx="928694" cy="357190"/>
+          </a:xfrm>
+          <a:prstGeom prst="flowChartProcess">
+            <a:avLst/>
+          </a:prstGeom>
+          <a:noFill/>
+          <a:ln w="3175"/>
+        </p:spPr>
+        <p:style>
+          <a:lnRef idx="2">
+            <a:schemeClr val="accent1">
+              <a:shade val="50000"/>
+            </a:schemeClr>
+          </a:lnRef>
+          <a:fillRef idx="1">
+            <a:schemeClr val="accent1"/>
+          </a:fillRef>
+          <a:effectRef idx="0">
+            <a:schemeClr val="accent1"/>
+          </a:effectRef>
+          <a:fontRef idx="minor">
+            <a:schemeClr val="lt1"/>
+          </a:fontRef>
+        </p:style>
+        <p:txBody>
+          <a:bodyPr rtlCol="0" anchor="ctr"/>
+          <a:lstStyle/>
+          <a:p>
+            <a:pPr algn="ctr"/>
+            <a:r>
+              <a:rPr lang="en-US" altLang="zh-CN" sz="1200" smtClean="0">
+                <a:solidFill>
+                  <a:schemeClr val="tx1"/>
+                </a:solidFill>
+              </a:rPr>
+              <a:t>destroy.sh</a:t>
+            </a:r>
+            <a:endParaRPr lang="zh-CN" altLang="en-US" sz="1200" smtClean="0">
+              <a:solidFill>
+                <a:schemeClr val="tx1"/>
+              </a:solidFill>
+            </a:endParaRPr>
+          </a:p>
+        </p:txBody>
+      </p:sp>
+      <p:cxnSp>
+        <p:nvCxnSpPr>
+          <p:cNvPr id="20" name="直接箭头连接符 19"/>
+          <p:cNvCxnSpPr>
+            <a:stCxn id="18" idx="3"/>
+            <a:endCxn id="10" idx="2"/>
+          </p:cNvCxnSpPr>
+          <p:nvPr/>
+        </p:nvCxnSpPr>
+        <p:spPr>
+          <a:xfrm>
+            <a:off x="2285984" y="1178703"/>
+            <a:ext cx="714380" cy="285752"/>
+          </a:xfrm>
+          <a:prstGeom prst="straightConnector1">
+            <a:avLst/>
+          </a:prstGeom>
+          <a:ln w="3175">
+            <a:tailEnd type="arrow"/>
+          </a:ln>
+        </p:spPr>
+        <p:style>
+          <a:lnRef idx="1">
+            <a:schemeClr val="accent1"/>
+          </a:lnRef>
+          <a:fillRef idx="0">
+            <a:schemeClr val="accent1"/>
+          </a:fillRef>
+          <a:effectRef idx="0">
+            <a:schemeClr val="accent1"/>
+          </a:effectRef>
+          <a:fontRef idx="minor">
+            <a:schemeClr val="tx1"/>
+          </a:fontRef>
+        </p:style>
+      </p:cxnSp>
+      <p:sp>
+        <p:nvSpPr>
+          <p:cNvPr id="23" name="流程图: 磁盘 22"/>
+          <p:cNvSpPr/>
+          <p:nvPr/>
+        </p:nvSpPr>
+        <p:spPr>
+          <a:xfrm>
+            <a:off x="3000364" y="2857496"/>
+            <a:ext cx="990607" cy="785818"/>
+          </a:xfrm>
+          <a:prstGeom prst="flowChartMagneticDisk">
+            <a:avLst/>
+          </a:prstGeom>
+          <a:noFill/>
+          <a:ln w="3175"/>
+        </p:spPr>
+        <p:style>
+          <a:lnRef idx="2">
+            <a:schemeClr val="accent1">
+              <a:shade val="50000"/>
+            </a:schemeClr>
+          </a:lnRef>
+          <a:fillRef idx="1">
+            <a:schemeClr val="accent1"/>
+          </a:fillRef>
+          <a:effectRef idx="0">
+            <a:schemeClr val="accent1"/>
+          </a:effectRef>
+          <a:fontRef idx="minor">
+            <a:schemeClr val="lt1"/>
+          </a:fontRef>
+        </p:style>
+        <p:txBody>
+          <a:bodyPr rtlCol="0" anchor="ctr"/>
+          <a:lstStyle/>
+          <a:p>
+            <a:pPr algn="ctr"/>
+            <a:r>
+              <a:rPr lang="en-US" altLang="zh-CN" sz="1200" smtClean="0">
+                <a:solidFill>
+                  <a:schemeClr val="tx1"/>
+                </a:solidFill>
+              </a:rPr>
+              <a:t>container</a:t>
+            </a:r>
+            <a:endParaRPr lang="zh-CN" altLang="en-US" sz="1200" smtClean="0">
+              <a:solidFill>
+                <a:schemeClr val="tx1"/>
+              </a:solidFill>
+            </a:endParaRPr>
+          </a:p>
+        </p:txBody>
+      </p:sp>
+      <p:sp>
+        <p:nvSpPr>
+          <p:cNvPr id="26" name="流程图: 过程 25"/>
+          <p:cNvSpPr/>
+          <p:nvPr/>
+        </p:nvSpPr>
+        <p:spPr>
+          <a:xfrm>
+            <a:off x="1357290" y="2500306"/>
+            <a:ext cx="928694" cy="357190"/>
+          </a:xfrm>
+          <a:prstGeom prst="flowChartProcess">
+            <a:avLst/>
+          </a:prstGeom>
+          <a:noFill/>
+          <a:ln w="3175"/>
+        </p:spPr>
+        <p:style>
+          <a:lnRef idx="2">
+            <a:schemeClr val="accent1">
+              <a:shade val="50000"/>
+            </a:schemeClr>
+          </a:lnRef>
+          <a:fillRef idx="1">
+            <a:schemeClr val="accent1"/>
+          </a:fillRef>
+          <a:effectRef idx="0">
+            <a:schemeClr val="accent1"/>
+          </a:effectRef>
+          <a:fontRef idx="minor">
+            <a:schemeClr val="lt1"/>
+          </a:fontRef>
+        </p:style>
+        <p:txBody>
+          <a:bodyPr rtlCol="0" anchor="ctr"/>
+          <a:lstStyle/>
+          <a:p>
+            <a:pPr algn="ctr"/>
+            <a:r>
+              <a:rPr lang="en-US" altLang="zh-CN" sz="1200" smtClean="0">
+                <a:solidFill>
+                  <a:schemeClr val="tx1"/>
+                </a:solidFill>
+              </a:rPr>
+              <a:t>run.sh</a:t>
+            </a:r>
+            <a:endParaRPr lang="zh-CN" altLang="en-US" sz="1200" smtClean="0">
+              <a:solidFill>
+                <a:schemeClr val="tx1"/>
+              </a:solidFill>
+            </a:endParaRPr>
+          </a:p>
+        </p:txBody>
+      </p:sp>
+      <p:sp>
+        <p:nvSpPr>
+          <p:cNvPr id="27" name="流程图: 过程 26"/>
+          <p:cNvSpPr/>
+          <p:nvPr/>
+        </p:nvSpPr>
+        <p:spPr>
+          <a:xfrm>
+            <a:off x="1357290" y="3071810"/>
+            <a:ext cx="928694" cy="357190"/>
+          </a:xfrm>
+          <a:prstGeom prst="flowChartProcess">
+            <a:avLst/>
+          </a:prstGeom>
+          <a:noFill/>
+          <a:ln w="3175"/>
+        </p:spPr>
+        <p:style>
+          <a:lnRef idx="2">
+            <a:schemeClr val="accent1">
+              <a:shade val="50000"/>
+            </a:schemeClr>
+          </a:lnRef>
+          <a:fillRef idx="1">
+            <a:schemeClr val="accent1"/>
+          </a:fillRef>
+          <a:effectRef idx="0">
+            <a:schemeClr val="accent1"/>
+          </a:effectRef>
+          <a:fontRef idx="minor">
+            <a:schemeClr val="lt1"/>
+          </a:fontRef>
+        </p:style>
+        <p:txBody>
+          <a:bodyPr rtlCol="0" anchor="ctr"/>
+          <a:lstStyle/>
+          <a:p>
+            <a:pPr algn="ctr"/>
+            <a:r>
+              <a:rPr lang="en-US" altLang="zh-CN" sz="1200" smtClean="0">
+                <a:solidFill>
+                  <a:schemeClr val="tx1"/>
+                </a:solidFill>
+              </a:rPr>
+              <a:t>shutdown.sh</a:t>
+            </a:r>
+            <a:endParaRPr lang="zh-CN" altLang="en-US" sz="1200" smtClean="0">
+              <a:solidFill>
+                <a:schemeClr val="tx1"/>
+              </a:solidFill>
+            </a:endParaRPr>
+          </a:p>
+        </p:txBody>
+      </p:sp>
+      <p:cxnSp>
+        <p:nvCxnSpPr>
+          <p:cNvPr id="39" name="直接箭头连接符 38"/>
+          <p:cNvCxnSpPr>
+            <a:stCxn id="27" idx="3"/>
+            <a:endCxn id="23" idx="2"/>
+          </p:cNvCxnSpPr>
+          <p:nvPr/>
+        </p:nvCxnSpPr>
+        <p:spPr>
+          <a:xfrm>
+            <a:off x="2285984" y="3250405"/>
+            <a:ext cx="714380" cy="1588"/>
+          </a:xfrm>
+          <a:prstGeom prst="straightConnector1">
+            <a:avLst/>
+          </a:prstGeom>
+          <a:ln w="3175">
+            <a:tailEnd type="arrow"/>
+          </a:ln>
+        </p:spPr>
+        <p:style>
+          <a:lnRef idx="1">
+            <a:schemeClr val="accent1"/>
+          </a:lnRef>
+          <a:fillRef idx="0">
+            <a:schemeClr val="accent1"/>
+          </a:fillRef>
+          <a:effectRef idx="0">
+            <a:schemeClr val="accent1"/>
+          </a:effectRef>
+          <a:fontRef idx="minor">
+            <a:schemeClr val="tx1"/>
+          </a:fontRef>
+        </p:style>
+      </p:cxnSp>
+      <p:cxnSp>
+        <p:nvCxnSpPr>
+          <p:cNvPr id="43" name="肘形连接符 42"/>
+          <p:cNvCxnSpPr>
+            <a:stCxn id="10" idx="3"/>
+            <a:endCxn id="26" idx="0"/>
+          </p:cNvCxnSpPr>
+          <p:nvPr/>
+        </p:nvCxnSpPr>
+        <p:spPr>
+          <a:xfrm rot="5400000">
+            <a:off x="2301463" y="1306101"/>
+            <a:ext cx="714380" cy="1674031"/>
+          </a:xfrm>
+          <a:prstGeom prst="bentConnector3">
+            <a:avLst>
+              <a:gd name="adj1" fmla="val 50000"/>
+            </a:avLst>
+          </a:prstGeom>
+          <a:ln w="3175">
+            <a:tailEnd type="arrow"/>
+          </a:ln>
+        </p:spPr>
+        <p:style>
+          <a:lnRef idx="1">
+            <a:schemeClr val="accent1"/>
+          </a:lnRef>
+          <a:fillRef idx="0">
+            <a:schemeClr val="accent1"/>
+          </a:fillRef>
+          <a:effectRef idx="0">
+            <a:schemeClr val="accent1"/>
+          </a:effectRef>
+          <a:fontRef idx="minor">
+            <a:schemeClr val="tx1"/>
+          </a:fontRef>
+        </p:style>
+      </p:cxnSp>
+      <p:cxnSp>
+        <p:nvCxnSpPr>
+          <p:cNvPr id="45" name="形状 44"/>
+          <p:cNvCxnSpPr>
+            <a:stCxn id="26" idx="3"/>
+            <a:endCxn id="23" idx="1"/>
+          </p:cNvCxnSpPr>
+          <p:nvPr/>
+        </p:nvCxnSpPr>
+        <p:spPr>
+          <a:xfrm>
+            <a:off x="2285984" y="2678901"/>
+            <a:ext cx="1209684" cy="178595"/>
+          </a:xfrm>
+          <a:prstGeom prst="bentConnector2">
+            <a:avLst/>
+          </a:prstGeom>
+          <a:ln w="3175">
+            <a:tailEnd type="arrow"/>
+          </a:ln>
+        </p:spPr>
+        <p:style>
+          <a:lnRef idx="1">
+            <a:schemeClr val="accent1"/>
+          </a:lnRef>
+          <a:fillRef idx="0">
+            <a:schemeClr val="accent1"/>
+          </a:fillRef>
+          <a:effectRef idx="0">
+            <a:schemeClr val="accent1"/>
+          </a:effectRef>
+          <a:fontRef idx="minor">
+            <a:schemeClr val="tx1"/>
+          </a:fontRef>
+        </p:style>
+      </p:cxnSp>
+      <p:sp>
+        <p:nvSpPr>
+          <p:cNvPr id="65" name="流程图: 过程 64"/>
+          <p:cNvSpPr/>
+          <p:nvPr/>
+        </p:nvSpPr>
+        <p:spPr>
+          <a:xfrm>
+            <a:off x="4929190" y="3714752"/>
+            <a:ext cx="928694" cy="357190"/>
+          </a:xfrm>
+          <a:prstGeom prst="flowChartProcess">
+            <a:avLst/>
+          </a:prstGeom>
+          <a:noFill/>
+          <a:ln w="3175"/>
+        </p:spPr>
+        <p:style>
+          <a:lnRef idx="2">
+            <a:schemeClr val="accent1">
+              <a:shade val="50000"/>
+            </a:schemeClr>
+          </a:lnRef>
+          <a:fillRef idx="1">
+            <a:schemeClr val="accent1"/>
+          </a:fillRef>
+          <a:effectRef idx="0">
+            <a:schemeClr val="accent1"/>
+          </a:effectRef>
+          <a:fontRef idx="minor">
+            <a:schemeClr val="lt1"/>
+          </a:fontRef>
+        </p:style>
+        <p:txBody>
+          <a:bodyPr rtlCol="0" anchor="ctr"/>
+          <a:lstStyle/>
+          <a:p>
+            <a:pPr algn="ctr"/>
+            <a:r>
+              <a:rPr lang="en-US" altLang="zh-CN" sz="1000" smtClean="0">
+                <a:solidFill>
+                  <a:schemeClr val="tx1"/>
+                </a:solidFill>
+              </a:rPr>
+              <a:t>run-manager-proxy.sh</a:t>
+            </a:r>
+            <a:endParaRPr lang="zh-CN" altLang="en-US" sz="1000" smtClean="0">
+              <a:solidFill>
+                <a:schemeClr val="tx1"/>
+              </a:solidFill>
+            </a:endParaRPr>
+          </a:p>
+        </p:txBody>
+      </p:sp>
+      <p:sp>
+        <p:nvSpPr>
+          <p:cNvPr id="68" name="圆角矩形 67"/>
+          <p:cNvSpPr/>
+          <p:nvPr/>
+        </p:nvSpPr>
+        <p:spPr>
+          <a:xfrm>
+            <a:off x="4643438" y="1071546"/>
+            <a:ext cx="4071966" cy="4786346"/>
+          </a:xfrm>
+          <a:prstGeom prst="roundRect">
+            <a:avLst>
+              <a:gd name="adj" fmla="val 4916"/>
+            </a:avLst>
+          </a:prstGeom>
+          <a:noFill/>
+          <a:ln w="3175"/>
+        </p:spPr>
+        <p:style>
+          <a:lnRef idx="2">
+            <a:schemeClr val="accent1">
+              <a:shade val="50000"/>
+            </a:schemeClr>
+          </a:lnRef>
+          <a:fillRef idx="1">
+            <a:schemeClr val="accent1"/>
+          </a:fillRef>
+          <a:effectRef idx="0">
+            <a:schemeClr val="accent1"/>
+          </a:effectRef>
+          <a:fontRef idx="minor">
+            <a:schemeClr val="lt1"/>
+          </a:fontRef>
+        </p:style>
+        <p:txBody>
+          <a:bodyPr rtlCol="0" anchor="ctr"/>
+          <a:lstStyle/>
+          <a:p>
+            <a:pPr algn="ctr"/>
+            <a:endParaRPr lang="zh-CN" altLang="en-US" sz="1200" smtClean="0"/>
+          </a:p>
+        </p:txBody>
+      </p:sp>
+      <p:sp>
+        <p:nvSpPr>
+          <p:cNvPr id="69" name="右箭头 68"/>
+          <p:cNvSpPr/>
+          <p:nvPr/>
+        </p:nvSpPr>
+        <p:spPr>
+          <a:xfrm>
+            <a:off x="4071934" y="3214686"/>
+            <a:ext cx="357190" cy="214314"/>
+          </a:xfrm>
+          <a:prstGeom prst="rightArrow">
+            <a:avLst/>
+          </a:prstGeom>
+          <a:noFill/>
+          <a:ln w="3175"/>
+        </p:spPr>
+        <p:style>
+          <a:lnRef idx="2">
+            <a:schemeClr val="accent1">
+              <a:shade val="50000"/>
+            </a:schemeClr>
+          </a:lnRef>
+          <a:fillRef idx="1">
+            <a:schemeClr val="accent1"/>
+          </a:fillRef>
+          <a:effectRef idx="0">
+            <a:schemeClr val="accent1"/>
+          </a:effectRef>
+          <a:fontRef idx="minor">
+            <a:schemeClr val="lt1"/>
+          </a:fontRef>
+        </p:style>
+        <p:txBody>
+          <a:bodyPr rtlCol="0" anchor="ctr"/>
+          <a:lstStyle/>
+          <a:p>
+            <a:pPr algn="ctr"/>
+            <a:endParaRPr lang="zh-CN" altLang="en-US" sz="1200" smtClean="0"/>
+          </a:p>
+        </p:txBody>
+      </p:sp>
+      <p:sp>
+        <p:nvSpPr>
+          <p:cNvPr id="71" name="流程图: 过程 70"/>
+          <p:cNvSpPr/>
+          <p:nvPr/>
+        </p:nvSpPr>
+        <p:spPr>
+          <a:xfrm>
+            <a:off x="6215074" y="3714752"/>
+            <a:ext cx="1143008" cy="357190"/>
+          </a:xfrm>
+          <a:prstGeom prst="flowChartProcess">
+            <a:avLst/>
+          </a:prstGeom>
+          <a:noFill/>
+          <a:ln w="3175"/>
+        </p:spPr>
+        <p:style>
+          <a:lnRef idx="2">
+            <a:schemeClr val="accent1">
+              <a:shade val="50000"/>
+            </a:schemeClr>
+          </a:lnRef>
+          <a:fillRef idx="1">
+            <a:schemeClr val="accent1"/>
+          </a:fillRef>
+          <a:effectRef idx="0">
+            <a:schemeClr val="accent1"/>
+          </a:effectRef>
+          <a:fontRef idx="minor">
+            <a:schemeClr val="lt1"/>
+          </a:fontRef>
+        </p:style>
+        <p:txBody>
+          <a:bodyPr rtlCol="0" anchor="ctr"/>
+          <a:lstStyle/>
+          <a:p>
+            <a:pPr algn="ctr"/>
+            <a:r>
+              <a:rPr lang="en-US" altLang="zh-CN" sz="1000" smtClean="0">
+                <a:solidFill>
+                  <a:schemeClr val="tx1"/>
+                </a:solidFill>
+              </a:rPr>
+              <a:t>manager.go</a:t>
+            </a:r>
+            <a:endParaRPr lang="zh-CN" altLang="en-US" sz="1000" smtClean="0">
+              <a:solidFill>
+                <a:schemeClr val="tx1"/>
+              </a:solidFill>
+            </a:endParaRPr>
+          </a:p>
+        </p:txBody>
+      </p:sp>
+      <p:sp>
+        <p:nvSpPr>
+          <p:cNvPr id="72" name="矩形 71"/>
+          <p:cNvSpPr/>
+          <p:nvPr/>
+        </p:nvSpPr>
+        <p:spPr>
+          <a:xfrm>
+            <a:off x="6643702" y="4143380"/>
+            <a:ext cx="714380" cy="142876"/>
+          </a:xfrm>
+          <a:prstGeom prst="rect">
+            <a:avLst/>
+          </a:prstGeom>
+          <a:noFill/>
+          <a:ln w="3175"/>
+        </p:spPr>
+        <p:style>
+          <a:lnRef idx="2">
+            <a:schemeClr val="accent1">
+              <a:shade val="50000"/>
+            </a:schemeClr>
+          </a:lnRef>
+          <a:fillRef idx="1">
+            <a:schemeClr val="accent1"/>
+          </a:fillRef>
+          <a:effectRef idx="0">
+            <a:schemeClr val="accent1"/>
+          </a:effectRef>
+          <a:fontRef idx="minor">
+            <a:schemeClr val="lt1"/>
+          </a:fontRef>
+        </p:style>
+        <p:txBody>
+          <a:bodyPr rtlCol="0" anchor="ctr"/>
+          <a:lstStyle/>
+          <a:p>
+            <a:pPr algn="ctr"/>
+            <a:r>
+              <a:rPr lang="en-US" altLang="zh-CN" sz="1000" smtClean="0">
+                <a:solidFill>
+                  <a:schemeClr val="tx1"/>
+                </a:solidFill>
+              </a:rPr>
+              <a:t>GoCmd</a:t>
+            </a:r>
+            <a:endParaRPr lang="zh-CN" altLang="en-US" sz="1000" smtClean="0">
+              <a:solidFill>
+                <a:schemeClr val="tx1"/>
+              </a:solidFill>
+            </a:endParaRPr>
+          </a:p>
+        </p:txBody>
+      </p:sp>
+      <p:sp>
+        <p:nvSpPr>
+          <p:cNvPr id="73" name="矩形 72"/>
+          <p:cNvSpPr/>
+          <p:nvPr/>
+        </p:nvSpPr>
+        <p:spPr>
+          <a:xfrm>
+            <a:off x="6643702" y="4286256"/>
+            <a:ext cx="714380" cy="142876"/>
+          </a:xfrm>
+          <a:prstGeom prst="rect">
+            <a:avLst/>
+          </a:prstGeom>
+          <a:noFill/>
+          <a:ln w="3175"/>
+        </p:spPr>
+        <p:style>
+          <a:lnRef idx="2">
+            <a:schemeClr val="accent1">
+              <a:shade val="50000"/>
+            </a:schemeClr>
+          </a:lnRef>
+          <a:fillRef idx="1">
+            <a:schemeClr val="accent1"/>
+          </a:fillRef>
+          <a:effectRef idx="0">
+            <a:schemeClr val="accent1"/>
+          </a:effectRef>
+          <a:fontRef idx="minor">
+            <a:schemeClr val="lt1"/>
+          </a:fontRef>
+        </p:style>
+        <p:txBody>
+          <a:bodyPr rtlCol="0" anchor="ctr"/>
+          <a:lstStyle/>
+          <a:p>
+            <a:pPr algn="ctr"/>
+            <a:r>
+              <a:rPr lang="en-US" altLang="zh-CN" sz="1000" smtClean="0">
+                <a:solidFill>
+                  <a:schemeClr val="tx1"/>
+                </a:solidFill>
+              </a:rPr>
+              <a:t>NodeCmd</a:t>
+            </a:r>
+            <a:endParaRPr lang="zh-CN" altLang="en-US" sz="1000" smtClean="0">
+              <a:solidFill>
+                <a:schemeClr val="tx1"/>
+              </a:solidFill>
+            </a:endParaRPr>
+          </a:p>
+        </p:txBody>
+      </p:sp>
+      <p:cxnSp>
+        <p:nvCxnSpPr>
+          <p:cNvPr id="82" name="直接箭头连接符 81"/>
+          <p:cNvCxnSpPr>
+            <a:stCxn id="65" idx="3"/>
+            <a:endCxn id="71" idx="1"/>
+          </p:cNvCxnSpPr>
+          <p:nvPr/>
+        </p:nvCxnSpPr>
+        <p:spPr>
+          <a:xfrm>
+            <a:off x="5857884" y="3893347"/>
+            <a:ext cx="357190" cy="1588"/>
+          </a:xfrm>
+          <a:prstGeom prst="straightConnector1">
+            <a:avLst/>
+          </a:prstGeom>
+          <a:ln>
+            <a:tailEnd type="arrow"/>
+          </a:ln>
+        </p:spPr>
+        <p:style>
+          <a:lnRef idx="1">
+            <a:schemeClr val="accent1"/>
+          </a:lnRef>
+          <a:fillRef idx="0">
+            <a:schemeClr val="accent1"/>
+          </a:fillRef>
+          <a:effectRef idx="0">
+            <a:schemeClr val="accent1"/>
+          </a:effectRef>
+          <a:fontRef idx="minor">
+            <a:schemeClr val="tx1"/>
+          </a:fontRef>
+        </p:style>
+      </p:cxnSp>
+    </p:spTree>
+  </p:cSld>
+  <p:clrMapOvr>
+    <a:masterClrMapping/>
+  </p:clrMapOvr>
+</p:sld>
+</file>
+
+<file path=ppt/slides/slide8.xml><?xml version="1.0" encoding="utf-8"?>
+<p:sld xmlns:a="http://schemas.openxmlformats.org/drawingml/2006/main" xmlns:r="http://schemas.openxmlformats.org/officeDocument/2006/relationships" xmlns:p="http://schemas.openxmlformats.org/presentationml/2006/main">
+  <p:cSld>
+    <p:spTree>
+      <p:nvGrpSpPr>
+        <p:cNvPr id="1" name=""/>
+        <p:cNvGrpSpPr/>
+        <p:nvPr/>
+      </p:nvGrpSpPr>
+      <p:grpSpPr>
+        <a:xfrm>
+          <a:off x="0" y="0"/>
+          <a:ext cx="0" cy="0"/>
+          <a:chOff x="0" y="0"/>
+          <a:chExt cx="0" cy="0"/>
+        </a:xfrm>
+      </p:grpSpPr>
+      <p:sp>
+        <p:nvSpPr>
+          <p:cNvPr id="2" name="标题 1"/>
+          <p:cNvSpPr>
+            <a:spLocks noGrp="1"/>
+          </p:cNvSpPr>
+          <p:nvPr>
+            <p:ph type="title"/>
+          </p:nvPr>
+        </p:nvSpPr>
         <p:spPr/>
         <p:txBody>
           <a:bodyPr/>
           <a:lstStyle/>
           <a:p>
             <a:r>
+              <a:rPr lang="zh-CN" altLang="en-US" smtClean="0"/>
+              <a:t>功能扩展点</a:t>
+            </a:r>
+            <a:endParaRPr lang="zh-CN" altLang="en-US"/>
+          </a:p>
+        </p:txBody>
+      </p:sp>
+      <p:sp>
+        <p:nvSpPr>
+          <p:cNvPr id="3" name="内容占位符 2"/>
+          <p:cNvSpPr>
+            <a:spLocks noGrp="1"/>
+          </p:cNvSpPr>
+          <p:nvPr>
+            <p:ph idx="1"/>
+          </p:nvPr>
+        </p:nvSpPr>
+        <p:spPr/>
+        <p:txBody>
+          <a:bodyPr/>
+          <a:lstStyle/>
+          <a:p>
+            <a:r>
+              <a:rPr lang="zh-CN" altLang="en-US" smtClean="0"/>
+              <a:t>主菜单</a:t>
+            </a:r>
+            <a:endParaRPr lang="en-US" altLang="zh-CN" smtClean="0"/>
+          </a:p>
+          <a:p>
+            <a:r>
+              <a:rPr lang="zh-CN" altLang="en-US" smtClean="0"/>
+              <a:t>右键菜单</a:t>
+            </a:r>
+            <a:endParaRPr lang="en-US" altLang="zh-CN" smtClean="0"/>
+          </a:p>
+          <a:p>
+            <a:r>
+              <a:rPr lang="zh-CN" altLang="en-US" smtClean="0"/>
+              <a:t>函数</a:t>
+            </a:r>
+            <a:endParaRPr lang="zh-CN" altLang="en-US"/>
+          </a:p>
+        </p:txBody>
+      </p:sp>
+    </p:spTree>
+  </p:cSld>
+  <p:clrMapOvr>
+    <a:masterClrMapping/>
+  </p:clrMapOvr>
+</p:sld>
+</file>
+
+<file path=ppt/slides/slide9.xml><?xml version="1.0" encoding="utf-8"?>
+<p:sld xmlns:a="http://schemas.openxmlformats.org/drawingml/2006/main" xmlns:r="http://schemas.openxmlformats.org/officeDocument/2006/relationships" xmlns:p="http://schemas.openxmlformats.org/presentationml/2006/main">
+  <p:cSld>
+    <p:spTree>
+      <p:nvGrpSpPr>
+        <p:cNvPr id="1" name=""/>
+        <p:cNvGrpSpPr/>
+        <p:nvPr/>
+      </p:nvGrpSpPr>
+      <p:grpSpPr>
+        <a:xfrm>
+          <a:off x="0" y="0"/>
+          <a:ext cx="0" cy="0"/>
+          <a:chOff x="0" y="0"/>
+          <a:chExt cx="0" cy="0"/>
+        </a:xfrm>
+      </p:grpSpPr>
+      <p:sp>
+        <p:nvSpPr>
+          <p:cNvPr id="2" name="标题 1"/>
+          <p:cNvSpPr>
+            <a:spLocks noGrp="1"/>
+          </p:cNvSpPr>
+          <p:nvPr>
+            <p:ph type="title"/>
+          </p:nvPr>
+        </p:nvSpPr>
+        <p:spPr/>
+        <p:txBody>
+          <a:bodyPr/>
+          <a:lstStyle/>
+          <a:p>
+            <a:r>
               <a:rPr lang="en-US" altLang="zh-CN" smtClean="0"/>
-              <a:t>Python</a:t>
-            </a:r>
-            <a:r>
-              <a:rPr lang="zh-CN" altLang="en-US" smtClean="0"/>
-              <a:t>集成</a:t>
-            </a:r>
-            <a:endParaRPr lang="zh-CN" altLang="en-US"/>
-          </a:p>
-        </p:txBody>
-      </p:sp>
-      <p:sp>
-        <p:nvSpPr>
-          <p:cNvPr id="3" name="内容占位符 2"/>
-          <p:cNvSpPr>
-            <a:spLocks noGrp="1"/>
-          </p:cNvSpPr>
-          <p:nvPr>
-            <p:ph idx="1"/>
-          </p:nvPr>
-        </p:nvSpPr>
-        <p:spPr/>
-        <p:txBody>
-          <a:bodyPr/>
-          <a:lstStyle/>
-          <a:p>
-            <a:r>
-              <a:rPr lang="en-US" altLang="zh-CN" smtClean="0"/>
-              <a:t>Python</a:t>
-            </a:r>
-            <a:r>
-              <a:rPr lang="zh-CN" altLang="en-US" smtClean="0"/>
-              <a:t>是如何运行的</a:t>
-            </a:r>
-            <a:endParaRPr lang="zh-CN" altLang="en-US"/>
-          </a:p>
-        </p:txBody>
-      </p:sp>
+              <a:t>Xterm.js </a:t>
+            </a:r>
+            <a:r>
+              <a:rPr lang="zh-CN" altLang="en-US" smtClean="0"/>
+              <a:t>技术原理</a:t>
+            </a:r>
+            <a:endParaRPr lang="zh-CN" altLang="en-US"/>
+          </a:p>
+        </p:txBody>
+      </p:sp>
+      <p:sp>
+        <p:nvSpPr>
+          <p:cNvPr id="2050" name="AutoShape 2" descr="https://upload-images.jianshu.io/upload_images/639331-9b7f05fefd527ea8.jpg?imageMogr2/auto-orient/strip%7CimageView2/2/w/750/format/webp"/>
+          <p:cNvSpPr>
+            <a:spLocks noChangeAspect="1" noChangeArrowheads="1"/>
+          </p:cNvSpPr>
+          <p:nvPr/>
+        </p:nvSpPr>
+        <p:spPr bwMode="auto">
+          <a:xfrm>
+            <a:off x="155575" y="-144463"/>
+            <a:ext cx="304800" cy="304801"/>
+          </a:xfrm>
+          <a:prstGeom prst="rect">
+            <a:avLst/>
+          </a:prstGeom>
+          <a:noFill/>
+        </p:spPr>
+        <p:txBody>
+          <a:bodyPr vert="horz" wrap="square" lIns="91440" tIns="45720" rIns="91440" bIns="45720" numCol="1" anchor="t" anchorCtr="0" compatLnSpc="1">
+            <a:prstTxWarp prst="textNoShape">
+              <a:avLst/>
+            </a:prstTxWarp>
+          </a:bodyPr>
+          <a:lstStyle/>
+          <a:p>
+            <a:endParaRPr lang="zh-CN" altLang="en-US"/>
+          </a:p>
+        </p:txBody>
+      </p:sp>
+      <p:sp>
+        <p:nvSpPr>
+          <p:cNvPr id="2052" name="AutoShape 4" descr="https://upload-images.jianshu.io/upload_images/639331-9b7f05fefd527ea8.jpg?imageMogr2/auto-orient/strip%7CimageView2/2/w/750/format/webp"/>
+          <p:cNvSpPr>
+            <a:spLocks noChangeAspect="1" noChangeArrowheads="1"/>
+          </p:cNvSpPr>
+          <p:nvPr/>
+        </p:nvSpPr>
+        <p:spPr bwMode="auto">
+          <a:xfrm>
+            <a:off x="155575" y="-144463"/>
+            <a:ext cx="304800" cy="304801"/>
+          </a:xfrm>
+          <a:prstGeom prst="rect">
+            <a:avLst/>
+          </a:prstGeom>
+          <a:noFill/>
+        </p:spPr>
+        <p:txBody>
+          <a:bodyPr vert="horz" wrap="square" lIns="91440" tIns="45720" rIns="91440" bIns="45720" numCol="1" anchor="t" anchorCtr="0" compatLnSpc="1">
+            <a:prstTxWarp prst="textNoShape">
+              <a:avLst/>
+            </a:prstTxWarp>
+          </a:bodyPr>
+          <a:lstStyle/>
+          <a:p>
+            <a:endParaRPr lang="zh-CN" altLang="en-US"/>
+          </a:p>
+        </p:txBody>
+      </p:sp>
+      <p:pic>
+        <p:nvPicPr>
+          <p:cNvPr id="2054" name="Picture 6" descr="https://upload-images.jianshu.io/upload_images/639331-9b7f05fefd527ea8.jpg?imageMogr2/auto-orient/"/>
+          <p:cNvPicPr>
+            <a:picLocks noChangeAspect="1" noChangeArrowheads="1"/>
+          </p:cNvPicPr>
+          <p:nvPr/>
+        </p:nvPicPr>
+        <p:blipFill>
+          <a:blip r:embed="rId2"/>
+          <a:srcRect/>
+          <a:stretch>
+            <a:fillRect/>
+          </a:stretch>
+        </p:blipFill>
+        <p:spPr bwMode="auto">
+          <a:xfrm>
+            <a:off x="928662" y="1428736"/>
+            <a:ext cx="7143750" cy="5353051"/>
+          </a:xfrm>
+          <a:prstGeom prst="rect">
+            <a:avLst/>
+          </a:prstGeom>
+          <a:noFill/>
+        </p:spPr>
+      </p:pic>
     </p:spTree>
   </p:cSld>
   <p:clrMapOvr>
@@ -5223,7 +6715,33 @@
       </a:bgFillStyleLst>
     </a:fmtScheme>
   </a:themeElements>
-  <a:objectDefaults/>
+  <a:objectDefaults>
+    <a:spDef>
+      <a:spPr/>
+      <a:bodyPr rtlCol="0" anchor="ctr"/>
+      <a:lstStyle>
+        <a:defPPr algn="ctr">
+          <a:defRPr sz="1200" smtClean="0"/>
+        </a:defPPr>
+      </a:lstStyle>
+      <a:style>
+        <a:lnRef idx="2">
+          <a:schemeClr val="accent1">
+            <a:shade val="50000"/>
+          </a:schemeClr>
+        </a:lnRef>
+        <a:fillRef idx="1">
+          <a:schemeClr val="accent1"/>
+        </a:fillRef>
+        <a:effectRef idx="0">
+          <a:schemeClr val="accent1"/>
+        </a:effectRef>
+        <a:fontRef idx="minor">
+          <a:schemeClr val="lt1"/>
+        </a:fontRef>
+      </a:style>
+    </a:spDef>
+  </a:objectDefaults>
   <a:extraClrSchemeLst/>
 </a:theme>
 </file>